--- a/lectures/DJ-07-Cookies-Sessions.pptx
+++ b/lectures/DJ-07-Cookies-Sessions.pptx
@@ -226,7 +226,7 @@
           <a:p>
             <a:fld id="{C97B56FC-7D2E-F343-9D09-0D14B00AA564}" type="datetimeFigureOut">
               <a:rPr lang="en-US" smtClean="0"/>
-              <a:t>9/20/19</a:t>
+              <a:t>9/24/19</a:t>
             </a:fld>
             <a:endParaRPr lang="en-US"/>
           </a:p>
@@ -5093,7 +5093,7 @@
           <a:p>
             <a:fld id="{EEE7C04C-7AF8-1445-A186-502B631B934F}" type="datetimeFigureOut">
               <a:rPr lang="en-US" smtClean="0"/>
-              <a:t>9/20/19</a:t>
+              <a:t>9/24/19</a:t>
             </a:fld>
             <a:endParaRPr lang="en-US"/>
           </a:p>
@@ -5258,7 +5258,7 @@
           <a:p>
             <a:fld id="{EEE7C04C-7AF8-1445-A186-502B631B934F}" type="datetimeFigureOut">
               <a:rPr lang="en-US" smtClean="0"/>
-              <a:t>9/20/19</a:t>
+              <a:t>9/24/19</a:t>
             </a:fld>
             <a:endParaRPr lang="en-US"/>
           </a:p>
@@ -5433,7 +5433,7 @@
           <a:p>
             <a:fld id="{EEE7C04C-7AF8-1445-A186-502B631B934F}" type="datetimeFigureOut">
               <a:rPr lang="en-US" smtClean="0"/>
-              <a:t>9/20/19</a:t>
+              <a:t>9/24/19</a:t>
             </a:fld>
             <a:endParaRPr lang="en-US"/>
           </a:p>
@@ -5598,7 +5598,7 @@
           <a:p>
             <a:fld id="{EEE7C04C-7AF8-1445-A186-502B631B934F}" type="datetimeFigureOut">
               <a:rPr lang="en-US" smtClean="0"/>
-              <a:t>9/20/19</a:t>
+              <a:t>9/24/19</a:t>
             </a:fld>
             <a:endParaRPr lang="en-US"/>
           </a:p>
@@ -5839,7 +5839,7 @@
           <a:p>
             <a:fld id="{EEE7C04C-7AF8-1445-A186-502B631B934F}" type="datetimeFigureOut">
               <a:rPr lang="en-US" smtClean="0"/>
-              <a:t>9/20/19</a:t>
+              <a:t>9/24/19</a:t>
             </a:fld>
             <a:endParaRPr lang="en-US"/>
           </a:p>
@@ -6066,7 +6066,7 @@
           <a:p>
             <a:fld id="{EEE7C04C-7AF8-1445-A186-502B631B934F}" type="datetimeFigureOut">
               <a:rPr lang="en-US" smtClean="0"/>
-              <a:t>9/20/19</a:t>
+              <a:t>9/24/19</a:t>
             </a:fld>
             <a:endParaRPr lang="en-US"/>
           </a:p>
@@ -6428,7 +6428,7 @@
           <a:p>
             <a:fld id="{EEE7C04C-7AF8-1445-A186-502B631B934F}" type="datetimeFigureOut">
               <a:rPr lang="en-US" smtClean="0"/>
-              <a:t>9/20/19</a:t>
+              <a:t>9/24/19</a:t>
             </a:fld>
             <a:endParaRPr lang="en-US"/>
           </a:p>
@@ -6541,7 +6541,7 @@
           <a:p>
             <a:fld id="{EEE7C04C-7AF8-1445-A186-502B631B934F}" type="datetimeFigureOut">
               <a:rPr lang="en-US" smtClean="0"/>
-              <a:t>9/20/19</a:t>
+              <a:t>9/24/19</a:t>
             </a:fld>
             <a:endParaRPr lang="en-US"/>
           </a:p>
@@ -6631,7 +6631,7 @@
           <a:p>
             <a:fld id="{EEE7C04C-7AF8-1445-A186-502B631B934F}" type="datetimeFigureOut">
               <a:rPr lang="en-US" smtClean="0"/>
-              <a:t>9/20/19</a:t>
+              <a:t>9/24/19</a:t>
             </a:fld>
             <a:endParaRPr lang="en-US"/>
           </a:p>
@@ -6903,7 +6903,7 @@
           <a:p>
             <a:fld id="{EEE7C04C-7AF8-1445-A186-502B631B934F}" type="datetimeFigureOut">
               <a:rPr lang="en-US" smtClean="0"/>
-              <a:t>9/20/19</a:t>
+              <a:t>9/24/19</a:t>
             </a:fld>
             <a:endParaRPr lang="en-US"/>
           </a:p>
@@ -7155,7 +7155,7 @@
           <a:p>
             <a:fld id="{EEE7C04C-7AF8-1445-A186-502B631B934F}" type="datetimeFigureOut">
               <a:rPr lang="en-US" smtClean="0"/>
-              <a:t>9/20/19</a:t>
+              <a:t>9/24/19</a:t>
             </a:fld>
             <a:endParaRPr lang="en-US"/>
           </a:p>
@@ -7363,7 +7363,7 @@
           <a:p>
             <a:fld id="{EEE7C04C-7AF8-1445-A186-502B631B934F}" type="datetimeFigureOut">
               <a:rPr lang="en-US" smtClean="0"/>
-              <a:t>9/20/19</a:t>
+              <a:t>9/24/19</a:t>
             </a:fld>
             <a:endParaRPr lang="en-US"/>
           </a:p>
@@ -7852,10 +7852,10 @@
           <p:cNvPr id="17" name="Freeform: Shape 16">
             <a:extLst>
               <a:ext uri="{FF2B5EF4-FFF2-40B4-BE49-F238E27FC236}">
-                <a16:creationId xmlns="" xmlns:a16="http://schemas.microsoft.com/office/drawing/2014/main" id="{BCC55ACC-A2F6-403C-A3A4-D59B3734D45F}"/>
+                <a16:creationId xmlns:a16="http://schemas.microsoft.com/office/drawing/2014/main" xmlns="" id="{BCC55ACC-A2F6-403C-A3A4-D59B3734D45F}"/>
               </a:ext>
               <a:ext uri="{C183D7F6-B498-43B3-948B-1728B52AA6E4}">
-                <adec:decorative xmlns="" xmlns:adec="http://schemas.microsoft.com/office/drawing/2017/decorative" val="1"/>
+                <adec:decorative xmlns:adec="http://schemas.microsoft.com/office/drawing/2017/decorative" xmlns="" val="1"/>
               </a:ext>
             </a:extLst>
           </p:cNvPr>
@@ -12438,8 +12438,8 @@
           <a:p>
             <a:pPr algn="r"/>
             <a:r>
-              <a:rPr lang="en-US" dirty="0" err="1" smtClean="0"/>
-              <a:t>DJango</a:t>
+              <a:rPr lang="en-US" dirty="0" smtClean="0"/>
+              <a:t>Django</a:t>
             </a:r>
             <a:endParaRPr lang="en-US" dirty="0"/>
           </a:p>
@@ -16014,8 +16014,8 @@
           <a:p>
             <a:pPr algn="r"/>
             <a:r>
-              <a:rPr lang="en-US" dirty="0" err="1" smtClean="0"/>
-              <a:t>DJango</a:t>
+              <a:rPr lang="en-US" dirty="0" smtClean="0"/>
+              <a:t>Django</a:t>
             </a:r>
             <a:endParaRPr lang="en-US" dirty="0"/>
           </a:p>

--- a/lectures/DJ-07-Cookies-Sessions.pptx
+++ b/lectures/DJ-07-Cookies-Sessions.pptx
@@ -5,7 +5,7 @@
     <p:sldMasterId id="2147483660" r:id="rId1"/>
   </p:sldMasterIdLst>
   <p:notesMasterIdLst>
-    <p:notesMasterId r:id="rId32"/>
+    <p:notesMasterId r:id="rId33"/>
   </p:notesMasterIdLst>
   <p:sldIdLst>
     <p:sldId id="258" r:id="rId2"/>
@@ -14,12 +14,12 @@
     <p:sldId id="313" r:id="rId5"/>
     <p:sldId id="314" r:id="rId6"/>
     <p:sldId id="315" r:id="rId7"/>
-    <p:sldId id="316" r:id="rId8"/>
+    <p:sldId id="375" r:id="rId8"/>
     <p:sldId id="317" r:id="rId9"/>
-    <p:sldId id="356" r:id="rId10"/>
-    <p:sldId id="357" r:id="rId11"/>
-    <p:sldId id="358" r:id="rId12"/>
-    <p:sldId id="359" r:id="rId13"/>
+    <p:sldId id="365" r:id="rId10"/>
+    <p:sldId id="366" r:id="rId11"/>
+    <p:sldId id="367" r:id="rId12"/>
+    <p:sldId id="368" r:id="rId13"/>
     <p:sldId id="321" r:id="rId14"/>
     <p:sldId id="322" r:id="rId15"/>
     <p:sldId id="353" r:id="rId16"/>
@@ -31,13 +31,14 @@
     <p:sldId id="329" r:id="rId22"/>
     <p:sldId id="328" r:id="rId23"/>
     <p:sldId id="334" r:id="rId24"/>
-    <p:sldId id="335" r:id="rId25"/>
-    <p:sldId id="360" r:id="rId26"/>
-    <p:sldId id="361" r:id="rId27"/>
+    <p:sldId id="372" r:id="rId25"/>
+    <p:sldId id="373" r:id="rId26"/>
+    <p:sldId id="374" r:id="rId27"/>
     <p:sldId id="362" r:id="rId28"/>
     <p:sldId id="363" r:id="rId29"/>
     <p:sldId id="349" r:id="rId30"/>
     <p:sldId id="350" r:id="rId31"/>
+    <p:sldId id="364" r:id="rId32"/>
   </p:sldIdLst>
   <p:sldSz cx="12192000" cy="6858000"/>
   <p:notesSz cx="6858000" cy="9144000"/>
@@ -226,7 +227,7 @@
           <a:p>
             <a:fld id="{C97B56FC-7D2E-F343-9D09-0D14B00AA564}" type="datetimeFigureOut">
               <a:rPr lang="en-US" smtClean="0"/>
-              <a:t>9/24/19</a:t>
+              <a:t>9/29/19</a:t>
             </a:fld>
             <a:endParaRPr lang="en-US"/>
           </a:p>
@@ -786,1917 +787,6 @@
       </p:grpSpPr>
       <p:sp>
         <p:nvSpPr>
-          <p:cNvPr id="30721" name="Slide Image Placeholder 1"/>
-          <p:cNvSpPr>
-            <a:spLocks noGrp="1" noRot="1" noChangeAspect="1" noTextEdit="1"/>
-          </p:cNvSpPr>
-          <p:nvPr>
-            <p:ph type="sldImg"/>
-          </p:nvPr>
-        </p:nvSpPr>
-        <p:spPr bwMode="auto">
-          <a:noFill/>
-          <a:ln>
-            <a:solidFill>
-              <a:srgbClr val="000000"/>
-            </a:solidFill>
-            <a:miter lim="800000"/>
-            <a:headEnd/>
-            <a:tailEnd/>
-          </a:ln>
-          <a:extLst>
-            <a:ext uri="{909E8E84-426E-40DD-AFC4-6F175D3DCCD1}">
-              <a14:hiddenFill xmlns:a14="http://schemas.microsoft.com/office/drawing/2010/main">
-                <a:solidFill>
-                  <a:srgbClr val="FFFFFF"/>
-                </a:solidFill>
-              </a14:hiddenFill>
-            </a:ext>
-            <a:ext uri="{FAA26D3D-D897-4be2-8F04-BA451C77F1D7}">
-              <ma14:placeholderFlag xmlns:ma14="http://schemas.microsoft.com/office/mac/drawingml/2011/main" val="1"/>
-            </a:ext>
-          </a:extLst>
-        </p:spPr>
-      </p:sp>
-      <p:sp>
-        <p:nvSpPr>
-          <p:cNvPr id="30722" name="Notes Placeholder 2"/>
-          <p:cNvSpPr>
-            <a:spLocks noGrp="1"/>
-          </p:cNvSpPr>
-          <p:nvPr>
-            <p:ph type="body" idx="1"/>
-          </p:nvPr>
-        </p:nvSpPr>
-        <p:spPr bwMode="auto">
-          <a:noFill/>
-          <a:extLst>
-            <a:ext uri="{909E8E84-426E-40DD-AFC4-6F175D3DCCD1}">
-              <a14:hiddenFill xmlns:a14="http://schemas.microsoft.com/office/drawing/2010/main">
-                <a:solidFill>
-                  <a:srgbClr val="FFFFFF"/>
-                </a:solidFill>
-              </a14:hiddenFill>
-            </a:ext>
-            <a:ext uri="{91240B29-F687-4F45-9708-019B960494DF}">
-              <a14:hiddenLine xmlns:a14="http://schemas.microsoft.com/office/drawing/2010/main" w="9525">
-                <a:solidFill>
-                  <a:srgbClr val="000000"/>
-                </a:solidFill>
-                <a:miter lim="800000"/>
-                <a:headEnd/>
-                <a:tailEnd/>
-              </a14:hiddenLine>
-            </a:ext>
-            <a:ext uri="{FAA26D3D-D897-4be2-8F04-BA451C77F1D7}">
-              <ma14:placeholderFlag xmlns:ma14="http://schemas.microsoft.com/office/mac/drawingml/2011/main" val="1"/>
-            </a:ext>
-          </a:extLst>
-        </p:spPr>
-        <p:txBody>
-          <a:bodyPr wrap="square" numCol="1" anchor="t" anchorCtr="0" compatLnSpc="1">
-            <a:prstTxWarp prst="textNoShape">
-              <a:avLst/>
-            </a:prstTxWarp>
-          </a:bodyPr>
-          <a:lstStyle/>
-          <a:p>
-            <a:endParaRPr lang="x-none" altLang="x-none">
-              <a:ea typeface="ＭＳ Ｐゴシック" charset="-128"/>
-            </a:endParaRPr>
-          </a:p>
-        </p:txBody>
-      </p:sp>
-      <p:sp>
-        <p:nvSpPr>
-          <p:cNvPr id="30723" name="Slide Number Placeholder 3"/>
-          <p:cNvSpPr>
-            <a:spLocks noGrp="1"/>
-          </p:cNvSpPr>
-          <p:nvPr>
-            <p:ph type="sldNum" sz="quarter" idx="5"/>
-          </p:nvPr>
-        </p:nvSpPr>
-        <p:spPr bwMode="auto">
-          <a:noFill/>
-          <a:extLst>
-            <a:ext uri="{909E8E84-426E-40DD-AFC4-6F175D3DCCD1}">
-              <a14:hiddenFill xmlns:a14="http://schemas.microsoft.com/office/drawing/2010/main">
-                <a:solidFill>
-                  <a:srgbClr val="FFFFFF"/>
-                </a:solidFill>
-              </a14:hiddenFill>
-            </a:ext>
-            <a:ext uri="{91240B29-F687-4F45-9708-019B960494DF}">
-              <a14:hiddenLine xmlns:a14="http://schemas.microsoft.com/office/drawing/2010/main" w="9525">
-                <a:solidFill>
-                  <a:srgbClr val="000000"/>
-                </a:solidFill>
-                <a:miter lim="800000"/>
-                <a:headEnd/>
-                <a:tailEnd/>
-              </a14:hiddenLine>
-            </a:ext>
-          </a:extLst>
-        </p:spPr>
-        <p:txBody>
-          <a:bodyPr/>
-          <a:lstStyle>
-            <a:lvl1pPr>
-              <a:defRPr sz="2000">
-                <a:solidFill>
-                  <a:srgbClr val="FFFFFF"/>
-                </a:solidFill>
-                <a:latin typeface="Gill Sans" charset="0"/>
-                <a:ea typeface="ヒラギノ角ゴ ProN W3" charset="-128"/>
-                <a:sym typeface="Gill Sans" charset="0"/>
-              </a:defRPr>
-            </a:lvl1pPr>
-            <a:lvl2pPr marL="742950" indent="-285750">
-              <a:defRPr sz="2000">
-                <a:solidFill>
-                  <a:srgbClr val="FFFFFF"/>
-                </a:solidFill>
-                <a:latin typeface="Gill Sans" charset="0"/>
-                <a:ea typeface="ヒラギノ角ゴ ProN W3" charset="-128"/>
-                <a:sym typeface="Gill Sans" charset="0"/>
-              </a:defRPr>
-            </a:lvl2pPr>
-            <a:lvl3pPr marL="1143000" indent="-228600">
-              <a:defRPr sz="2000">
-                <a:solidFill>
-                  <a:srgbClr val="FFFFFF"/>
-                </a:solidFill>
-                <a:latin typeface="Gill Sans" charset="0"/>
-                <a:ea typeface="ヒラギノ角ゴ ProN W3" charset="-128"/>
-                <a:sym typeface="Gill Sans" charset="0"/>
-              </a:defRPr>
-            </a:lvl3pPr>
-            <a:lvl4pPr marL="1600200" indent="-228600">
-              <a:defRPr sz="2000">
-                <a:solidFill>
-                  <a:srgbClr val="FFFFFF"/>
-                </a:solidFill>
-                <a:latin typeface="Gill Sans" charset="0"/>
-                <a:ea typeface="ヒラギノ角ゴ ProN W3" charset="-128"/>
-                <a:sym typeface="Gill Sans" charset="0"/>
-              </a:defRPr>
-            </a:lvl4pPr>
-            <a:lvl5pPr marL="2057400" indent="-228600">
-              <a:defRPr sz="2000">
-                <a:solidFill>
-                  <a:srgbClr val="FFFFFF"/>
-                </a:solidFill>
-                <a:latin typeface="Gill Sans" charset="0"/>
-                <a:ea typeface="ヒラギノ角ゴ ProN W3" charset="-128"/>
-                <a:sym typeface="Gill Sans" charset="0"/>
-              </a:defRPr>
-            </a:lvl5pPr>
-            <a:lvl6pPr marL="2514600" indent="-228600" eaLnBrk="0" fontAlgn="base" hangingPunct="0">
-              <a:spcBef>
-                <a:spcPct val="0"/>
-              </a:spcBef>
-              <a:spcAft>
-                <a:spcPct val="0"/>
-              </a:spcAft>
-              <a:defRPr sz="2000">
-                <a:solidFill>
-                  <a:srgbClr val="FFFFFF"/>
-                </a:solidFill>
-                <a:latin typeface="Gill Sans" charset="0"/>
-                <a:ea typeface="ヒラギノ角ゴ ProN W3" charset="-128"/>
-                <a:sym typeface="Gill Sans" charset="0"/>
-              </a:defRPr>
-            </a:lvl6pPr>
-            <a:lvl7pPr marL="2971800" indent="-228600" eaLnBrk="0" fontAlgn="base" hangingPunct="0">
-              <a:spcBef>
-                <a:spcPct val="0"/>
-              </a:spcBef>
-              <a:spcAft>
-                <a:spcPct val="0"/>
-              </a:spcAft>
-              <a:defRPr sz="2000">
-                <a:solidFill>
-                  <a:srgbClr val="FFFFFF"/>
-                </a:solidFill>
-                <a:latin typeface="Gill Sans" charset="0"/>
-                <a:ea typeface="ヒラギノ角ゴ ProN W3" charset="-128"/>
-                <a:sym typeface="Gill Sans" charset="0"/>
-              </a:defRPr>
-            </a:lvl7pPr>
-            <a:lvl8pPr marL="3429000" indent="-228600" eaLnBrk="0" fontAlgn="base" hangingPunct="0">
-              <a:spcBef>
-                <a:spcPct val="0"/>
-              </a:spcBef>
-              <a:spcAft>
-                <a:spcPct val="0"/>
-              </a:spcAft>
-              <a:defRPr sz="2000">
-                <a:solidFill>
-                  <a:srgbClr val="FFFFFF"/>
-                </a:solidFill>
-                <a:latin typeface="Gill Sans" charset="0"/>
-                <a:ea typeface="ヒラギノ角ゴ ProN W3" charset="-128"/>
-                <a:sym typeface="Gill Sans" charset="0"/>
-              </a:defRPr>
-            </a:lvl8pPr>
-            <a:lvl9pPr marL="3886200" indent="-228600" eaLnBrk="0" fontAlgn="base" hangingPunct="0">
-              <a:spcBef>
-                <a:spcPct val="0"/>
-              </a:spcBef>
-              <a:spcAft>
-                <a:spcPct val="0"/>
-              </a:spcAft>
-              <a:defRPr sz="2000">
-                <a:solidFill>
-                  <a:srgbClr val="FFFFFF"/>
-                </a:solidFill>
-                <a:latin typeface="Gill Sans" charset="0"/>
-                <a:ea typeface="ヒラギノ角ゴ ProN W3" charset="-128"/>
-                <a:sym typeface="Gill Sans" charset="0"/>
-              </a:defRPr>
-            </a:lvl9pPr>
-          </a:lstStyle>
-          <a:p>
-            <a:fld id="{0905F52F-8867-524F-B5FE-B4245CE3B7E3}" type="slidenum">
-              <a:rPr lang="en-US" altLang="x-none" sz="1200"/>
-              <a:pPr/>
-              <a:t>16</a:t>
-            </a:fld>
-            <a:endParaRPr lang="en-US" altLang="x-none" sz="1200"/>
-          </a:p>
-        </p:txBody>
-      </p:sp>
-    </p:spTree>
-    <p:extLst>
-      <p:ext uri="{BB962C8B-B14F-4D97-AF65-F5344CB8AC3E}">
-        <p14:creationId xmlns:p14="http://schemas.microsoft.com/office/powerpoint/2010/main" val="747858128"/>
-      </p:ext>
-    </p:extLst>
-  </p:cSld>
-  <p:clrMapOvr>
-    <a:masterClrMapping/>
-  </p:clrMapOvr>
-</p:notes>
-</file>
-
-<file path=ppt/notesSlides/notesSlide11.xml><?xml version="1.0" encoding="utf-8"?>
-<p:notes xmlns:a="http://schemas.openxmlformats.org/drawingml/2006/main" xmlns:r="http://schemas.openxmlformats.org/officeDocument/2006/relationships" xmlns:p="http://schemas.openxmlformats.org/presentationml/2006/main">
-  <p:cSld>
-    <p:spTree>
-      <p:nvGrpSpPr>
-        <p:cNvPr id="1" name=""/>
-        <p:cNvGrpSpPr/>
-        <p:nvPr/>
-      </p:nvGrpSpPr>
-      <p:grpSpPr>
-        <a:xfrm>
-          <a:off x="0" y="0"/>
-          <a:ext cx="0" cy="0"/>
-          <a:chOff x="0" y="0"/>
-          <a:chExt cx="0" cy="0"/>
-        </a:xfrm>
-      </p:grpSpPr>
-      <p:sp>
-        <p:nvSpPr>
-          <p:cNvPr id="32769" name="Slide Image Placeholder 1"/>
-          <p:cNvSpPr>
-            <a:spLocks noGrp="1" noRot="1" noChangeAspect="1" noTextEdit="1"/>
-          </p:cNvSpPr>
-          <p:nvPr>
-            <p:ph type="sldImg"/>
-          </p:nvPr>
-        </p:nvSpPr>
-        <p:spPr bwMode="auto">
-          <a:noFill/>
-          <a:ln>
-            <a:solidFill>
-              <a:srgbClr val="000000"/>
-            </a:solidFill>
-            <a:miter lim="800000"/>
-            <a:headEnd/>
-            <a:tailEnd/>
-          </a:ln>
-          <a:extLst>
-            <a:ext uri="{909E8E84-426E-40DD-AFC4-6F175D3DCCD1}">
-              <a14:hiddenFill xmlns:a14="http://schemas.microsoft.com/office/drawing/2010/main">
-                <a:solidFill>
-                  <a:srgbClr val="FFFFFF"/>
-                </a:solidFill>
-              </a14:hiddenFill>
-            </a:ext>
-            <a:ext uri="{FAA26D3D-D897-4be2-8F04-BA451C77F1D7}">
-              <ma14:placeholderFlag xmlns:ma14="http://schemas.microsoft.com/office/mac/drawingml/2011/main" val="1"/>
-            </a:ext>
-          </a:extLst>
-        </p:spPr>
-      </p:sp>
-      <p:sp>
-        <p:nvSpPr>
-          <p:cNvPr id="32770" name="Notes Placeholder 2"/>
-          <p:cNvSpPr>
-            <a:spLocks noGrp="1"/>
-          </p:cNvSpPr>
-          <p:nvPr>
-            <p:ph type="body" idx="1"/>
-          </p:nvPr>
-        </p:nvSpPr>
-        <p:spPr bwMode="auto">
-          <a:noFill/>
-          <a:extLst>
-            <a:ext uri="{909E8E84-426E-40DD-AFC4-6F175D3DCCD1}">
-              <a14:hiddenFill xmlns:a14="http://schemas.microsoft.com/office/drawing/2010/main">
-                <a:solidFill>
-                  <a:srgbClr val="FFFFFF"/>
-                </a:solidFill>
-              </a14:hiddenFill>
-            </a:ext>
-            <a:ext uri="{91240B29-F687-4F45-9708-019B960494DF}">
-              <a14:hiddenLine xmlns:a14="http://schemas.microsoft.com/office/drawing/2010/main" w="9525">
-                <a:solidFill>
-                  <a:srgbClr val="000000"/>
-                </a:solidFill>
-                <a:miter lim="800000"/>
-                <a:headEnd/>
-                <a:tailEnd/>
-              </a14:hiddenLine>
-            </a:ext>
-            <a:ext uri="{FAA26D3D-D897-4be2-8F04-BA451C77F1D7}">
-              <ma14:placeholderFlag xmlns:ma14="http://schemas.microsoft.com/office/mac/drawingml/2011/main" val="1"/>
-            </a:ext>
-          </a:extLst>
-        </p:spPr>
-        <p:txBody>
-          <a:bodyPr wrap="square" numCol="1" anchor="t" anchorCtr="0" compatLnSpc="1">
-            <a:prstTxWarp prst="textNoShape">
-              <a:avLst/>
-            </a:prstTxWarp>
-          </a:bodyPr>
-          <a:lstStyle/>
-          <a:p>
-            <a:endParaRPr lang="x-none" altLang="x-none">
-              <a:ea typeface="ＭＳ Ｐゴシック" charset="-128"/>
-            </a:endParaRPr>
-          </a:p>
-        </p:txBody>
-      </p:sp>
-      <p:sp>
-        <p:nvSpPr>
-          <p:cNvPr id="32771" name="Slide Number Placeholder 3"/>
-          <p:cNvSpPr>
-            <a:spLocks noGrp="1"/>
-          </p:cNvSpPr>
-          <p:nvPr>
-            <p:ph type="sldNum" sz="quarter" idx="5"/>
-          </p:nvPr>
-        </p:nvSpPr>
-        <p:spPr bwMode="auto">
-          <a:noFill/>
-          <a:extLst>
-            <a:ext uri="{909E8E84-426E-40DD-AFC4-6F175D3DCCD1}">
-              <a14:hiddenFill xmlns:a14="http://schemas.microsoft.com/office/drawing/2010/main">
-                <a:solidFill>
-                  <a:srgbClr val="FFFFFF"/>
-                </a:solidFill>
-              </a14:hiddenFill>
-            </a:ext>
-            <a:ext uri="{91240B29-F687-4F45-9708-019B960494DF}">
-              <a14:hiddenLine xmlns:a14="http://schemas.microsoft.com/office/drawing/2010/main" w="9525">
-                <a:solidFill>
-                  <a:srgbClr val="000000"/>
-                </a:solidFill>
-                <a:miter lim="800000"/>
-                <a:headEnd/>
-                <a:tailEnd/>
-              </a14:hiddenLine>
-            </a:ext>
-          </a:extLst>
-        </p:spPr>
-        <p:txBody>
-          <a:bodyPr/>
-          <a:lstStyle>
-            <a:lvl1pPr>
-              <a:defRPr sz="2000">
-                <a:solidFill>
-                  <a:srgbClr val="FFFFFF"/>
-                </a:solidFill>
-                <a:latin typeface="Gill Sans" charset="0"/>
-                <a:ea typeface="ヒラギノ角ゴ ProN W3" charset="-128"/>
-                <a:sym typeface="Gill Sans" charset="0"/>
-              </a:defRPr>
-            </a:lvl1pPr>
-            <a:lvl2pPr marL="742950" indent="-285750">
-              <a:defRPr sz="2000">
-                <a:solidFill>
-                  <a:srgbClr val="FFFFFF"/>
-                </a:solidFill>
-                <a:latin typeface="Gill Sans" charset="0"/>
-                <a:ea typeface="ヒラギノ角ゴ ProN W3" charset="-128"/>
-                <a:sym typeface="Gill Sans" charset="0"/>
-              </a:defRPr>
-            </a:lvl2pPr>
-            <a:lvl3pPr marL="1143000" indent="-228600">
-              <a:defRPr sz="2000">
-                <a:solidFill>
-                  <a:srgbClr val="FFFFFF"/>
-                </a:solidFill>
-                <a:latin typeface="Gill Sans" charset="0"/>
-                <a:ea typeface="ヒラギノ角ゴ ProN W3" charset="-128"/>
-                <a:sym typeface="Gill Sans" charset="0"/>
-              </a:defRPr>
-            </a:lvl3pPr>
-            <a:lvl4pPr marL="1600200" indent="-228600">
-              <a:defRPr sz="2000">
-                <a:solidFill>
-                  <a:srgbClr val="FFFFFF"/>
-                </a:solidFill>
-                <a:latin typeface="Gill Sans" charset="0"/>
-                <a:ea typeface="ヒラギノ角ゴ ProN W3" charset="-128"/>
-                <a:sym typeface="Gill Sans" charset="0"/>
-              </a:defRPr>
-            </a:lvl4pPr>
-            <a:lvl5pPr marL="2057400" indent="-228600">
-              <a:defRPr sz="2000">
-                <a:solidFill>
-                  <a:srgbClr val="FFFFFF"/>
-                </a:solidFill>
-                <a:latin typeface="Gill Sans" charset="0"/>
-                <a:ea typeface="ヒラギノ角ゴ ProN W3" charset="-128"/>
-                <a:sym typeface="Gill Sans" charset="0"/>
-              </a:defRPr>
-            </a:lvl5pPr>
-            <a:lvl6pPr marL="2514600" indent="-228600" eaLnBrk="0" fontAlgn="base" hangingPunct="0">
-              <a:spcBef>
-                <a:spcPct val="0"/>
-              </a:spcBef>
-              <a:spcAft>
-                <a:spcPct val="0"/>
-              </a:spcAft>
-              <a:defRPr sz="2000">
-                <a:solidFill>
-                  <a:srgbClr val="FFFFFF"/>
-                </a:solidFill>
-                <a:latin typeface="Gill Sans" charset="0"/>
-                <a:ea typeface="ヒラギノ角ゴ ProN W3" charset="-128"/>
-                <a:sym typeface="Gill Sans" charset="0"/>
-              </a:defRPr>
-            </a:lvl6pPr>
-            <a:lvl7pPr marL="2971800" indent="-228600" eaLnBrk="0" fontAlgn="base" hangingPunct="0">
-              <a:spcBef>
-                <a:spcPct val="0"/>
-              </a:spcBef>
-              <a:spcAft>
-                <a:spcPct val="0"/>
-              </a:spcAft>
-              <a:defRPr sz="2000">
-                <a:solidFill>
-                  <a:srgbClr val="FFFFFF"/>
-                </a:solidFill>
-                <a:latin typeface="Gill Sans" charset="0"/>
-                <a:ea typeface="ヒラギノ角ゴ ProN W3" charset="-128"/>
-                <a:sym typeface="Gill Sans" charset="0"/>
-              </a:defRPr>
-            </a:lvl7pPr>
-            <a:lvl8pPr marL="3429000" indent="-228600" eaLnBrk="0" fontAlgn="base" hangingPunct="0">
-              <a:spcBef>
-                <a:spcPct val="0"/>
-              </a:spcBef>
-              <a:spcAft>
-                <a:spcPct val="0"/>
-              </a:spcAft>
-              <a:defRPr sz="2000">
-                <a:solidFill>
-                  <a:srgbClr val="FFFFFF"/>
-                </a:solidFill>
-                <a:latin typeface="Gill Sans" charset="0"/>
-                <a:ea typeface="ヒラギノ角ゴ ProN W3" charset="-128"/>
-                <a:sym typeface="Gill Sans" charset="0"/>
-              </a:defRPr>
-            </a:lvl8pPr>
-            <a:lvl9pPr marL="3886200" indent="-228600" eaLnBrk="0" fontAlgn="base" hangingPunct="0">
-              <a:spcBef>
-                <a:spcPct val="0"/>
-              </a:spcBef>
-              <a:spcAft>
-                <a:spcPct val="0"/>
-              </a:spcAft>
-              <a:defRPr sz="2000">
-                <a:solidFill>
-                  <a:srgbClr val="FFFFFF"/>
-                </a:solidFill>
-                <a:latin typeface="Gill Sans" charset="0"/>
-                <a:ea typeface="ヒラギノ角ゴ ProN W3" charset="-128"/>
-                <a:sym typeface="Gill Sans" charset="0"/>
-              </a:defRPr>
-            </a:lvl9pPr>
-          </a:lstStyle>
-          <a:p>
-            <a:fld id="{F40CF4AF-79AE-E147-990F-E0E8852933E8}" type="slidenum">
-              <a:rPr lang="en-US" altLang="x-none" sz="1200"/>
-              <a:pPr/>
-              <a:t>17</a:t>
-            </a:fld>
-            <a:endParaRPr lang="en-US" altLang="x-none" sz="1200"/>
-          </a:p>
-        </p:txBody>
-      </p:sp>
-    </p:spTree>
-    <p:extLst>
-      <p:ext uri="{BB962C8B-B14F-4D97-AF65-F5344CB8AC3E}">
-        <p14:creationId xmlns:p14="http://schemas.microsoft.com/office/powerpoint/2010/main" val="420324487"/>
-      </p:ext>
-    </p:extLst>
-  </p:cSld>
-  <p:clrMapOvr>
-    <a:masterClrMapping/>
-  </p:clrMapOvr>
-</p:notes>
-</file>
-
-<file path=ppt/notesSlides/notesSlide12.xml><?xml version="1.0" encoding="utf-8"?>
-<p:notes xmlns:a="http://schemas.openxmlformats.org/drawingml/2006/main" xmlns:r="http://schemas.openxmlformats.org/officeDocument/2006/relationships" xmlns:p="http://schemas.openxmlformats.org/presentationml/2006/main">
-  <p:cSld>
-    <p:spTree>
-      <p:nvGrpSpPr>
-        <p:cNvPr id="1" name=""/>
-        <p:cNvGrpSpPr/>
-        <p:nvPr/>
-      </p:nvGrpSpPr>
-      <p:grpSpPr>
-        <a:xfrm>
-          <a:off x="0" y="0"/>
-          <a:ext cx="0" cy="0"/>
-          <a:chOff x="0" y="0"/>
-          <a:chExt cx="0" cy="0"/>
-        </a:xfrm>
-      </p:grpSpPr>
-      <p:sp>
-        <p:nvSpPr>
-          <p:cNvPr id="36865" name="Slide Image Placeholder 1"/>
-          <p:cNvSpPr>
-            <a:spLocks noGrp="1" noRot="1" noChangeAspect="1" noTextEdit="1"/>
-          </p:cNvSpPr>
-          <p:nvPr>
-            <p:ph type="sldImg"/>
-          </p:nvPr>
-        </p:nvSpPr>
-        <p:spPr bwMode="auto">
-          <a:noFill/>
-          <a:ln>
-            <a:solidFill>
-              <a:srgbClr val="000000"/>
-            </a:solidFill>
-            <a:miter lim="800000"/>
-            <a:headEnd/>
-            <a:tailEnd/>
-          </a:ln>
-          <a:extLst>
-            <a:ext uri="{909E8E84-426E-40DD-AFC4-6F175D3DCCD1}">
-              <a14:hiddenFill xmlns:a14="http://schemas.microsoft.com/office/drawing/2010/main">
-                <a:solidFill>
-                  <a:srgbClr val="FFFFFF"/>
-                </a:solidFill>
-              </a14:hiddenFill>
-            </a:ext>
-            <a:ext uri="{FAA26D3D-D897-4be2-8F04-BA451C77F1D7}">
-              <ma14:placeholderFlag xmlns:ma14="http://schemas.microsoft.com/office/mac/drawingml/2011/main" val="1"/>
-            </a:ext>
-          </a:extLst>
-        </p:spPr>
-      </p:sp>
-      <p:sp>
-        <p:nvSpPr>
-          <p:cNvPr id="36866" name="Notes Placeholder 2"/>
-          <p:cNvSpPr>
-            <a:spLocks noGrp="1"/>
-          </p:cNvSpPr>
-          <p:nvPr>
-            <p:ph type="body" idx="1"/>
-          </p:nvPr>
-        </p:nvSpPr>
-        <p:spPr bwMode="auto">
-          <a:noFill/>
-          <a:extLst>
-            <a:ext uri="{909E8E84-426E-40DD-AFC4-6F175D3DCCD1}">
-              <a14:hiddenFill xmlns:a14="http://schemas.microsoft.com/office/drawing/2010/main">
-                <a:solidFill>
-                  <a:srgbClr val="FFFFFF"/>
-                </a:solidFill>
-              </a14:hiddenFill>
-            </a:ext>
-            <a:ext uri="{91240B29-F687-4F45-9708-019B960494DF}">
-              <a14:hiddenLine xmlns:a14="http://schemas.microsoft.com/office/drawing/2010/main" w="9525">
-                <a:solidFill>
-                  <a:srgbClr val="000000"/>
-                </a:solidFill>
-                <a:miter lim="800000"/>
-                <a:headEnd/>
-                <a:tailEnd/>
-              </a14:hiddenLine>
-            </a:ext>
-            <a:ext uri="{FAA26D3D-D897-4be2-8F04-BA451C77F1D7}">
-              <ma14:placeholderFlag xmlns:ma14="http://schemas.microsoft.com/office/mac/drawingml/2011/main" val="1"/>
-            </a:ext>
-          </a:extLst>
-        </p:spPr>
-        <p:txBody>
-          <a:bodyPr wrap="square" numCol="1" anchor="t" anchorCtr="0" compatLnSpc="1">
-            <a:prstTxWarp prst="textNoShape">
-              <a:avLst/>
-            </a:prstTxWarp>
-          </a:bodyPr>
-          <a:lstStyle/>
-          <a:p>
-            <a:endParaRPr lang="x-none" altLang="x-none">
-              <a:ea typeface="ＭＳ Ｐゴシック" charset="-128"/>
-            </a:endParaRPr>
-          </a:p>
-        </p:txBody>
-      </p:sp>
-      <p:sp>
-        <p:nvSpPr>
-          <p:cNvPr id="36867" name="Slide Number Placeholder 3"/>
-          <p:cNvSpPr>
-            <a:spLocks noGrp="1"/>
-          </p:cNvSpPr>
-          <p:nvPr>
-            <p:ph type="sldNum" sz="quarter" idx="5"/>
-          </p:nvPr>
-        </p:nvSpPr>
-        <p:spPr bwMode="auto">
-          <a:noFill/>
-          <a:extLst>
-            <a:ext uri="{909E8E84-426E-40DD-AFC4-6F175D3DCCD1}">
-              <a14:hiddenFill xmlns:a14="http://schemas.microsoft.com/office/drawing/2010/main">
-                <a:solidFill>
-                  <a:srgbClr val="FFFFFF"/>
-                </a:solidFill>
-              </a14:hiddenFill>
-            </a:ext>
-            <a:ext uri="{91240B29-F687-4F45-9708-019B960494DF}">
-              <a14:hiddenLine xmlns:a14="http://schemas.microsoft.com/office/drawing/2010/main" w="9525">
-                <a:solidFill>
-                  <a:srgbClr val="000000"/>
-                </a:solidFill>
-                <a:miter lim="800000"/>
-                <a:headEnd/>
-                <a:tailEnd/>
-              </a14:hiddenLine>
-            </a:ext>
-          </a:extLst>
-        </p:spPr>
-        <p:txBody>
-          <a:bodyPr/>
-          <a:lstStyle>
-            <a:lvl1pPr>
-              <a:defRPr sz="2000">
-                <a:solidFill>
-                  <a:srgbClr val="FFFFFF"/>
-                </a:solidFill>
-                <a:latin typeface="Gill Sans" charset="0"/>
-                <a:ea typeface="ヒラギノ角ゴ ProN W3" charset="-128"/>
-                <a:sym typeface="Gill Sans" charset="0"/>
-              </a:defRPr>
-            </a:lvl1pPr>
-            <a:lvl2pPr marL="742950" indent="-285750">
-              <a:defRPr sz="2000">
-                <a:solidFill>
-                  <a:srgbClr val="FFFFFF"/>
-                </a:solidFill>
-                <a:latin typeface="Gill Sans" charset="0"/>
-                <a:ea typeface="ヒラギノ角ゴ ProN W3" charset="-128"/>
-                <a:sym typeface="Gill Sans" charset="0"/>
-              </a:defRPr>
-            </a:lvl2pPr>
-            <a:lvl3pPr marL="1143000" indent="-228600">
-              <a:defRPr sz="2000">
-                <a:solidFill>
-                  <a:srgbClr val="FFFFFF"/>
-                </a:solidFill>
-                <a:latin typeface="Gill Sans" charset="0"/>
-                <a:ea typeface="ヒラギノ角ゴ ProN W3" charset="-128"/>
-                <a:sym typeface="Gill Sans" charset="0"/>
-              </a:defRPr>
-            </a:lvl3pPr>
-            <a:lvl4pPr marL="1600200" indent="-228600">
-              <a:defRPr sz="2000">
-                <a:solidFill>
-                  <a:srgbClr val="FFFFFF"/>
-                </a:solidFill>
-                <a:latin typeface="Gill Sans" charset="0"/>
-                <a:ea typeface="ヒラギノ角ゴ ProN W3" charset="-128"/>
-                <a:sym typeface="Gill Sans" charset="0"/>
-              </a:defRPr>
-            </a:lvl4pPr>
-            <a:lvl5pPr marL="2057400" indent="-228600">
-              <a:defRPr sz="2000">
-                <a:solidFill>
-                  <a:srgbClr val="FFFFFF"/>
-                </a:solidFill>
-                <a:latin typeface="Gill Sans" charset="0"/>
-                <a:ea typeface="ヒラギノ角ゴ ProN W3" charset="-128"/>
-                <a:sym typeface="Gill Sans" charset="0"/>
-              </a:defRPr>
-            </a:lvl5pPr>
-            <a:lvl6pPr marL="2514600" indent="-228600" eaLnBrk="0" fontAlgn="base" hangingPunct="0">
-              <a:spcBef>
-                <a:spcPct val="0"/>
-              </a:spcBef>
-              <a:spcAft>
-                <a:spcPct val="0"/>
-              </a:spcAft>
-              <a:defRPr sz="2000">
-                <a:solidFill>
-                  <a:srgbClr val="FFFFFF"/>
-                </a:solidFill>
-                <a:latin typeface="Gill Sans" charset="0"/>
-                <a:ea typeface="ヒラギノ角ゴ ProN W3" charset="-128"/>
-                <a:sym typeface="Gill Sans" charset="0"/>
-              </a:defRPr>
-            </a:lvl6pPr>
-            <a:lvl7pPr marL="2971800" indent="-228600" eaLnBrk="0" fontAlgn="base" hangingPunct="0">
-              <a:spcBef>
-                <a:spcPct val="0"/>
-              </a:spcBef>
-              <a:spcAft>
-                <a:spcPct val="0"/>
-              </a:spcAft>
-              <a:defRPr sz="2000">
-                <a:solidFill>
-                  <a:srgbClr val="FFFFFF"/>
-                </a:solidFill>
-                <a:latin typeface="Gill Sans" charset="0"/>
-                <a:ea typeface="ヒラギノ角ゴ ProN W3" charset="-128"/>
-                <a:sym typeface="Gill Sans" charset="0"/>
-              </a:defRPr>
-            </a:lvl7pPr>
-            <a:lvl8pPr marL="3429000" indent="-228600" eaLnBrk="0" fontAlgn="base" hangingPunct="0">
-              <a:spcBef>
-                <a:spcPct val="0"/>
-              </a:spcBef>
-              <a:spcAft>
-                <a:spcPct val="0"/>
-              </a:spcAft>
-              <a:defRPr sz="2000">
-                <a:solidFill>
-                  <a:srgbClr val="FFFFFF"/>
-                </a:solidFill>
-                <a:latin typeface="Gill Sans" charset="0"/>
-                <a:ea typeface="ヒラギノ角ゴ ProN W3" charset="-128"/>
-                <a:sym typeface="Gill Sans" charset="0"/>
-              </a:defRPr>
-            </a:lvl8pPr>
-            <a:lvl9pPr marL="3886200" indent="-228600" eaLnBrk="0" fontAlgn="base" hangingPunct="0">
-              <a:spcBef>
-                <a:spcPct val="0"/>
-              </a:spcBef>
-              <a:spcAft>
-                <a:spcPct val="0"/>
-              </a:spcAft>
-              <a:defRPr sz="2000">
-                <a:solidFill>
-                  <a:srgbClr val="FFFFFF"/>
-                </a:solidFill>
-                <a:latin typeface="Gill Sans" charset="0"/>
-                <a:ea typeface="ヒラギノ角ゴ ProN W3" charset="-128"/>
-                <a:sym typeface="Gill Sans" charset="0"/>
-              </a:defRPr>
-            </a:lvl9pPr>
-          </a:lstStyle>
-          <a:p>
-            <a:fld id="{1850B3A9-9334-D347-A125-304F0D36A866}" type="slidenum">
-              <a:rPr lang="en-US" altLang="x-none" sz="1200"/>
-              <a:pPr/>
-              <a:t>22</a:t>
-            </a:fld>
-            <a:endParaRPr lang="en-US" altLang="x-none" sz="1200"/>
-          </a:p>
-        </p:txBody>
-      </p:sp>
-    </p:spTree>
-    <p:extLst>
-      <p:ext uri="{BB962C8B-B14F-4D97-AF65-F5344CB8AC3E}">
-        <p14:creationId xmlns:p14="http://schemas.microsoft.com/office/powerpoint/2010/main" val="365138831"/>
-      </p:ext>
-    </p:extLst>
-  </p:cSld>
-  <p:clrMapOvr>
-    <a:masterClrMapping/>
-  </p:clrMapOvr>
-</p:notes>
-</file>
-
-<file path=ppt/notesSlides/notesSlide13.xml><?xml version="1.0" encoding="utf-8"?>
-<p:notes xmlns:a="http://schemas.openxmlformats.org/drawingml/2006/main" xmlns:r="http://schemas.openxmlformats.org/officeDocument/2006/relationships" xmlns:p="http://schemas.openxmlformats.org/presentationml/2006/main">
-  <p:cSld>
-    <p:spTree>
-      <p:nvGrpSpPr>
-        <p:cNvPr id="1" name=""/>
-        <p:cNvGrpSpPr/>
-        <p:nvPr/>
-      </p:nvGrpSpPr>
-      <p:grpSpPr>
-        <a:xfrm>
-          <a:off x="0" y="0"/>
-          <a:ext cx="0" cy="0"/>
-          <a:chOff x="0" y="0"/>
-          <a:chExt cx="0" cy="0"/>
-        </a:xfrm>
-      </p:grpSpPr>
-      <p:sp>
-        <p:nvSpPr>
-          <p:cNvPr id="46081" name="Slide Image Placeholder 1"/>
-          <p:cNvSpPr>
-            <a:spLocks noGrp="1" noRot="1" noChangeAspect="1" noTextEdit="1"/>
-          </p:cNvSpPr>
-          <p:nvPr>
-            <p:ph type="sldImg"/>
-          </p:nvPr>
-        </p:nvSpPr>
-        <p:spPr bwMode="auto">
-          <a:noFill/>
-          <a:ln>
-            <a:solidFill>
-              <a:srgbClr val="000000"/>
-            </a:solidFill>
-            <a:miter lim="800000"/>
-            <a:headEnd/>
-            <a:tailEnd/>
-          </a:ln>
-          <a:extLst>
-            <a:ext uri="{909E8E84-426E-40DD-AFC4-6F175D3DCCD1}">
-              <a14:hiddenFill xmlns:a14="http://schemas.microsoft.com/office/drawing/2010/main">
-                <a:solidFill>
-                  <a:srgbClr val="FFFFFF"/>
-                </a:solidFill>
-              </a14:hiddenFill>
-            </a:ext>
-            <a:ext uri="{FAA26D3D-D897-4be2-8F04-BA451C77F1D7}">
-              <ma14:placeholderFlag xmlns:ma14="http://schemas.microsoft.com/office/mac/drawingml/2011/main" val="1"/>
-            </a:ext>
-          </a:extLst>
-        </p:spPr>
-      </p:sp>
-      <p:sp>
-        <p:nvSpPr>
-          <p:cNvPr id="46082" name="Notes Placeholder 2"/>
-          <p:cNvSpPr>
-            <a:spLocks noGrp="1"/>
-          </p:cNvSpPr>
-          <p:nvPr>
-            <p:ph type="body" idx="1"/>
-          </p:nvPr>
-        </p:nvSpPr>
-        <p:spPr bwMode="auto">
-          <a:noFill/>
-          <a:extLst>
-            <a:ext uri="{909E8E84-426E-40DD-AFC4-6F175D3DCCD1}">
-              <a14:hiddenFill xmlns:a14="http://schemas.microsoft.com/office/drawing/2010/main">
-                <a:solidFill>
-                  <a:srgbClr val="FFFFFF"/>
-                </a:solidFill>
-              </a14:hiddenFill>
-            </a:ext>
-            <a:ext uri="{91240B29-F687-4F45-9708-019B960494DF}">
-              <a14:hiddenLine xmlns:a14="http://schemas.microsoft.com/office/drawing/2010/main" w="9525">
-                <a:solidFill>
-                  <a:srgbClr val="000000"/>
-                </a:solidFill>
-                <a:miter lim="800000"/>
-                <a:headEnd/>
-                <a:tailEnd/>
-              </a14:hiddenLine>
-            </a:ext>
-            <a:ext uri="{FAA26D3D-D897-4be2-8F04-BA451C77F1D7}">
-              <ma14:placeholderFlag xmlns:ma14="http://schemas.microsoft.com/office/mac/drawingml/2011/main" val="1"/>
-            </a:ext>
-          </a:extLst>
-        </p:spPr>
-        <p:txBody>
-          <a:bodyPr wrap="square" numCol="1" anchor="t" anchorCtr="0" compatLnSpc="1">
-            <a:prstTxWarp prst="textNoShape">
-              <a:avLst/>
-            </a:prstTxWarp>
-          </a:bodyPr>
-          <a:lstStyle/>
-          <a:p>
-            <a:endParaRPr lang="x-none" altLang="x-none">
-              <a:ea typeface="ＭＳ Ｐゴシック" charset="-128"/>
-            </a:endParaRPr>
-          </a:p>
-        </p:txBody>
-      </p:sp>
-      <p:sp>
-        <p:nvSpPr>
-          <p:cNvPr id="46083" name="Slide Number Placeholder 3"/>
-          <p:cNvSpPr>
-            <a:spLocks noGrp="1"/>
-          </p:cNvSpPr>
-          <p:nvPr>
-            <p:ph type="sldNum" sz="quarter" idx="5"/>
-          </p:nvPr>
-        </p:nvSpPr>
-        <p:spPr bwMode="auto">
-          <a:noFill/>
-          <a:extLst>
-            <a:ext uri="{909E8E84-426E-40DD-AFC4-6F175D3DCCD1}">
-              <a14:hiddenFill xmlns:a14="http://schemas.microsoft.com/office/drawing/2010/main">
-                <a:solidFill>
-                  <a:srgbClr val="FFFFFF"/>
-                </a:solidFill>
-              </a14:hiddenFill>
-            </a:ext>
-            <a:ext uri="{91240B29-F687-4F45-9708-019B960494DF}">
-              <a14:hiddenLine xmlns:a14="http://schemas.microsoft.com/office/drawing/2010/main" w="9525">
-                <a:solidFill>
-                  <a:srgbClr val="000000"/>
-                </a:solidFill>
-                <a:miter lim="800000"/>
-                <a:headEnd/>
-                <a:tailEnd/>
-              </a14:hiddenLine>
-            </a:ext>
-          </a:extLst>
-        </p:spPr>
-        <p:txBody>
-          <a:bodyPr/>
-          <a:lstStyle>
-            <a:lvl1pPr>
-              <a:defRPr sz="2000">
-                <a:solidFill>
-                  <a:srgbClr val="FFFFFF"/>
-                </a:solidFill>
-                <a:latin typeface="Gill Sans" charset="0"/>
-                <a:ea typeface="ヒラギノ角ゴ ProN W3" charset="-128"/>
-                <a:sym typeface="Gill Sans" charset="0"/>
-              </a:defRPr>
-            </a:lvl1pPr>
-            <a:lvl2pPr marL="742950" indent="-285750">
-              <a:defRPr sz="2000">
-                <a:solidFill>
-                  <a:srgbClr val="FFFFFF"/>
-                </a:solidFill>
-                <a:latin typeface="Gill Sans" charset="0"/>
-                <a:ea typeface="ヒラギノ角ゴ ProN W3" charset="-128"/>
-                <a:sym typeface="Gill Sans" charset="0"/>
-              </a:defRPr>
-            </a:lvl2pPr>
-            <a:lvl3pPr marL="1143000" indent="-228600">
-              <a:defRPr sz="2000">
-                <a:solidFill>
-                  <a:srgbClr val="FFFFFF"/>
-                </a:solidFill>
-                <a:latin typeface="Gill Sans" charset="0"/>
-                <a:ea typeface="ヒラギノ角ゴ ProN W3" charset="-128"/>
-                <a:sym typeface="Gill Sans" charset="0"/>
-              </a:defRPr>
-            </a:lvl3pPr>
-            <a:lvl4pPr marL="1600200" indent="-228600">
-              <a:defRPr sz="2000">
-                <a:solidFill>
-                  <a:srgbClr val="FFFFFF"/>
-                </a:solidFill>
-                <a:latin typeface="Gill Sans" charset="0"/>
-                <a:ea typeface="ヒラギノ角ゴ ProN W3" charset="-128"/>
-                <a:sym typeface="Gill Sans" charset="0"/>
-              </a:defRPr>
-            </a:lvl4pPr>
-            <a:lvl5pPr marL="2057400" indent="-228600">
-              <a:defRPr sz="2000">
-                <a:solidFill>
-                  <a:srgbClr val="FFFFFF"/>
-                </a:solidFill>
-                <a:latin typeface="Gill Sans" charset="0"/>
-                <a:ea typeface="ヒラギノ角ゴ ProN W3" charset="-128"/>
-                <a:sym typeface="Gill Sans" charset="0"/>
-              </a:defRPr>
-            </a:lvl5pPr>
-            <a:lvl6pPr marL="2514600" indent="-228600" eaLnBrk="0" fontAlgn="base" hangingPunct="0">
-              <a:spcBef>
-                <a:spcPct val="0"/>
-              </a:spcBef>
-              <a:spcAft>
-                <a:spcPct val="0"/>
-              </a:spcAft>
-              <a:defRPr sz="2000">
-                <a:solidFill>
-                  <a:srgbClr val="FFFFFF"/>
-                </a:solidFill>
-                <a:latin typeface="Gill Sans" charset="0"/>
-                <a:ea typeface="ヒラギノ角ゴ ProN W3" charset="-128"/>
-                <a:sym typeface="Gill Sans" charset="0"/>
-              </a:defRPr>
-            </a:lvl6pPr>
-            <a:lvl7pPr marL="2971800" indent="-228600" eaLnBrk="0" fontAlgn="base" hangingPunct="0">
-              <a:spcBef>
-                <a:spcPct val="0"/>
-              </a:spcBef>
-              <a:spcAft>
-                <a:spcPct val="0"/>
-              </a:spcAft>
-              <a:defRPr sz="2000">
-                <a:solidFill>
-                  <a:srgbClr val="FFFFFF"/>
-                </a:solidFill>
-                <a:latin typeface="Gill Sans" charset="0"/>
-                <a:ea typeface="ヒラギノ角ゴ ProN W3" charset="-128"/>
-                <a:sym typeface="Gill Sans" charset="0"/>
-              </a:defRPr>
-            </a:lvl7pPr>
-            <a:lvl8pPr marL="3429000" indent="-228600" eaLnBrk="0" fontAlgn="base" hangingPunct="0">
-              <a:spcBef>
-                <a:spcPct val="0"/>
-              </a:spcBef>
-              <a:spcAft>
-                <a:spcPct val="0"/>
-              </a:spcAft>
-              <a:defRPr sz="2000">
-                <a:solidFill>
-                  <a:srgbClr val="FFFFFF"/>
-                </a:solidFill>
-                <a:latin typeface="Gill Sans" charset="0"/>
-                <a:ea typeface="ヒラギノ角ゴ ProN W3" charset="-128"/>
-                <a:sym typeface="Gill Sans" charset="0"/>
-              </a:defRPr>
-            </a:lvl8pPr>
-            <a:lvl9pPr marL="3886200" indent="-228600" eaLnBrk="0" fontAlgn="base" hangingPunct="0">
-              <a:spcBef>
-                <a:spcPct val="0"/>
-              </a:spcBef>
-              <a:spcAft>
-                <a:spcPct val="0"/>
-              </a:spcAft>
-              <a:defRPr sz="2000">
-                <a:solidFill>
-                  <a:srgbClr val="FFFFFF"/>
-                </a:solidFill>
-                <a:latin typeface="Gill Sans" charset="0"/>
-                <a:ea typeface="ヒラギノ角ゴ ProN W3" charset="-128"/>
-                <a:sym typeface="Gill Sans" charset="0"/>
-              </a:defRPr>
-            </a:lvl9pPr>
-          </a:lstStyle>
-          <a:p>
-            <a:fld id="{D0A8C393-20BB-2045-8F3B-398AC6EC73C6}" type="slidenum">
-              <a:rPr lang="en-US" altLang="x-none" sz="1200"/>
-              <a:pPr/>
-              <a:t>23</a:t>
-            </a:fld>
-            <a:endParaRPr lang="en-US" altLang="x-none" sz="1200"/>
-          </a:p>
-        </p:txBody>
-      </p:sp>
-    </p:spTree>
-    <p:extLst>
-      <p:ext uri="{BB962C8B-B14F-4D97-AF65-F5344CB8AC3E}">
-        <p14:creationId xmlns:p14="http://schemas.microsoft.com/office/powerpoint/2010/main" val="1444009813"/>
-      </p:ext>
-    </p:extLst>
-  </p:cSld>
-  <p:clrMapOvr>
-    <a:masterClrMapping/>
-  </p:clrMapOvr>
-</p:notes>
-</file>
-
-<file path=ppt/notesSlides/notesSlide14.xml><?xml version="1.0" encoding="utf-8"?>
-<p:notes xmlns:a="http://schemas.openxmlformats.org/drawingml/2006/main" xmlns:r="http://schemas.openxmlformats.org/officeDocument/2006/relationships" xmlns:p="http://schemas.openxmlformats.org/presentationml/2006/main">
-  <p:cSld>
-    <p:spTree>
-      <p:nvGrpSpPr>
-        <p:cNvPr id="1" name=""/>
-        <p:cNvGrpSpPr/>
-        <p:nvPr/>
-      </p:nvGrpSpPr>
-      <p:grpSpPr>
-        <a:xfrm>
-          <a:off x="0" y="0"/>
-          <a:ext cx="0" cy="0"/>
-          <a:chOff x="0" y="0"/>
-          <a:chExt cx="0" cy="0"/>
-        </a:xfrm>
-      </p:grpSpPr>
-      <p:sp>
-        <p:nvSpPr>
-          <p:cNvPr id="48129" name="Slide Image Placeholder 1"/>
-          <p:cNvSpPr>
-            <a:spLocks noGrp="1" noRot="1" noChangeAspect="1" noTextEdit="1"/>
-          </p:cNvSpPr>
-          <p:nvPr>
-            <p:ph type="sldImg"/>
-          </p:nvPr>
-        </p:nvSpPr>
-        <p:spPr bwMode="auto">
-          <a:noFill/>
-          <a:ln>
-            <a:solidFill>
-              <a:srgbClr val="000000"/>
-            </a:solidFill>
-            <a:miter lim="800000"/>
-            <a:headEnd/>
-            <a:tailEnd/>
-          </a:ln>
-          <a:extLst>
-            <a:ext uri="{909E8E84-426E-40DD-AFC4-6F175D3DCCD1}">
-              <a14:hiddenFill xmlns:a14="http://schemas.microsoft.com/office/drawing/2010/main">
-                <a:solidFill>
-                  <a:srgbClr val="FFFFFF"/>
-                </a:solidFill>
-              </a14:hiddenFill>
-            </a:ext>
-            <a:ext uri="{FAA26D3D-D897-4be2-8F04-BA451C77F1D7}">
-              <ma14:placeholderFlag xmlns:ma14="http://schemas.microsoft.com/office/mac/drawingml/2011/main" val="1"/>
-            </a:ext>
-          </a:extLst>
-        </p:spPr>
-      </p:sp>
-      <p:sp>
-        <p:nvSpPr>
-          <p:cNvPr id="48130" name="Notes Placeholder 2"/>
-          <p:cNvSpPr>
-            <a:spLocks noGrp="1"/>
-          </p:cNvSpPr>
-          <p:nvPr>
-            <p:ph type="body" idx="1"/>
-          </p:nvPr>
-        </p:nvSpPr>
-        <p:spPr bwMode="auto">
-          <a:noFill/>
-          <a:extLst>
-            <a:ext uri="{909E8E84-426E-40DD-AFC4-6F175D3DCCD1}">
-              <a14:hiddenFill xmlns:a14="http://schemas.microsoft.com/office/drawing/2010/main">
-                <a:solidFill>
-                  <a:srgbClr val="FFFFFF"/>
-                </a:solidFill>
-              </a14:hiddenFill>
-            </a:ext>
-            <a:ext uri="{91240B29-F687-4F45-9708-019B960494DF}">
-              <a14:hiddenLine xmlns:a14="http://schemas.microsoft.com/office/drawing/2010/main" w="9525">
-                <a:solidFill>
-                  <a:srgbClr val="000000"/>
-                </a:solidFill>
-                <a:miter lim="800000"/>
-                <a:headEnd/>
-                <a:tailEnd/>
-              </a14:hiddenLine>
-            </a:ext>
-            <a:ext uri="{FAA26D3D-D897-4be2-8F04-BA451C77F1D7}">
-              <ma14:placeholderFlag xmlns:ma14="http://schemas.microsoft.com/office/mac/drawingml/2011/main" val="1"/>
-            </a:ext>
-          </a:extLst>
-        </p:spPr>
-        <p:txBody>
-          <a:bodyPr wrap="square" numCol="1" anchor="t" anchorCtr="0" compatLnSpc="1">
-            <a:prstTxWarp prst="textNoShape">
-              <a:avLst/>
-            </a:prstTxWarp>
-          </a:bodyPr>
-          <a:lstStyle/>
-          <a:p>
-            <a:endParaRPr lang="x-none" altLang="x-none">
-              <a:ea typeface="ＭＳ Ｐゴシック" charset="-128"/>
-            </a:endParaRPr>
-          </a:p>
-        </p:txBody>
-      </p:sp>
-      <p:sp>
-        <p:nvSpPr>
-          <p:cNvPr id="48131" name="Slide Number Placeholder 3"/>
-          <p:cNvSpPr>
-            <a:spLocks noGrp="1"/>
-          </p:cNvSpPr>
-          <p:nvPr>
-            <p:ph type="sldNum" sz="quarter" idx="5"/>
-          </p:nvPr>
-        </p:nvSpPr>
-        <p:spPr bwMode="auto">
-          <a:noFill/>
-          <a:extLst>
-            <a:ext uri="{909E8E84-426E-40DD-AFC4-6F175D3DCCD1}">
-              <a14:hiddenFill xmlns:a14="http://schemas.microsoft.com/office/drawing/2010/main">
-                <a:solidFill>
-                  <a:srgbClr val="FFFFFF"/>
-                </a:solidFill>
-              </a14:hiddenFill>
-            </a:ext>
-            <a:ext uri="{91240B29-F687-4F45-9708-019B960494DF}">
-              <a14:hiddenLine xmlns:a14="http://schemas.microsoft.com/office/drawing/2010/main" w="9525">
-                <a:solidFill>
-                  <a:srgbClr val="000000"/>
-                </a:solidFill>
-                <a:miter lim="800000"/>
-                <a:headEnd/>
-                <a:tailEnd/>
-              </a14:hiddenLine>
-            </a:ext>
-          </a:extLst>
-        </p:spPr>
-        <p:txBody>
-          <a:bodyPr/>
-          <a:lstStyle>
-            <a:lvl1pPr>
-              <a:defRPr sz="2000">
-                <a:solidFill>
-                  <a:srgbClr val="FFFFFF"/>
-                </a:solidFill>
-                <a:latin typeface="Gill Sans" charset="0"/>
-                <a:ea typeface="ヒラギノ角ゴ ProN W3" charset="-128"/>
-                <a:sym typeface="Gill Sans" charset="0"/>
-              </a:defRPr>
-            </a:lvl1pPr>
-            <a:lvl2pPr marL="742950" indent="-285750">
-              <a:defRPr sz="2000">
-                <a:solidFill>
-                  <a:srgbClr val="FFFFFF"/>
-                </a:solidFill>
-                <a:latin typeface="Gill Sans" charset="0"/>
-                <a:ea typeface="ヒラギノ角ゴ ProN W3" charset="-128"/>
-                <a:sym typeface="Gill Sans" charset="0"/>
-              </a:defRPr>
-            </a:lvl2pPr>
-            <a:lvl3pPr marL="1143000" indent="-228600">
-              <a:defRPr sz="2000">
-                <a:solidFill>
-                  <a:srgbClr val="FFFFFF"/>
-                </a:solidFill>
-                <a:latin typeface="Gill Sans" charset="0"/>
-                <a:ea typeface="ヒラギノ角ゴ ProN W3" charset="-128"/>
-                <a:sym typeface="Gill Sans" charset="0"/>
-              </a:defRPr>
-            </a:lvl3pPr>
-            <a:lvl4pPr marL="1600200" indent="-228600">
-              <a:defRPr sz="2000">
-                <a:solidFill>
-                  <a:srgbClr val="FFFFFF"/>
-                </a:solidFill>
-                <a:latin typeface="Gill Sans" charset="0"/>
-                <a:ea typeface="ヒラギノ角ゴ ProN W3" charset="-128"/>
-                <a:sym typeface="Gill Sans" charset="0"/>
-              </a:defRPr>
-            </a:lvl4pPr>
-            <a:lvl5pPr marL="2057400" indent="-228600">
-              <a:defRPr sz="2000">
-                <a:solidFill>
-                  <a:srgbClr val="FFFFFF"/>
-                </a:solidFill>
-                <a:latin typeface="Gill Sans" charset="0"/>
-                <a:ea typeface="ヒラギノ角ゴ ProN W3" charset="-128"/>
-                <a:sym typeface="Gill Sans" charset="0"/>
-              </a:defRPr>
-            </a:lvl5pPr>
-            <a:lvl6pPr marL="2514600" indent="-228600" eaLnBrk="0" fontAlgn="base" hangingPunct="0">
-              <a:spcBef>
-                <a:spcPct val="0"/>
-              </a:spcBef>
-              <a:spcAft>
-                <a:spcPct val="0"/>
-              </a:spcAft>
-              <a:defRPr sz="2000">
-                <a:solidFill>
-                  <a:srgbClr val="FFFFFF"/>
-                </a:solidFill>
-                <a:latin typeface="Gill Sans" charset="0"/>
-                <a:ea typeface="ヒラギノ角ゴ ProN W3" charset="-128"/>
-                <a:sym typeface="Gill Sans" charset="0"/>
-              </a:defRPr>
-            </a:lvl6pPr>
-            <a:lvl7pPr marL="2971800" indent="-228600" eaLnBrk="0" fontAlgn="base" hangingPunct="0">
-              <a:spcBef>
-                <a:spcPct val="0"/>
-              </a:spcBef>
-              <a:spcAft>
-                <a:spcPct val="0"/>
-              </a:spcAft>
-              <a:defRPr sz="2000">
-                <a:solidFill>
-                  <a:srgbClr val="FFFFFF"/>
-                </a:solidFill>
-                <a:latin typeface="Gill Sans" charset="0"/>
-                <a:ea typeface="ヒラギノ角ゴ ProN W3" charset="-128"/>
-                <a:sym typeface="Gill Sans" charset="0"/>
-              </a:defRPr>
-            </a:lvl7pPr>
-            <a:lvl8pPr marL="3429000" indent="-228600" eaLnBrk="0" fontAlgn="base" hangingPunct="0">
-              <a:spcBef>
-                <a:spcPct val="0"/>
-              </a:spcBef>
-              <a:spcAft>
-                <a:spcPct val="0"/>
-              </a:spcAft>
-              <a:defRPr sz="2000">
-                <a:solidFill>
-                  <a:srgbClr val="FFFFFF"/>
-                </a:solidFill>
-                <a:latin typeface="Gill Sans" charset="0"/>
-                <a:ea typeface="ヒラギノ角ゴ ProN W3" charset="-128"/>
-                <a:sym typeface="Gill Sans" charset="0"/>
-              </a:defRPr>
-            </a:lvl8pPr>
-            <a:lvl9pPr marL="3886200" indent="-228600" eaLnBrk="0" fontAlgn="base" hangingPunct="0">
-              <a:spcBef>
-                <a:spcPct val="0"/>
-              </a:spcBef>
-              <a:spcAft>
-                <a:spcPct val="0"/>
-              </a:spcAft>
-              <a:defRPr sz="2000">
-                <a:solidFill>
-                  <a:srgbClr val="FFFFFF"/>
-                </a:solidFill>
-                <a:latin typeface="Gill Sans" charset="0"/>
-                <a:ea typeface="ヒラギノ角ゴ ProN W3" charset="-128"/>
-                <a:sym typeface="Gill Sans" charset="0"/>
-              </a:defRPr>
-            </a:lvl9pPr>
-          </a:lstStyle>
-          <a:p>
-            <a:fld id="{5AF23A8A-7E28-F845-8E03-8CA75C7FCD21}" type="slidenum">
-              <a:rPr lang="en-US" altLang="x-none" sz="1200"/>
-              <a:pPr/>
-              <a:t>24</a:t>
-            </a:fld>
-            <a:endParaRPr lang="en-US" altLang="x-none" sz="1200"/>
-          </a:p>
-        </p:txBody>
-      </p:sp>
-    </p:spTree>
-    <p:extLst>
-      <p:ext uri="{BB962C8B-B14F-4D97-AF65-F5344CB8AC3E}">
-        <p14:creationId xmlns:p14="http://schemas.microsoft.com/office/powerpoint/2010/main" val="1512382325"/>
-      </p:ext>
-    </p:extLst>
-  </p:cSld>
-  <p:clrMapOvr>
-    <a:masterClrMapping/>
-  </p:clrMapOvr>
-</p:notes>
-</file>
-
-<file path=ppt/notesSlides/notesSlide15.xml><?xml version="1.0" encoding="utf-8"?>
-<p:notes xmlns:a="http://schemas.openxmlformats.org/drawingml/2006/main" xmlns:r="http://schemas.openxmlformats.org/officeDocument/2006/relationships" xmlns:p="http://schemas.openxmlformats.org/presentationml/2006/main">
-  <p:cSld>
-    <p:spTree>
-      <p:nvGrpSpPr>
-        <p:cNvPr id="1" name=""/>
-        <p:cNvGrpSpPr/>
-        <p:nvPr/>
-      </p:nvGrpSpPr>
-      <p:grpSpPr>
-        <a:xfrm>
-          <a:off x="0" y="0"/>
-          <a:ext cx="0" cy="0"/>
-          <a:chOff x="0" y="0"/>
-          <a:chExt cx="0" cy="0"/>
-        </a:xfrm>
-      </p:grpSpPr>
-      <p:sp>
-        <p:nvSpPr>
-          <p:cNvPr id="48129" name="Slide Image Placeholder 1"/>
-          <p:cNvSpPr>
-            <a:spLocks noGrp="1" noRot="1" noChangeAspect="1" noTextEdit="1"/>
-          </p:cNvSpPr>
-          <p:nvPr>
-            <p:ph type="sldImg"/>
-          </p:nvPr>
-        </p:nvSpPr>
-        <p:spPr bwMode="auto">
-          <a:noFill/>
-          <a:ln>
-            <a:solidFill>
-              <a:srgbClr val="000000"/>
-            </a:solidFill>
-            <a:miter lim="800000"/>
-            <a:headEnd/>
-            <a:tailEnd/>
-          </a:ln>
-          <a:extLst>
-            <a:ext uri="{909E8E84-426E-40DD-AFC4-6F175D3DCCD1}">
-              <a14:hiddenFill xmlns:a14="http://schemas.microsoft.com/office/drawing/2010/main">
-                <a:solidFill>
-                  <a:srgbClr val="FFFFFF"/>
-                </a:solidFill>
-              </a14:hiddenFill>
-            </a:ext>
-            <a:ext uri="{FAA26D3D-D897-4be2-8F04-BA451C77F1D7}">
-              <ma14:placeholderFlag xmlns:ma14="http://schemas.microsoft.com/office/mac/drawingml/2011/main" val="1"/>
-            </a:ext>
-          </a:extLst>
-        </p:spPr>
-      </p:sp>
-      <p:sp>
-        <p:nvSpPr>
-          <p:cNvPr id="48130" name="Notes Placeholder 2"/>
-          <p:cNvSpPr>
-            <a:spLocks noGrp="1"/>
-          </p:cNvSpPr>
-          <p:nvPr>
-            <p:ph type="body" idx="1"/>
-          </p:nvPr>
-        </p:nvSpPr>
-        <p:spPr bwMode="auto">
-          <a:noFill/>
-          <a:extLst>
-            <a:ext uri="{909E8E84-426E-40DD-AFC4-6F175D3DCCD1}">
-              <a14:hiddenFill xmlns:a14="http://schemas.microsoft.com/office/drawing/2010/main">
-                <a:solidFill>
-                  <a:srgbClr val="FFFFFF"/>
-                </a:solidFill>
-              </a14:hiddenFill>
-            </a:ext>
-            <a:ext uri="{91240B29-F687-4F45-9708-019B960494DF}">
-              <a14:hiddenLine xmlns:a14="http://schemas.microsoft.com/office/drawing/2010/main" w="9525">
-                <a:solidFill>
-                  <a:srgbClr val="000000"/>
-                </a:solidFill>
-                <a:miter lim="800000"/>
-                <a:headEnd/>
-                <a:tailEnd/>
-              </a14:hiddenLine>
-            </a:ext>
-            <a:ext uri="{FAA26D3D-D897-4be2-8F04-BA451C77F1D7}">
-              <ma14:placeholderFlag xmlns:ma14="http://schemas.microsoft.com/office/mac/drawingml/2011/main" val="1"/>
-            </a:ext>
-          </a:extLst>
-        </p:spPr>
-        <p:txBody>
-          <a:bodyPr wrap="square" numCol="1" anchor="t" anchorCtr="0" compatLnSpc="1">
-            <a:prstTxWarp prst="textNoShape">
-              <a:avLst/>
-            </a:prstTxWarp>
-          </a:bodyPr>
-          <a:lstStyle/>
-          <a:p>
-            <a:endParaRPr lang="x-none" altLang="x-none">
-              <a:ea typeface="ＭＳ Ｐゴシック" charset="-128"/>
-            </a:endParaRPr>
-          </a:p>
-        </p:txBody>
-      </p:sp>
-      <p:sp>
-        <p:nvSpPr>
-          <p:cNvPr id="48131" name="Slide Number Placeholder 3"/>
-          <p:cNvSpPr>
-            <a:spLocks noGrp="1"/>
-          </p:cNvSpPr>
-          <p:nvPr>
-            <p:ph type="sldNum" sz="quarter" idx="5"/>
-          </p:nvPr>
-        </p:nvSpPr>
-        <p:spPr bwMode="auto">
-          <a:noFill/>
-          <a:extLst>
-            <a:ext uri="{909E8E84-426E-40DD-AFC4-6F175D3DCCD1}">
-              <a14:hiddenFill xmlns:a14="http://schemas.microsoft.com/office/drawing/2010/main">
-                <a:solidFill>
-                  <a:srgbClr val="FFFFFF"/>
-                </a:solidFill>
-              </a14:hiddenFill>
-            </a:ext>
-            <a:ext uri="{91240B29-F687-4F45-9708-019B960494DF}">
-              <a14:hiddenLine xmlns:a14="http://schemas.microsoft.com/office/drawing/2010/main" w="9525">
-                <a:solidFill>
-                  <a:srgbClr val="000000"/>
-                </a:solidFill>
-                <a:miter lim="800000"/>
-                <a:headEnd/>
-                <a:tailEnd/>
-              </a14:hiddenLine>
-            </a:ext>
-          </a:extLst>
-        </p:spPr>
-        <p:txBody>
-          <a:bodyPr/>
-          <a:lstStyle>
-            <a:lvl1pPr>
-              <a:defRPr sz="2000">
-                <a:solidFill>
-                  <a:srgbClr val="FFFFFF"/>
-                </a:solidFill>
-                <a:latin typeface="Gill Sans" charset="0"/>
-                <a:ea typeface="ヒラギノ角ゴ ProN W3" charset="-128"/>
-                <a:sym typeface="Gill Sans" charset="0"/>
-              </a:defRPr>
-            </a:lvl1pPr>
-            <a:lvl2pPr marL="742950" indent="-285750">
-              <a:defRPr sz="2000">
-                <a:solidFill>
-                  <a:srgbClr val="FFFFFF"/>
-                </a:solidFill>
-                <a:latin typeface="Gill Sans" charset="0"/>
-                <a:ea typeface="ヒラギノ角ゴ ProN W3" charset="-128"/>
-                <a:sym typeface="Gill Sans" charset="0"/>
-              </a:defRPr>
-            </a:lvl2pPr>
-            <a:lvl3pPr marL="1143000" indent="-228600">
-              <a:defRPr sz="2000">
-                <a:solidFill>
-                  <a:srgbClr val="FFFFFF"/>
-                </a:solidFill>
-                <a:latin typeface="Gill Sans" charset="0"/>
-                <a:ea typeface="ヒラギノ角ゴ ProN W3" charset="-128"/>
-                <a:sym typeface="Gill Sans" charset="0"/>
-              </a:defRPr>
-            </a:lvl3pPr>
-            <a:lvl4pPr marL="1600200" indent="-228600">
-              <a:defRPr sz="2000">
-                <a:solidFill>
-                  <a:srgbClr val="FFFFFF"/>
-                </a:solidFill>
-                <a:latin typeface="Gill Sans" charset="0"/>
-                <a:ea typeface="ヒラギノ角ゴ ProN W3" charset="-128"/>
-                <a:sym typeface="Gill Sans" charset="0"/>
-              </a:defRPr>
-            </a:lvl4pPr>
-            <a:lvl5pPr marL="2057400" indent="-228600">
-              <a:defRPr sz="2000">
-                <a:solidFill>
-                  <a:srgbClr val="FFFFFF"/>
-                </a:solidFill>
-                <a:latin typeface="Gill Sans" charset="0"/>
-                <a:ea typeface="ヒラギノ角ゴ ProN W3" charset="-128"/>
-                <a:sym typeface="Gill Sans" charset="0"/>
-              </a:defRPr>
-            </a:lvl5pPr>
-            <a:lvl6pPr marL="2514600" indent="-228600" eaLnBrk="0" fontAlgn="base" hangingPunct="0">
-              <a:spcBef>
-                <a:spcPct val="0"/>
-              </a:spcBef>
-              <a:spcAft>
-                <a:spcPct val="0"/>
-              </a:spcAft>
-              <a:defRPr sz="2000">
-                <a:solidFill>
-                  <a:srgbClr val="FFFFFF"/>
-                </a:solidFill>
-                <a:latin typeface="Gill Sans" charset="0"/>
-                <a:ea typeface="ヒラギノ角ゴ ProN W3" charset="-128"/>
-                <a:sym typeface="Gill Sans" charset="0"/>
-              </a:defRPr>
-            </a:lvl6pPr>
-            <a:lvl7pPr marL="2971800" indent="-228600" eaLnBrk="0" fontAlgn="base" hangingPunct="0">
-              <a:spcBef>
-                <a:spcPct val="0"/>
-              </a:spcBef>
-              <a:spcAft>
-                <a:spcPct val="0"/>
-              </a:spcAft>
-              <a:defRPr sz="2000">
-                <a:solidFill>
-                  <a:srgbClr val="FFFFFF"/>
-                </a:solidFill>
-                <a:latin typeface="Gill Sans" charset="0"/>
-                <a:ea typeface="ヒラギノ角ゴ ProN W3" charset="-128"/>
-                <a:sym typeface="Gill Sans" charset="0"/>
-              </a:defRPr>
-            </a:lvl7pPr>
-            <a:lvl8pPr marL="3429000" indent="-228600" eaLnBrk="0" fontAlgn="base" hangingPunct="0">
-              <a:spcBef>
-                <a:spcPct val="0"/>
-              </a:spcBef>
-              <a:spcAft>
-                <a:spcPct val="0"/>
-              </a:spcAft>
-              <a:defRPr sz="2000">
-                <a:solidFill>
-                  <a:srgbClr val="FFFFFF"/>
-                </a:solidFill>
-                <a:latin typeface="Gill Sans" charset="0"/>
-                <a:ea typeface="ヒラギノ角ゴ ProN W3" charset="-128"/>
-                <a:sym typeface="Gill Sans" charset="0"/>
-              </a:defRPr>
-            </a:lvl8pPr>
-            <a:lvl9pPr marL="3886200" indent="-228600" eaLnBrk="0" fontAlgn="base" hangingPunct="0">
-              <a:spcBef>
-                <a:spcPct val="0"/>
-              </a:spcBef>
-              <a:spcAft>
-                <a:spcPct val="0"/>
-              </a:spcAft>
-              <a:defRPr sz="2000">
-                <a:solidFill>
-                  <a:srgbClr val="FFFFFF"/>
-                </a:solidFill>
-                <a:latin typeface="Gill Sans" charset="0"/>
-                <a:ea typeface="ヒラギノ角ゴ ProN W3" charset="-128"/>
-                <a:sym typeface="Gill Sans" charset="0"/>
-              </a:defRPr>
-            </a:lvl9pPr>
-          </a:lstStyle>
-          <a:p>
-            <a:fld id="{5AF23A8A-7E28-F845-8E03-8CA75C7FCD21}" type="slidenum">
-              <a:rPr lang="en-US" altLang="x-none" sz="1200"/>
-              <a:pPr/>
-              <a:t>25</a:t>
-            </a:fld>
-            <a:endParaRPr lang="en-US" altLang="x-none" sz="1200"/>
-          </a:p>
-        </p:txBody>
-      </p:sp>
-    </p:spTree>
-    <p:extLst>
-      <p:ext uri="{BB962C8B-B14F-4D97-AF65-F5344CB8AC3E}">
-        <p14:creationId xmlns:p14="http://schemas.microsoft.com/office/powerpoint/2010/main" val="2014157115"/>
-      </p:ext>
-    </p:extLst>
-  </p:cSld>
-  <p:clrMapOvr>
-    <a:masterClrMapping/>
-  </p:clrMapOvr>
-</p:notes>
-</file>
-
-<file path=ppt/notesSlides/notesSlide16.xml><?xml version="1.0" encoding="utf-8"?>
-<p:notes xmlns:a="http://schemas.openxmlformats.org/drawingml/2006/main" xmlns:r="http://schemas.openxmlformats.org/officeDocument/2006/relationships" xmlns:p="http://schemas.openxmlformats.org/presentationml/2006/main">
-  <p:cSld>
-    <p:spTree>
-      <p:nvGrpSpPr>
-        <p:cNvPr id="1" name=""/>
-        <p:cNvGrpSpPr/>
-        <p:nvPr/>
-      </p:nvGrpSpPr>
-      <p:grpSpPr>
-        <a:xfrm>
-          <a:off x="0" y="0"/>
-          <a:ext cx="0" cy="0"/>
-          <a:chOff x="0" y="0"/>
-          <a:chExt cx="0" cy="0"/>
-        </a:xfrm>
-      </p:grpSpPr>
-      <p:sp>
-        <p:nvSpPr>
-          <p:cNvPr id="48129" name="Slide Image Placeholder 1"/>
-          <p:cNvSpPr>
-            <a:spLocks noGrp="1" noRot="1" noChangeAspect="1" noTextEdit="1"/>
-          </p:cNvSpPr>
-          <p:nvPr>
-            <p:ph type="sldImg"/>
-          </p:nvPr>
-        </p:nvSpPr>
-        <p:spPr bwMode="auto">
-          <a:noFill/>
-          <a:ln>
-            <a:solidFill>
-              <a:srgbClr val="000000"/>
-            </a:solidFill>
-            <a:miter lim="800000"/>
-            <a:headEnd/>
-            <a:tailEnd/>
-          </a:ln>
-          <a:extLst>
-            <a:ext uri="{909E8E84-426E-40DD-AFC4-6F175D3DCCD1}">
-              <a14:hiddenFill xmlns:a14="http://schemas.microsoft.com/office/drawing/2010/main">
-                <a:solidFill>
-                  <a:srgbClr val="FFFFFF"/>
-                </a:solidFill>
-              </a14:hiddenFill>
-            </a:ext>
-            <a:ext uri="{FAA26D3D-D897-4be2-8F04-BA451C77F1D7}">
-              <ma14:placeholderFlag xmlns:ma14="http://schemas.microsoft.com/office/mac/drawingml/2011/main" val="1"/>
-            </a:ext>
-          </a:extLst>
-        </p:spPr>
-      </p:sp>
-      <p:sp>
-        <p:nvSpPr>
-          <p:cNvPr id="48130" name="Notes Placeholder 2"/>
-          <p:cNvSpPr>
-            <a:spLocks noGrp="1"/>
-          </p:cNvSpPr>
-          <p:nvPr>
-            <p:ph type="body" idx="1"/>
-          </p:nvPr>
-        </p:nvSpPr>
-        <p:spPr bwMode="auto">
-          <a:noFill/>
-          <a:extLst>
-            <a:ext uri="{909E8E84-426E-40DD-AFC4-6F175D3DCCD1}">
-              <a14:hiddenFill xmlns:a14="http://schemas.microsoft.com/office/drawing/2010/main">
-                <a:solidFill>
-                  <a:srgbClr val="FFFFFF"/>
-                </a:solidFill>
-              </a14:hiddenFill>
-            </a:ext>
-            <a:ext uri="{91240B29-F687-4F45-9708-019B960494DF}">
-              <a14:hiddenLine xmlns:a14="http://schemas.microsoft.com/office/drawing/2010/main" w="9525">
-                <a:solidFill>
-                  <a:srgbClr val="000000"/>
-                </a:solidFill>
-                <a:miter lim="800000"/>
-                <a:headEnd/>
-                <a:tailEnd/>
-              </a14:hiddenLine>
-            </a:ext>
-            <a:ext uri="{FAA26D3D-D897-4be2-8F04-BA451C77F1D7}">
-              <ma14:placeholderFlag xmlns:ma14="http://schemas.microsoft.com/office/mac/drawingml/2011/main" val="1"/>
-            </a:ext>
-          </a:extLst>
-        </p:spPr>
-        <p:txBody>
-          <a:bodyPr wrap="square" numCol="1" anchor="t" anchorCtr="0" compatLnSpc="1">
-            <a:prstTxWarp prst="textNoShape">
-              <a:avLst/>
-            </a:prstTxWarp>
-          </a:bodyPr>
-          <a:lstStyle/>
-          <a:p>
-            <a:endParaRPr lang="x-none" altLang="x-none">
-              <a:ea typeface="ＭＳ Ｐゴシック" charset="-128"/>
-            </a:endParaRPr>
-          </a:p>
-        </p:txBody>
-      </p:sp>
-      <p:sp>
-        <p:nvSpPr>
-          <p:cNvPr id="48131" name="Slide Number Placeholder 3"/>
-          <p:cNvSpPr>
-            <a:spLocks noGrp="1"/>
-          </p:cNvSpPr>
-          <p:nvPr>
-            <p:ph type="sldNum" sz="quarter" idx="5"/>
-          </p:nvPr>
-        </p:nvSpPr>
-        <p:spPr bwMode="auto">
-          <a:noFill/>
-          <a:extLst>
-            <a:ext uri="{909E8E84-426E-40DD-AFC4-6F175D3DCCD1}">
-              <a14:hiddenFill xmlns:a14="http://schemas.microsoft.com/office/drawing/2010/main">
-                <a:solidFill>
-                  <a:srgbClr val="FFFFFF"/>
-                </a:solidFill>
-              </a14:hiddenFill>
-            </a:ext>
-            <a:ext uri="{91240B29-F687-4F45-9708-019B960494DF}">
-              <a14:hiddenLine xmlns:a14="http://schemas.microsoft.com/office/drawing/2010/main" w="9525">
-                <a:solidFill>
-                  <a:srgbClr val="000000"/>
-                </a:solidFill>
-                <a:miter lim="800000"/>
-                <a:headEnd/>
-                <a:tailEnd/>
-              </a14:hiddenLine>
-            </a:ext>
-          </a:extLst>
-        </p:spPr>
-        <p:txBody>
-          <a:bodyPr/>
-          <a:lstStyle>
-            <a:lvl1pPr>
-              <a:defRPr sz="2000">
-                <a:solidFill>
-                  <a:srgbClr val="FFFFFF"/>
-                </a:solidFill>
-                <a:latin typeface="Gill Sans" charset="0"/>
-                <a:ea typeface="ヒラギノ角ゴ ProN W3" charset="-128"/>
-                <a:sym typeface="Gill Sans" charset="0"/>
-              </a:defRPr>
-            </a:lvl1pPr>
-            <a:lvl2pPr marL="742950" indent="-285750">
-              <a:defRPr sz="2000">
-                <a:solidFill>
-                  <a:srgbClr val="FFFFFF"/>
-                </a:solidFill>
-                <a:latin typeface="Gill Sans" charset="0"/>
-                <a:ea typeface="ヒラギノ角ゴ ProN W3" charset="-128"/>
-                <a:sym typeface="Gill Sans" charset="0"/>
-              </a:defRPr>
-            </a:lvl2pPr>
-            <a:lvl3pPr marL="1143000" indent="-228600">
-              <a:defRPr sz="2000">
-                <a:solidFill>
-                  <a:srgbClr val="FFFFFF"/>
-                </a:solidFill>
-                <a:latin typeface="Gill Sans" charset="0"/>
-                <a:ea typeface="ヒラギノ角ゴ ProN W3" charset="-128"/>
-                <a:sym typeface="Gill Sans" charset="0"/>
-              </a:defRPr>
-            </a:lvl3pPr>
-            <a:lvl4pPr marL="1600200" indent="-228600">
-              <a:defRPr sz="2000">
-                <a:solidFill>
-                  <a:srgbClr val="FFFFFF"/>
-                </a:solidFill>
-                <a:latin typeface="Gill Sans" charset="0"/>
-                <a:ea typeface="ヒラギノ角ゴ ProN W3" charset="-128"/>
-                <a:sym typeface="Gill Sans" charset="0"/>
-              </a:defRPr>
-            </a:lvl4pPr>
-            <a:lvl5pPr marL="2057400" indent="-228600">
-              <a:defRPr sz="2000">
-                <a:solidFill>
-                  <a:srgbClr val="FFFFFF"/>
-                </a:solidFill>
-                <a:latin typeface="Gill Sans" charset="0"/>
-                <a:ea typeface="ヒラギノ角ゴ ProN W3" charset="-128"/>
-                <a:sym typeface="Gill Sans" charset="0"/>
-              </a:defRPr>
-            </a:lvl5pPr>
-            <a:lvl6pPr marL="2514600" indent="-228600" eaLnBrk="0" fontAlgn="base" hangingPunct="0">
-              <a:spcBef>
-                <a:spcPct val="0"/>
-              </a:spcBef>
-              <a:spcAft>
-                <a:spcPct val="0"/>
-              </a:spcAft>
-              <a:defRPr sz="2000">
-                <a:solidFill>
-                  <a:srgbClr val="FFFFFF"/>
-                </a:solidFill>
-                <a:latin typeface="Gill Sans" charset="0"/>
-                <a:ea typeface="ヒラギノ角ゴ ProN W3" charset="-128"/>
-                <a:sym typeface="Gill Sans" charset="0"/>
-              </a:defRPr>
-            </a:lvl6pPr>
-            <a:lvl7pPr marL="2971800" indent="-228600" eaLnBrk="0" fontAlgn="base" hangingPunct="0">
-              <a:spcBef>
-                <a:spcPct val="0"/>
-              </a:spcBef>
-              <a:spcAft>
-                <a:spcPct val="0"/>
-              </a:spcAft>
-              <a:defRPr sz="2000">
-                <a:solidFill>
-                  <a:srgbClr val="FFFFFF"/>
-                </a:solidFill>
-                <a:latin typeface="Gill Sans" charset="0"/>
-                <a:ea typeface="ヒラギノ角ゴ ProN W3" charset="-128"/>
-                <a:sym typeface="Gill Sans" charset="0"/>
-              </a:defRPr>
-            </a:lvl7pPr>
-            <a:lvl8pPr marL="3429000" indent="-228600" eaLnBrk="0" fontAlgn="base" hangingPunct="0">
-              <a:spcBef>
-                <a:spcPct val="0"/>
-              </a:spcBef>
-              <a:spcAft>
-                <a:spcPct val="0"/>
-              </a:spcAft>
-              <a:defRPr sz="2000">
-                <a:solidFill>
-                  <a:srgbClr val="FFFFFF"/>
-                </a:solidFill>
-                <a:latin typeface="Gill Sans" charset="0"/>
-                <a:ea typeface="ヒラギノ角ゴ ProN W3" charset="-128"/>
-                <a:sym typeface="Gill Sans" charset="0"/>
-              </a:defRPr>
-            </a:lvl8pPr>
-            <a:lvl9pPr marL="3886200" indent="-228600" eaLnBrk="0" fontAlgn="base" hangingPunct="0">
-              <a:spcBef>
-                <a:spcPct val="0"/>
-              </a:spcBef>
-              <a:spcAft>
-                <a:spcPct val="0"/>
-              </a:spcAft>
-              <a:defRPr sz="2000">
-                <a:solidFill>
-                  <a:srgbClr val="FFFFFF"/>
-                </a:solidFill>
-                <a:latin typeface="Gill Sans" charset="0"/>
-                <a:ea typeface="ヒラギノ角ゴ ProN W3" charset="-128"/>
-                <a:sym typeface="Gill Sans" charset="0"/>
-              </a:defRPr>
-            </a:lvl9pPr>
-          </a:lstStyle>
-          <a:p>
-            <a:fld id="{5AF23A8A-7E28-F845-8E03-8CA75C7FCD21}" type="slidenum">
-              <a:rPr lang="en-US" altLang="x-none" sz="1200"/>
-              <a:pPr/>
-              <a:t>26</a:t>
-            </a:fld>
-            <a:endParaRPr lang="en-US" altLang="x-none" sz="1200"/>
-          </a:p>
-        </p:txBody>
-      </p:sp>
-    </p:spTree>
-    <p:extLst>
-      <p:ext uri="{BB962C8B-B14F-4D97-AF65-F5344CB8AC3E}">
-        <p14:creationId xmlns:p14="http://schemas.microsoft.com/office/powerpoint/2010/main" val="129299595"/>
-      </p:ext>
-    </p:extLst>
-  </p:cSld>
-  <p:clrMapOvr>
-    <a:masterClrMapping/>
-  </p:clrMapOvr>
-</p:notes>
-</file>
-
-<file path=ppt/notesSlides/notesSlide17.xml><?xml version="1.0" encoding="utf-8"?>
-<p:notes xmlns:a="http://schemas.openxmlformats.org/drawingml/2006/main" xmlns:r="http://schemas.openxmlformats.org/officeDocument/2006/relationships" xmlns:p="http://schemas.openxmlformats.org/presentationml/2006/main">
-  <p:cSld>
-    <p:spTree>
-      <p:nvGrpSpPr>
-        <p:cNvPr id="1" name=""/>
-        <p:cNvGrpSpPr/>
-        <p:nvPr/>
-      </p:nvGrpSpPr>
-      <p:grpSpPr>
-        <a:xfrm>
-          <a:off x="0" y="0"/>
-          <a:ext cx="0" cy="0"/>
-          <a:chOff x="0" y="0"/>
-          <a:chExt cx="0" cy="0"/>
-        </a:xfrm>
-      </p:grpSpPr>
-      <p:sp>
-        <p:nvSpPr>
           <p:cNvPr id="66561" name="Slide Image Placeholder 1"/>
           <p:cNvSpPr>
             <a:spLocks noGrp="1" noRot="1" noChangeAspect="1" noTextEdit="1"/>
@@ -3616,7 +1706,7 @@
       </p:grpSpPr>
       <p:sp>
         <p:nvSpPr>
-          <p:cNvPr id="20481" name="Slide Image Placeholder 1"/>
+          <p:cNvPr id="27649" name="Slide Image Placeholder 1"/>
           <p:cNvSpPr>
             <a:spLocks noGrp="1" noRot="1" noChangeAspect="1" noTextEdit="1"/>
           </p:cNvSpPr>
@@ -3650,7 +1740,7 @@
       </p:sp>
       <p:sp>
         <p:nvSpPr>
-          <p:cNvPr id="20482" name="Notes Placeholder 2"/>
+          <p:cNvPr id="27650" name="Notes Placeholder 2"/>
           <p:cNvSpPr>
             <a:spLocks noGrp="1"/>
           </p:cNvSpPr>
@@ -3699,7 +1789,7 @@
       </p:sp>
       <p:sp>
         <p:nvSpPr>
-          <p:cNvPr id="20483" name="Slide Number Placeholder 3"/>
+          <p:cNvPr id="27651" name="Slide Number Placeholder 3"/>
           <p:cNvSpPr>
             <a:spLocks noGrp="1"/>
           </p:cNvSpPr>
@@ -3848,10 +1938,10 @@
             </a:lvl9pPr>
           </a:lstStyle>
           <a:p>
-            <a:fld id="{F301AC7C-3ABE-BA46-BA91-895FDE70DB6B}" type="slidenum">
+            <a:fld id="{2C2659A5-5A66-A94C-81F6-2CBF0F30D517}" type="slidenum">
               <a:rPr lang="en-US" altLang="x-none" sz="1200"/>
               <a:pPr/>
-              <a:t>9</a:t>
+              <a:t>14</a:t>
             </a:fld>
             <a:endParaRPr lang="en-US" altLang="x-none" sz="1200"/>
           </a:p>
@@ -3860,7 +1950,7 @@
     </p:spTree>
     <p:extLst>
       <p:ext uri="{BB962C8B-B14F-4D97-AF65-F5344CB8AC3E}">
-        <p14:creationId xmlns:p14="http://schemas.microsoft.com/office/powerpoint/2010/main" val="2142726344"/>
+        <p14:creationId xmlns:p14="http://schemas.microsoft.com/office/powerpoint/2010/main" val="1998826242"/>
       </p:ext>
     </p:extLst>
   </p:cSld>
@@ -3889,7 +1979,7 @@
       </p:grpSpPr>
       <p:sp>
         <p:nvSpPr>
-          <p:cNvPr id="20481" name="Slide Image Placeholder 1"/>
+          <p:cNvPr id="30721" name="Slide Image Placeholder 1"/>
           <p:cNvSpPr>
             <a:spLocks noGrp="1" noRot="1" noChangeAspect="1" noTextEdit="1"/>
           </p:cNvSpPr>
@@ -3923,7 +2013,7 @@
       </p:sp>
       <p:sp>
         <p:nvSpPr>
-          <p:cNvPr id="20482" name="Notes Placeholder 2"/>
+          <p:cNvPr id="30722" name="Notes Placeholder 2"/>
           <p:cNvSpPr>
             <a:spLocks noGrp="1"/>
           </p:cNvSpPr>
@@ -3972,7 +2062,7 @@
       </p:sp>
       <p:sp>
         <p:nvSpPr>
-          <p:cNvPr id="20483" name="Slide Number Placeholder 3"/>
+          <p:cNvPr id="30723" name="Slide Number Placeholder 3"/>
           <p:cNvSpPr>
             <a:spLocks noGrp="1"/>
           </p:cNvSpPr>
@@ -4121,10 +2211,10 @@
             </a:lvl9pPr>
           </a:lstStyle>
           <a:p>
-            <a:fld id="{F301AC7C-3ABE-BA46-BA91-895FDE70DB6B}" type="slidenum">
+            <a:fld id="{0905F52F-8867-524F-B5FE-B4245CE3B7E3}" type="slidenum">
               <a:rPr lang="en-US" altLang="x-none" sz="1200"/>
               <a:pPr/>
-              <a:t>10</a:t>
+              <a:t>16</a:t>
             </a:fld>
             <a:endParaRPr lang="en-US" altLang="x-none" sz="1200"/>
           </a:p>
@@ -4133,7 +2223,7 @@
     </p:spTree>
     <p:extLst>
       <p:ext uri="{BB962C8B-B14F-4D97-AF65-F5344CB8AC3E}">
-        <p14:creationId xmlns:p14="http://schemas.microsoft.com/office/powerpoint/2010/main" val="141827562"/>
+        <p14:creationId xmlns:p14="http://schemas.microsoft.com/office/powerpoint/2010/main" val="747858128"/>
       </p:ext>
     </p:extLst>
   </p:cSld>
@@ -4162,7 +2252,7 @@
       </p:grpSpPr>
       <p:sp>
         <p:nvSpPr>
-          <p:cNvPr id="20481" name="Slide Image Placeholder 1"/>
+          <p:cNvPr id="32769" name="Slide Image Placeholder 1"/>
           <p:cNvSpPr>
             <a:spLocks noGrp="1" noRot="1" noChangeAspect="1" noTextEdit="1"/>
           </p:cNvSpPr>
@@ -4196,7 +2286,7 @@
       </p:sp>
       <p:sp>
         <p:nvSpPr>
-          <p:cNvPr id="20482" name="Notes Placeholder 2"/>
+          <p:cNvPr id="32770" name="Notes Placeholder 2"/>
           <p:cNvSpPr>
             <a:spLocks noGrp="1"/>
           </p:cNvSpPr>
@@ -4245,7 +2335,7 @@
       </p:sp>
       <p:sp>
         <p:nvSpPr>
-          <p:cNvPr id="20483" name="Slide Number Placeholder 3"/>
+          <p:cNvPr id="32771" name="Slide Number Placeholder 3"/>
           <p:cNvSpPr>
             <a:spLocks noGrp="1"/>
           </p:cNvSpPr>
@@ -4394,10 +2484,10 @@
             </a:lvl9pPr>
           </a:lstStyle>
           <a:p>
-            <a:fld id="{F301AC7C-3ABE-BA46-BA91-895FDE70DB6B}" type="slidenum">
+            <a:fld id="{F40CF4AF-79AE-E147-990F-E0E8852933E8}" type="slidenum">
               <a:rPr lang="en-US" altLang="x-none" sz="1200"/>
               <a:pPr/>
-              <a:t>11</a:t>
+              <a:t>17</a:t>
             </a:fld>
             <a:endParaRPr lang="en-US" altLang="x-none" sz="1200"/>
           </a:p>
@@ -4406,7 +2496,7 @@
     </p:spTree>
     <p:extLst>
       <p:ext uri="{BB962C8B-B14F-4D97-AF65-F5344CB8AC3E}">
-        <p14:creationId xmlns:p14="http://schemas.microsoft.com/office/powerpoint/2010/main" val="1395880000"/>
+        <p14:creationId xmlns:p14="http://schemas.microsoft.com/office/powerpoint/2010/main" val="420324487"/>
       </p:ext>
     </p:extLst>
   </p:cSld>
@@ -4435,7 +2525,7 @@
       </p:grpSpPr>
       <p:sp>
         <p:nvSpPr>
-          <p:cNvPr id="20481" name="Slide Image Placeholder 1"/>
+          <p:cNvPr id="36865" name="Slide Image Placeholder 1"/>
           <p:cNvSpPr>
             <a:spLocks noGrp="1" noRot="1" noChangeAspect="1" noTextEdit="1"/>
           </p:cNvSpPr>
@@ -4469,7 +2559,7 @@
       </p:sp>
       <p:sp>
         <p:nvSpPr>
-          <p:cNvPr id="20482" name="Notes Placeholder 2"/>
+          <p:cNvPr id="36866" name="Notes Placeholder 2"/>
           <p:cNvSpPr>
             <a:spLocks noGrp="1"/>
           </p:cNvSpPr>
@@ -4518,7 +2608,7 @@
       </p:sp>
       <p:sp>
         <p:nvSpPr>
-          <p:cNvPr id="20483" name="Slide Number Placeholder 3"/>
+          <p:cNvPr id="36867" name="Slide Number Placeholder 3"/>
           <p:cNvSpPr>
             <a:spLocks noGrp="1"/>
           </p:cNvSpPr>
@@ -4667,10 +2757,10 @@
             </a:lvl9pPr>
           </a:lstStyle>
           <a:p>
-            <a:fld id="{F301AC7C-3ABE-BA46-BA91-895FDE70DB6B}" type="slidenum">
+            <a:fld id="{1850B3A9-9334-D347-A125-304F0D36A866}" type="slidenum">
               <a:rPr lang="en-US" altLang="x-none" sz="1200"/>
               <a:pPr/>
-              <a:t>12</a:t>
+              <a:t>22</a:t>
             </a:fld>
             <a:endParaRPr lang="en-US" altLang="x-none" sz="1200"/>
           </a:p>
@@ -4679,7 +2769,7 @@
     </p:spTree>
     <p:extLst>
       <p:ext uri="{BB962C8B-B14F-4D97-AF65-F5344CB8AC3E}">
-        <p14:creationId xmlns:p14="http://schemas.microsoft.com/office/powerpoint/2010/main" val="1258173007"/>
+        <p14:creationId xmlns:p14="http://schemas.microsoft.com/office/powerpoint/2010/main" val="365138831"/>
       </p:ext>
     </p:extLst>
   </p:cSld>
@@ -4708,7 +2798,7 @@
       </p:grpSpPr>
       <p:sp>
         <p:nvSpPr>
-          <p:cNvPr id="27649" name="Slide Image Placeholder 1"/>
+          <p:cNvPr id="46081" name="Slide Image Placeholder 1"/>
           <p:cNvSpPr>
             <a:spLocks noGrp="1" noRot="1" noChangeAspect="1" noTextEdit="1"/>
           </p:cNvSpPr>
@@ -4742,7 +2832,7 @@
       </p:sp>
       <p:sp>
         <p:nvSpPr>
-          <p:cNvPr id="27650" name="Notes Placeholder 2"/>
+          <p:cNvPr id="46082" name="Notes Placeholder 2"/>
           <p:cNvSpPr>
             <a:spLocks noGrp="1"/>
           </p:cNvSpPr>
@@ -4791,7 +2881,7 @@
       </p:sp>
       <p:sp>
         <p:nvSpPr>
-          <p:cNvPr id="27651" name="Slide Number Placeholder 3"/>
+          <p:cNvPr id="46083" name="Slide Number Placeholder 3"/>
           <p:cNvSpPr>
             <a:spLocks noGrp="1"/>
           </p:cNvSpPr>
@@ -4940,10 +3030,10 @@
             </a:lvl9pPr>
           </a:lstStyle>
           <a:p>
-            <a:fld id="{2C2659A5-5A66-A94C-81F6-2CBF0F30D517}" type="slidenum">
+            <a:fld id="{D0A8C393-20BB-2045-8F3B-398AC6EC73C6}" type="slidenum">
               <a:rPr lang="en-US" altLang="x-none" sz="1200"/>
               <a:pPr/>
-              <a:t>14</a:t>
+              <a:t>23</a:t>
             </a:fld>
             <a:endParaRPr lang="en-US" altLang="x-none" sz="1200"/>
           </a:p>
@@ -4952,7 +3042,7 @@
     </p:spTree>
     <p:extLst>
       <p:ext uri="{BB962C8B-B14F-4D97-AF65-F5344CB8AC3E}">
-        <p14:creationId xmlns:p14="http://schemas.microsoft.com/office/powerpoint/2010/main" val="1998826242"/>
+        <p14:creationId xmlns:p14="http://schemas.microsoft.com/office/powerpoint/2010/main" val="1444009813"/>
       </p:ext>
     </p:extLst>
   </p:cSld>
@@ -5093,7 +3183,7 @@
           <a:p>
             <a:fld id="{EEE7C04C-7AF8-1445-A186-502B631B934F}" type="datetimeFigureOut">
               <a:rPr lang="en-US" smtClean="0"/>
-              <a:t>9/24/19</a:t>
+              <a:t>9/29/19</a:t>
             </a:fld>
             <a:endParaRPr lang="en-US"/>
           </a:p>
@@ -5258,7 +3348,7 @@
           <a:p>
             <a:fld id="{EEE7C04C-7AF8-1445-A186-502B631B934F}" type="datetimeFigureOut">
               <a:rPr lang="en-US" smtClean="0"/>
-              <a:t>9/24/19</a:t>
+              <a:t>9/29/19</a:t>
             </a:fld>
             <a:endParaRPr lang="en-US"/>
           </a:p>
@@ -5433,7 +3523,7 @@
           <a:p>
             <a:fld id="{EEE7C04C-7AF8-1445-A186-502B631B934F}" type="datetimeFigureOut">
               <a:rPr lang="en-US" smtClean="0"/>
-              <a:t>9/24/19</a:t>
+              <a:t>9/29/19</a:t>
             </a:fld>
             <a:endParaRPr lang="en-US"/>
           </a:p>
@@ -5598,7 +3688,7 @@
           <a:p>
             <a:fld id="{EEE7C04C-7AF8-1445-A186-502B631B934F}" type="datetimeFigureOut">
               <a:rPr lang="en-US" smtClean="0"/>
-              <a:t>9/24/19</a:t>
+              <a:t>9/29/19</a:t>
             </a:fld>
             <a:endParaRPr lang="en-US"/>
           </a:p>
@@ -5839,7 +3929,7 @@
           <a:p>
             <a:fld id="{EEE7C04C-7AF8-1445-A186-502B631B934F}" type="datetimeFigureOut">
               <a:rPr lang="en-US" smtClean="0"/>
-              <a:t>9/24/19</a:t>
+              <a:t>9/29/19</a:t>
             </a:fld>
             <a:endParaRPr lang="en-US"/>
           </a:p>
@@ -6066,7 +4156,7 @@
           <a:p>
             <a:fld id="{EEE7C04C-7AF8-1445-A186-502B631B934F}" type="datetimeFigureOut">
               <a:rPr lang="en-US" smtClean="0"/>
-              <a:t>9/24/19</a:t>
+              <a:t>9/29/19</a:t>
             </a:fld>
             <a:endParaRPr lang="en-US"/>
           </a:p>
@@ -6428,7 +4518,7 @@
           <a:p>
             <a:fld id="{EEE7C04C-7AF8-1445-A186-502B631B934F}" type="datetimeFigureOut">
               <a:rPr lang="en-US" smtClean="0"/>
-              <a:t>9/24/19</a:t>
+              <a:t>9/29/19</a:t>
             </a:fld>
             <a:endParaRPr lang="en-US"/>
           </a:p>
@@ -6541,7 +4631,7 @@
           <a:p>
             <a:fld id="{EEE7C04C-7AF8-1445-A186-502B631B934F}" type="datetimeFigureOut">
               <a:rPr lang="en-US" smtClean="0"/>
-              <a:t>9/24/19</a:t>
+              <a:t>9/29/19</a:t>
             </a:fld>
             <a:endParaRPr lang="en-US"/>
           </a:p>
@@ -6631,7 +4721,7 @@
           <a:p>
             <a:fld id="{EEE7C04C-7AF8-1445-A186-502B631B934F}" type="datetimeFigureOut">
               <a:rPr lang="en-US" smtClean="0"/>
-              <a:t>9/24/19</a:t>
+              <a:t>9/29/19</a:t>
             </a:fld>
             <a:endParaRPr lang="en-US"/>
           </a:p>
@@ -6903,7 +4993,7 @@
           <a:p>
             <a:fld id="{EEE7C04C-7AF8-1445-A186-502B631B934F}" type="datetimeFigureOut">
               <a:rPr lang="en-US" smtClean="0"/>
-              <a:t>9/24/19</a:t>
+              <a:t>9/29/19</a:t>
             </a:fld>
             <a:endParaRPr lang="en-US"/>
           </a:p>
@@ -7155,7 +5245,7 @@
           <a:p>
             <a:fld id="{EEE7C04C-7AF8-1445-A186-502B631B934F}" type="datetimeFigureOut">
               <a:rPr lang="en-US" smtClean="0"/>
-              <a:t>9/24/19</a:t>
+              <a:t>9/29/19</a:t>
             </a:fld>
             <a:endParaRPr lang="en-US"/>
           </a:p>
@@ -7363,7 +5453,7 @@
           <a:p>
             <a:fld id="{EEE7C04C-7AF8-1445-A186-502B631B934F}" type="datetimeFigureOut">
               <a:rPr lang="en-US" smtClean="0"/>
-              <a:t>9/24/19</a:t>
+              <a:t>9/29/19</a:t>
             </a:fld>
             <a:endParaRPr lang="en-US"/>
           </a:p>
@@ -7852,10 +5942,10 @@
           <p:cNvPr id="17" name="Freeform: Shape 16">
             <a:extLst>
               <a:ext uri="{FF2B5EF4-FFF2-40B4-BE49-F238E27FC236}">
-                <a16:creationId xmlns:a16="http://schemas.microsoft.com/office/drawing/2014/main" xmlns="" id="{BCC55ACC-A2F6-403C-A3A4-D59B3734D45F}"/>
+                <a16:creationId xmlns="" xmlns:a16="http://schemas.microsoft.com/office/drawing/2014/main" id="{BCC55ACC-A2F6-403C-A3A4-D59B3734D45F}"/>
               </a:ext>
               <a:ext uri="{C183D7F6-B498-43B3-948B-1728B52AA6E4}">
-                <adec:decorative xmlns:adec="http://schemas.microsoft.com/office/drawing/2017/decorative" xmlns="" val="1"/>
+                <adec:decorative xmlns="" xmlns:adec="http://schemas.microsoft.com/office/drawing/2017/decorative" val="1"/>
               </a:ext>
             </a:extLst>
           </p:cNvPr>
@@ -8260,60 +6350,28 @@
       </p:pic>
       <p:sp>
         <p:nvSpPr>
-          <p:cNvPr id="6" name="Rectangle 5"/>
+          <p:cNvPr id="4" name="Rectangle 3"/>
           <p:cNvSpPr/>
           <p:nvPr/>
         </p:nvSpPr>
         <p:spPr>
           <a:xfrm>
-            <a:off x="190500" y="5778220"/>
-            <a:ext cx="6096000" cy="923330"/>
+            <a:off x="955847" y="6015038"/>
+            <a:ext cx="3450881" cy="369332"/>
           </a:xfrm>
           <a:prstGeom prst="rect">
             <a:avLst/>
           </a:prstGeom>
         </p:spPr>
         <p:txBody>
-          <a:bodyPr>
+          <a:bodyPr wrap="none">
             <a:spAutoFit/>
           </a:bodyPr>
           <a:lstStyle/>
           <a:p>
             <a:r>
-              <a:rPr lang="en-US" altLang="x-none" dirty="0"/>
-              <a:t>Cookie Image: By </a:t>
-            </a:r>
-            <a:r>
-              <a:rPr lang="en-US" altLang="x-none" dirty="0" err="1"/>
-              <a:t>brainloc</a:t>
-            </a:r>
-            <a:r>
-              <a:rPr lang="en-US" altLang="x-none" dirty="0"/>
-              <a:t> on </a:t>
-            </a:r>
-            <a:r>
-              <a:rPr lang="en-US" altLang="x-none" dirty="0" err="1"/>
-              <a:t>sxc.hu</a:t>
-            </a:r>
-            <a:r>
-              <a:rPr lang="en-US" altLang="x-none" dirty="0"/>
-              <a:t> (Bob Smith) (</a:t>
-            </a:r>
-            <a:r>
-              <a:rPr lang="en-US" altLang="x-none" dirty="0" err="1"/>
-              <a:t>stock.xchng</a:t>
-            </a:r>
-            <a:r>
-              <a:rPr lang="en-US" altLang="x-none" dirty="0"/>
-              <a:t>) [CC BY 2.5 (http://</a:t>
-            </a:r>
-            <a:r>
-              <a:rPr lang="en-US" altLang="x-none" dirty="0" err="1"/>
-              <a:t>creativecommons.org</a:t>
-            </a:r>
-            <a:r>
-              <a:rPr lang="en-US" altLang="x-none" dirty="0"/>
-              <a:t>/licenses/by/2.5)], via Wikimedia Commons</a:t>
+              <a:rPr lang="en-US"/>
+              <a:t>https://samples.dj4e.com/session/</a:t>
             </a:r>
           </a:p>
         </p:txBody>
@@ -8350,7 +6408,37 @@
       </p:grpSpPr>
       <p:pic>
         <p:nvPicPr>
-          <p:cNvPr id="9" name="Picture 8"/>
+          <p:cNvPr id="6" name="Picture 5"/>
+          <p:cNvPicPr>
+            <a:picLocks noChangeAspect="1"/>
+          </p:cNvPicPr>
+          <p:nvPr/>
+        </p:nvPicPr>
+        <p:blipFill>
+          <a:blip r:embed="rId2">
+            <a:extLst>
+              <a:ext uri="{28A0092B-C50C-407E-A947-70E740481C1C}">
+                <a14:useLocalDpi xmlns:a14="http://schemas.microsoft.com/office/drawing/2010/main" val="0"/>
+              </a:ext>
+            </a:extLst>
+          </a:blip>
+          <a:stretch>
+            <a:fillRect/>
+          </a:stretch>
+        </p:blipFill>
+        <p:spPr>
+          <a:xfrm>
+            <a:off x="233363" y="240090"/>
+            <a:ext cx="8853488" cy="5703510"/>
+          </a:xfrm>
+          <a:prstGeom prst="rect">
+            <a:avLst/>
+          </a:prstGeom>
+        </p:spPr>
+      </p:pic>
+      <p:pic>
+        <p:nvPicPr>
+          <p:cNvPr id="7" name="Picture 6"/>
           <p:cNvPicPr>
             <a:picLocks noChangeAspect="1"/>
           </p:cNvPicPr>
@@ -8370,38 +6458,8 @@
         </p:blipFill>
         <p:spPr>
           <a:xfrm>
-            <a:off x="0" y="0"/>
-            <a:ext cx="10177470" cy="6200775"/>
-          </a:xfrm>
-          <a:prstGeom prst="rect">
-            <a:avLst/>
-          </a:prstGeom>
-        </p:spPr>
-      </p:pic>
-      <p:pic>
-        <p:nvPicPr>
-          <p:cNvPr id="10" name="Picture 9"/>
-          <p:cNvPicPr>
-            <a:picLocks noChangeAspect="1"/>
-          </p:cNvPicPr>
-          <p:nvPr/>
-        </p:nvPicPr>
-        <p:blipFill>
-          <a:blip r:embed="rId4">
-            <a:extLst>
-              <a:ext uri="{28A0092B-C50C-407E-A947-70E740481C1C}">
-                <a14:useLocalDpi xmlns:a14="http://schemas.microsoft.com/office/drawing/2010/main" val="0"/>
-              </a:ext>
-            </a:extLst>
-          </a:blip>
-          <a:stretch>
-            <a:fillRect/>
-          </a:stretch>
-        </p:blipFill>
-        <p:spPr>
-          <a:xfrm>
-            <a:off x="704850" y="247654"/>
-            <a:ext cx="10177470" cy="6200775"/>
+            <a:off x="1268413" y="449640"/>
+            <a:ext cx="8853488" cy="5703510"/>
           </a:xfrm>
           <a:prstGeom prst="rect">
             <a:avLst/>
@@ -8411,28 +6469,13 @@
     </p:spTree>
     <p:extLst>
       <p:ext uri="{BB962C8B-B14F-4D97-AF65-F5344CB8AC3E}">
-        <p14:creationId xmlns:p14="http://schemas.microsoft.com/office/powerpoint/2010/main" val="2007708239"/>
+        <p14:creationId xmlns:p14="http://schemas.microsoft.com/office/powerpoint/2010/main" val="852794989"/>
       </p:ext>
     </p:extLst>
   </p:cSld>
   <p:clrMapOvr>
     <a:masterClrMapping/>
   </p:clrMapOvr>
-  <mc:AlternateContent xmlns:mc="http://schemas.openxmlformats.org/markup-compatibility/2006" xmlns:p14="http://schemas.microsoft.com/office/powerpoint/2010/main">
-    <mc:Choice Requires="p14">
-      <p:transition spd="slow" p14:dur="2000"/>
-    </mc:Choice>
-    <mc:Fallback xmlns="">
-      <p:transition spd="slow"/>
-    </mc:Fallback>
-  </mc:AlternateContent>
-  <p:timing>
-    <p:tnLst>
-      <p:par>
-        <p:cTn id="1" dur="indefinite" restart="never" nodeType="tmRoot"/>
-      </p:par>
-    </p:tnLst>
-  </p:timing>
 </p:sld>
 </file>
 
@@ -8455,7 +6498,37 @@
       </p:grpSpPr>
       <p:pic>
         <p:nvPicPr>
-          <p:cNvPr id="9" name="Picture 8"/>
+          <p:cNvPr id="6" name="Picture 5"/>
+          <p:cNvPicPr>
+            <a:picLocks noChangeAspect="1"/>
+          </p:cNvPicPr>
+          <p:nvPr/>
+        </p:nvPicPr>
+        <p:blipFill>
+          <a:blip r:embed="rId2">
+            <a:extLst>
+              <a:ext uri="{28A0092B-C50C-407E-A947-70E740481C1C}">
+                <a14:useLocalDpi xmlns:a14="http://schemas.microsoft.com/office/drawing/2010/main" val="0"/>
+              </a:ext>
+            </a:extLst>
+          </a:blip>
+          <a:stretch>
+            <a:fillRect/>
+          </a:stretch>
+        </p:blipFill>
+        <p:spPr>
+          <a:xfrm>
+            <a:off x="233363" y="240090"/>
+            <a:ext cx="8853488" cy="5703510"/>
+          </a:xfrm>
+          <a:prstGeom prst="rect">
+            <a:avLst/>
+          </a:prstGeom>
+        </p:spPr>
+      </p:pic>
+      <p:pic>
+        <p:nvPicPr>
+          <p:cNvPr id="7" name="Picture 6"/>
           <p:cNvPicPr>
             <a:picLocks noChangeAspect="1"/>
           </p:cNvPicPr>
@@ -8475,8 +6548,8 @@
         </p:blipFill>
         <p:spPr>
           <a:xfrm>
-            <a:off x="0" y="0"/>
-            <a:ext cx="10177470" cy="6200775"/>
+            <a:off x="1268413" y="449640"/>
+            <a:ext cx="8853488" cy="5703510"/>
           </a:xfrm>
           <a:prstGeom prst="rect">
             <a:avLst/>
@@ -8485,7 +6558,7 @@
       </p:pic>
       <p:pic>
         <p:nvPicPr>
-          <p:cNvPr id="10" name="Picture 9"/>
+          <p:cNvPr id="8" name="Picture 7"/>
           <p:cNvPicPr>
             <a:picLocks noChangeAspect="1"/>
           </p:cNvPicPr>
@@ -8505,38 +6578,8 @@
         </p:blipFill>
         <p:spPr>
           <a:xfrm>
-            <a:off x="704850" y="247654"/>
-            <a:ext cx="10177470" cy="6200775"/>
-          </a:xfrm>
-          <a:prstGeom prst="rect">
-            <a:avLst/>
-          </a:prstGeom>
-        </p:spPr>
-      </p:pic>
-      <p:pic>
-        <p:nvPicPr>
-          <p:cNvPr id="11" name="Picture 10"/>
-          <p:cNvPicPr>
-            <a:picLocks noChangeAspect="1"/>
-          </p:cNvPicPr>
-          <p:nvPr/>
-        </p:nvPicPr>
-        <p:blipFill>
-          <a:blip r:embed="rId5">
-            <a:extLst>
-              <a:ext uri="{28A0092B-C50C-407E-A947-70E740481C1C}">
-                <a14:useLocalDpi xmlns:a14="http://schemas.microsoft.com/office/drawing/2010/main" val="0"/>
-              </a:ext>
-            </a:extLst>
-          </a:blip>
-          <a:stretch>
-            <a:fillRect/>
-          </a:stretch>
-        </p:blipFill>
-        <p:spPr>
-          <a:xfrm>
-            <a:off x="1409700" y="495308"/>
-            <a:ext cx="10177470" cy="6200775"/>
+            <a:off x="2303463" y="659190"/>
+            <a:ext cx="8853488" cy="5703510"/>
           </a:xfrm>
           <a:prstGeom prst="rect">
             <a:avLst/>
@@ -8546,28 +6589,13 @@
     </p:spTree>
     <p:extLst>
       <p:ext uri="{BB962C8B-B14F-4D97-AF65-F5344CB8AC3E}">
-        <p14:creationId xmlns:p14="http://schemas.microsoft.com/office/powerpoint/2010/main" val="247324135"/>
+        <p14:creationId xmlns:p14="http://schemas.microsoft.com/office/powerpoint/2010/main" val="846739575"/>
       </p:ext>
     </p:extLst>
   </p:cSld>
   <p:clrMapOvr>
     <a:masterClrMapping/>
   </p:clrMapOvr>
-  <mc:AlternateContent xmlns:mc="http://schemas.openxmlformats.org/markup-compatibility/2006" xmlns:p14="http://schemas.microsoft.com/office/powerpoint/2010/main">
-    <mc:Choice Requires="p14">
-      <p:transition spd="slow" p14:dur="2000"/>
-    </mc:Choice>
-    <mc:Fallback xmlns="">
-      <p:transition spd="slow"/>
-    </mc:Fallback>
-  </mc:AlternateContent>
-  <p:timing>
-    <p:tnLst>
-      <p:par>
-        <p:cTn id="1" dur="indefinite" restart="never" nodeType="tmRoot"/>
-      </p:par>
-    </p:tnLst>
-  </p:timing>
 </p:sld>
 </file>
 
@@ -8590,7 +6618,37 @@
       </p:grpSpPr>
       <p:pic>
         <p:nvPicPr>
-          <p:cNvPr id="9" name="Picture 8"/>
+          <p:cNvPr id="6" name="Picture 5"/>
+          <p:cNvPicPr>
+            <a:picLocks noChangeAspect="1"/>
+          </p:cNvPicPr>
+          <p:nvPr/>
+        </p:nvPicPr>
+        <p:blipFill>
+          <a:blip r:embed="rId2">
+            <a:extLst>
+              <a:ext uri="{28A0092B-C50C-407E-A947-70E740481C1C}">
+                <a14:useLocalDpi xmlns:a14="http://schemas.microsoft.com/office/drawing/2010/main" val="0"/>
+              </a:ext>
+            </a:extLst>
+          </a:blip>
+          <a:stretch>
+            <a:fillRect/>
+          </a:stretch>
+        </p:blipFill>
+        <p:spPr>
+          <a:xfrm>
+            <a:off x="233363" y="240090"/>
+            <a:ext cx="8853488" cy="5703510"/>
+          </a:xfrm>
+          <a:prstGeom prst="rect">
+            <a:avLst/>
+          </a:prstGeom>
+        </p:spPr>
+      </p:pic>
+      <p:pic>
+        <p:nvPicPr>
+          <p:cNvPr id="7" name="Picture 6"/>
           <p:cNvPicPr>
             <a:picLocks noChangeAspect="1"/>
           </p:cNvPicPr>
@@ -8610,8 +6668,8 @@
         </p:blipFill>
         <p:spPr>
           <a:xfrm>
-            <a:off x="0" y="0"/>
-            <a:ext cx="10177470" cy="6200775"/>
+            <a:off x="1268413" y="449640"/>
+            <a:ext cx="8853488" cy="5703510"/>
           </a:xfrm>
           <a:prstGeom prst="rect">
             <a:avLst/>
@@ -8620,7 +6678,7 @@
       </p:pic>
       <p:pic>
         <p:nvPicPr>
-          <p:cNvPr id="10" name="Picture 9"/>
+          <p:cNvPr id="8" name="Picture 7"/>
           <p:cNvPicPr>
             <a:picLocks noChangeAspect="1"/>
           </p:cNvPicPr>
@@ -8640,8 +6698,8 @@
         </p:blipFill>
         <p:spPr>
           <a:xfrm>
-            <a:off x="704850" y="247654"/>
-            <a:ext cx="10177470" cy="6200775"/>
+            <a:off x="2303463" y="659190"/>
+            <a:ext cx="8853488" cy="5703510"/>
           </a:xfrm>
           <a:prstGeom prst="rect">
             <a:avLst/>
@@ -8650,7 +6708,7 @@
       </p:pic>
       <p:pic>
         <p:nvPicPr>
-          <p:cNvPr id="11" name="Picture 10"/>
+          <p:cNvPr id="9" name="Picture 8"/>
           <p:cNvPicPr>
             <a:picLocks noChangeAspect="1"/>
           </p:cNvPicPr>
@@ -8670,38 +6728,8 @@
         </p:blipFill>
         <p:spPr>
           <a:xfrm>
-            <a:off x="1409700" y="495308"/>
-            <a:ext cx="10177470" cy="6200775"/>
-          </a:xfrm>
-          <a:prstGeom prst="rect">
-            <a:avLst/>
-          </a:prstGeom>
-        </p:spPr>
-      </p:pic>
-      <p:pic>
-        <p:nvPicPr>
-          <p:cNvPr id="12" name="Picture 11"/>
-          <p:cNvPicPr>
-            <a:picLocks noChangeAspect="1"/>
-          </p:cNvPicPr>
-          <p:nvPr/>
-        </p:nvPicPr>
-        <p:blipFill>
-          <a:blip r:embed="rId6">
-            <a:extLst>
-              <a:ext uri="{28A0092B-C50C-407E-A947-70E740481C1C}">
-                <a14:useLocalDpi xmlns:a14="http://schemas.microsoft.com/office/drawing/2010/main" val="0"/>
-              </a:ext>
-            </a:extLst>
-          </a:blip>
-          <a:stretch>
-            <a:fillRect/>
-          </a:stretch>
-        </p:blipFill>
-        <p:spPr>
-          <a:xfrm>
-            <a:off x="2114550" y="742961"/>
-            <a:ext cx="10177470" cy="6200775"/>
+            <a:off x="3338512" y="868740"/>
+            <a:ext cx="8853488" cy="5703510"/>
           </a:xfrm>
           <a:prstGeom prst="rect">
             <a:avLst/>
@@ -8711,28 +6739,13 @@
     </p:spTree>
     <p:extLst>
       <p:ext uri="{BB962C8B-B14F-4D97-AF65-F5344CB8AC3E}">
-        <p14:creationId xmlns:p14="http://schemas.microsoft.com/office/powerpoint/2010/main" val="2102837898"/>
+        <p14:creationId xmlns:p14="http://schemas.microsoft.com/office/powerpoint/2010/main" val="1835797922"/>
       </p:ext>
     </p:extLst>
   </p:cSld>
   <p:clrMapOvr>
     <a:masterClrMapping/>
   </p:clrMapOvr>
-  <mc:AlternateContent xmlns:mc="http://schemas.openxmlformats.org/markup-compatibility/2006" xmlns:p14="http://schemas.microsoft.com/office/powerpoint/2010/main">
-    <mc:Choice Requires="p14">
-      <p:transition spd="slow" p14:dur="2000"/>
-    </mc:Choice>
-    <mc:Fallback xmlns="">
-      <p:transition spd="slow"/>
-    </mc:Fallback>
-  </mc:AlternateContent>
-  <p:timing>
-    <p:tnLst>
-      <p:par>
-        <p:cTn id="1" dur="indefinite" restart="never" nodeType="tmRoot"/>
-      </p:par>
-    </p:tnLst>
-  </p:timing>
 </p:sld>
 </file>
 
@@ -12012,241 +10025,60 @@
       </p:sp>
       <p:sp>
         <p:nvSpPr>
-          <p:cNvPr id="4" name="Rectangle 6"/>
+          <p:cNvPr id="2" name="Text Placeholder 1"/>
           <p:cNvSpPr>
-            <a:spLocks/>
+            <a:spLocks noGrp="1"/>
           </p:cNvSpPr>
-          <p:nvPr/>
+          <p:nvPr>
+            <p:ph type="body" idx="1"/>
+          </p:nvPr>
         </p:nvSpPr>
-        <p:spPr bwMode="auto">
-          <a:xfrm>
-            <a:off x="2212404" y="5766318"/>
-            <a:ext cx="9014968" cy="369332"/>
-          </a:xfrm>
-          <a:prstGeom prst="rect">
-            <a:avLst/>
-          </a:prstGeom>
-          <a:noFill/>
-          <a:ln>
-            <a:noFill/>
-          </a:ln>
-          <a:extLst>
-            <a:ext uri="{909E8E84-426E-40DD-AFC4-6F175D3DCCD1}">
-              <a14:hiddenFill xmlns:a14="http://schemas.microsoft.com/office/drawing/2010/main">
-                <a:solidFill>
-                  <a:srgbClr val="FFFFFF"/>
-                </a:solidFill>
-              </a14:hiddenFill>
-            </a:ext>
-            <a:ext uri="{91240B29-F687-4F45-9708-019B960494DF}">
-              <a14:hiddenLine xmlns:a14="http://schemas.microsoft.com/office/drawing/2010/main" w="9525">
-                <a:solidFill>
-                  <a:srgbClr val="000000"/>
-                </a:solidFill>
-                <a:miter lim="800000"/>
-                <a:headEnd/>
-                <a:tailEnd/>
-              </a14:hiddenLine>
-            </a:ext>
-          </a:extLst>
-        </p:spPr>
+        <p:spPr/>
         <p:txBody>
-          <a:bodyPr wrap="none" lIns="0" tIns="0" rIns="0" bIns="0" anchor="ctr">
-            <a:spAutoFit/>
-          </a:bodyPr>
-          <a:lstStyle>
-            <a:lvl1pPr>
-              <a:spcBef>
-                <a:spcPts val="1300"/>
-              </a:spcBef>
-              <a:buSzPct val="171000"/>
-              <a:buFont typeface="Gill Sans" charset="0"/>
-              <a:buChar char="•"/>
-              <a:defRPr sz="2100">
-                <a:solidFill>
-                  <a:schemeClr val="tx1"/>
-                </a:solidFill>
-                <a:latin typeface="Gill Sans" charset="0"/>
-                <a:ea typeface="ヒラギノ角ゴ ProN W3" charset="-128"/>
-                <a:sym typeface="Gill Sans" charset="0"/>
-              </a:defRPr>
-            </a:lvl1pPr>
-            <a:lvl2pPr marL="742950" indent="-285750">
-              <a:spcBef>
-                <a:spcPts val="1300"/>
-              </a:spcBef>
-              <a:buSzPct val="171000"/>
-              <a:buFont typeface="Gill Sans" charset="0"/>
-              <a:buChar char="•"/>
-              <a:defRPr sz="2100">
-                <a:solidFill>
-                  <a:schemeClr val="tx1"/>
-                </a:solidFill>
-                <a:latin typeface="Gill Sans" charset="0"/>
-                <a:ea typeface="ヒラギノ角ゴ ProN W3" charset="-128"/>
-                <a:sym typeface="Gill Sans" charset="0"/>
-              </a:defRPr>
-            </a:lvl2pPr>
-            <a:lvl3pPr marL="1143000" indent="-228600">
-              <a:spcBef>
-                <a:spcPts val="1300"/>
-              </a:spcBef>
-              <a:buSzPct val="171000"/>
-              <a:buFont typeface="Gill Sans" charset="0"/>
-              <a:buChar char="•"/>
-              <a:defRPr sz="2100">
-                <a:solidFill>
-                  <a:schemeClr val="tx1"/>
-                </a:solidFill>
-                <a:latin typeface="Gill Sans" charset="0"/>
-                <a:ea typeface="ヒラギノ角ゴ ProN W3" charset="-128"/>
-                <a:sym typeface="Gill Sans" charset="0"/>
-              </a:defRPr>
-            </a:lvl3pPr>
-            <a:lvl4pPr marL="1600200" indent="-228600">
-              <a:spcBef>
-                <a:spcPts val="1300"/>
-              </a:spcBef>
-              <a:buSzPct val="171000"/>
-              <a:buFont typeface="Gill Sans" charset="0"/>
-              <a:buChar char="•"/>
-              <a:defRPr sz="2100">
-                <a:solidFill>
-                  <a:schemeClr val="tx1"/>
-                </a:solidFill>
-                <a:latin typeface="Gill Sans" charset="0"/>
-                <a:ea typeface="ヒラギノ角ゴ ProN W3" charset="-128"/>
-                <a:sym typeface="Gill Sans" charset="0"/>
-              </a:defRPr>
-            </a:lvl4pPr>
-            <a:lvl5pPr marL="2057400" indent="-228600">
-              <a:spcBef>
-                <a:spcPts val="1300"/>
-              </a:spcBef>
-              <a:buSzPct val="171000"/>
-              <a:buFont typeface="Gill Sans" charset="0"/>
-              <a:buChar char="•"/>
-              <a:defRPr sz="2100">
-                <a:solidFill>
-                  <a:schemeClr val="tx1"/>
-                </a:solidFill>
-                <a:latin typeface="Gill Sans" charset="0"/>
-                <a:ea typeface="ヒラギノ角ゴ ProN W3" charset="-128"/>
-                <a:sym typeface="Gill Sans" charset="0"/>
-              </a:defRPr>
-            </a:lvl5pPr>
-            <a:lvl6pPr marL="2514600" indent="-228600" eaLnBrk="0" fontAlgn="base" hangingPunct="0">
-              <a:spcBef>
-                <a:spcPts val="1300"/>
-              </a:spcBef>
-              <a:spcAft>
-                <a:spcPct val="0"/>
-              </a:spcAft>
-              <a:buSzPct val="171000"/>
-              <a:buFont typeface="Gill Sans" charset="0"/>
-              <a:buChar char="•"/>
-              <a:defRPr sz="2100">
-                <a:solidFill>
-                  <a:schemeClr val="tx1"/>
-                </a:solidFill>
-                <a:latin typeface="Gill Sans" charset="0"/>
-                <a:ea typeface="ヒラギノ角ゴ ProN W3" charset="-128"/>
-                <a:sym typeface="Gill Sans" charset="0"/>
-              </a:defRPr>
-            </a:lvl6pPr>
-            <a:lvl7pPr marL="2971800" indent="-228600" eaLnBrk="0" fontAlgn="base" hangingPunct="0">
-              <a:spcBef>
-                <a:spcPts val="1300"/>
-              </a:spcBef>
-              <a:spcAft>
-                <a:spcPct val="0"/>
-              </a:spcAft>
-              <a:buSzPct val="171000"/>
-              <a:buFont typeface="Gill Sans" charset="0"/>
-              <a:buChar char="•"/>
-              <a:defRPr sz="2100">
-                <a:solidFill>
-                  <a:schemeClr val="tx1"/>
-                </a:solidFill>
-                <a:latin typeface="Gill Sans" charset="0"/>
-                <a:ea typeface="ヒラギノ角ゴ ProN W3" charset="-128"/>
-                <a:sym typeface="Gill Sans" charset="0"/>
-              </a:defRPr>
-            </a:lvl7pPr>
-            <a:lvl8pPr marL="3429000" indent="-228600" eaLnBrk="0" fontAlgn="base" hangingPunct="0">
-              <a:spcBef>
-                <a:spcPts val="1300"/>
-              </a:spcBef>
-              <a:spcAft>
-                <a:spcPct val="0"/>
-              </a:spcAft>
-              <a:buSzPct val="171000"/>
-              <a:buFont typeface="Gill Sans" charset="0"/>
-              <a:buChar char="•"/>
-              <a:defRPr sz="2100">
-                <a:solidFill>
-                  <a:schemeClr val="tx1"/>
-                </a:solidFill>
-                <a:latin typeface="Gill Sans" charset="0"/>
-                <a:ea typeface="ヒラギノ角ゴ ProN W3" charset="-128"/>
-                <a:sym typeface="Gill Sans" charset="0"/>
-              </a:defRPr>
-            </a:lvl8pPr>
-            <a:lvl9pPr marL="3886200" indent="-228600" eaLnBrk="0" fontAlgn="base" hangingPunct="0">
-              <a:spcBef>
-                <a:spcPts val="1300"/>
-              </a:spcBef>
-              <a:spcAft>
-                <a:spcPct val="0"/>
-              </a:spcAft>
-              <a:buSzPct val="171000"/>
-              <a:buFont typeface="Gill Sans" charset="0"/>
-              <a:buChar char="•"/>
-              <a:defRPr sz="2100">
-                <a:solidFill>
-                  <a:schemeClr val="tx1"/>
-                </a:solidFill>
-                <a:latin typeface="Gill Sans" charset="0"/>
-                <a:ea typeface="ヒラギノ角ゴ ProN W3" charset="-128"/>
-                <a:sym typeface="Gill Sans" charset="0"/>
-              </a:defRPr>
-            </a:lvl9pPr>
-          </a:lstStyle>
-          <a:p>
-            <a:pPr algn="ctr">
-              <a:spcBef>
-                <a:spcPct val="0"/>
-              </a:spcBef>
-              <a:buSzTx/>
-              <a:buNone/>
-            </a:pPr>
-            <a:r>
-              <a:rPr lang="en-US" altLang="en-US" sz="2400" dirty="0">
+          <a:bodyPr/>
+          <a:lstStyle/>
+          <a:p>
+            <a:r>
+              <a:rPr lang="en-US" altLang="en-US" dirty="0">
                 <a:ea typeface="ＭＳ Ｐゴシック" charset="-128"/>
               </a:rPr>
-              <a:t>https://</a:t>
-            </a:r>
-            <a:r>
-              <a:rPr lang="en-US" altLang="en-US" sz="2400" dirty="0" err="1">
+              <a:t>https://samples.dj4e.com/session/</a:t>
+            </a:r>
+            <a:r>
+              <a:rPr lang="en-US" altLang="en-US" dirty="0" err="1">
                 <a:ea typeface="ＭＳ Ｐゴシック" charset="-128"/>
               </a:rPr>
-              <a:t>github.com</a:t>
-            </a:r>
-            <a:r>
-              <a:rPr lang="en-US" altLang="en-US" sz="2400" dirty="0">
-                <a:ea typeface="ＭＳ Ｐゴシック" charset="-128"/>
-              </a:rPr>
-              <a:t>/csev/dj4e-samples/blob/master/session/home/</a:t>
-            </a:r>
-            <a:r>
-              <a:rPr lang="en-US" altLang="en-US" sz="2400" dirty="0" err="1">
-                <a:ea typeface="ＭＳ Ｐゴシック" charset="-128"/>
-              </a:rPr>
-              <a:t>views.py</a:t>
-            </a:r>
-            <a:endParaRPr lang="en-US" altLang="en-US" sz="2400" dirty="0">
+              <a:t>sessfun</a:t>
+            </a:r>
+            <a:endParaRPr lang="en-US" altLang="en-US" dirty="0">
               <a:ea typeface="ＭＳ Ｐゴシック" charset="-128"/>
             </a:endParaRPr>
+          </a:p>
+          <a:p>
+            <a:r>
+              <a:rPr lang="en-US" altLang="en-US" dirty="0" smtClean="0">
+                <a:ea typeface="ＭＳ Ｐゴシック" charset="-128"/>
+              </a:rPr>
+              <a:t>https</a:t>
+            </a:r>
+            <a:r>
+              <a:rPr lang="en-US" altLang="en-US" dirty="0">
+                <a:ea typeface="ＭＳ Ｐゴシック" charset="-128"/>
+              </a:rPr>
+              <a:t>://</a:t>
+            </a:r>
+            <a:r>
+              <a:rPr lang="en-US" altLang="en-US" dirty="0" err="1">
+                <a:ea typeface="ＭＳ Ｐゴシック" charset="-128"/>
+              </a:rPr>
+              <a:t>github.com</a:t>
+            </a:r>
+            <a:r>
+              <a:rPr lang="en-US" altLang="en-US" dirty="0">
+                <a:ea typeface="ＭＳ Ｐゴシック" charset="-128"/>
+              </a:rPr>
+              <a:t>/csev/dj4e-samples/tree/master/session</a:t>
+            </a:r>
           </a:p>
         </p:txBody>
       </p:sp>
@@ -15392,19 +13224,19 @@
               <a:t>https://</a:t>
             </a:r>
             <a:r>
-              <a:rPr lang="en-US" altLang="en-US" sz="2400" dirty="0" err="1" smtClean="0">
+              <a:rPr lang="en-US" altLang="en-US" sz="2400" dirty="0" err="1">
                 <a:ea typeface="ＭＳ Ｐゴシック" charset="-128"/>
               </a:rPr>
               <a:t>github.com</a:t>
             </a:r>
             <a:r>
-              <a:rPr lang="en-US" altLang="en-US" sz="2400" dirty="0" smtClean="0">
+              <a:rPr lang="en-US" altLang="en-US" sz="2400" dirty="0">
                 <a:ea typeface="ＭＳ Ｐゴシック" charset="-128"/>
               </a:rPr>
-              <a:t>/csev/dj4e-samples/blob/master/session/session/</a:t>
-            </a:r>
-            <a:r>
-              <a:rPr lang="en-US" altLang="en-US" sz="2400" dirty="0" err="1" smtClean="0">
+              <a:t>/csev/dj4e-samples/blob/master/dj4e-samples/</a:t>
+            </a:r>
+            <a:r>
+              <a:rPr lang="en-US" altLang="en-US" sz="2400" dirty="0" err="1">
                 <a:ea typeface="ＭＳ Ｐゴシック" charset="-128"/>
               </a:rPr>
               <a:t>settings.py</a:t>
@@ -23096,8 +20928,49 @@
             </a:pPr>
             <a:r>
               <a:rPr lang="en-US" sz="2851" dirty="0" smtClean="0"/>
-              <a:t>The incoming request object has a session attribute that we can treat like a dictionary that persists from request to request</a:t>
-            </a:r>
+              <a:t>The incoming </a:t>
+            </a:r>
+            <a:r>
+              <a:rPr lang="en-US" sz="2851" dirty="0" smtClean="0">
+                <a:solidFill>
+                  <a:srgbClr val="FFFF00"/>
+                </a:solidFill>
+              </a:rPr>
+              <a:t>request</a:t>
+            </a:r>
+            <a:r>
+              <a:rPr lang="en-US" sz="2851" dirty="0" smtClean="0"/>
+              <a:t> object has a </a:t>
+            </a:r>
+            <a:r>
+              <a:rPr lang="en-US" sz="2851" dirty="0" err="1" smtClean="0">
+                <a:solidFill>
+                  <a:srgbClr val="FFFF00"/>
+                </a:solidFill>
+              </a:rPr>
+              <a:t>request.session</a:t>
+            </a:r>
+            <a:r>
+              <a:rPr lang="en-US" sz="2851" dirty="0" smtClean="0"/>
+              <a:t> </a:t>
+            </a:r>
+            <a:r>
+              <a:rPr lang="en-US" sz="2851" dirty="0" smtClean="0"/>
+              <a:t>attribute that we can treat like a dictionary that persists from </a:t>
+            </a:r>
+            <a:r>
+              <a:rPr lang="en-US" sz="2851" dirty="0" smtClean="0"/>
+              <a:t>one request </a:t>
+            </a:r>
+            <a:r>
+              <a:rPr lang="en-US" sz="2851" dirty="0" smtClean="0"/>
+              <a:t>to </a:t>
+            </a:r>
+            <a:r>
+              <a:rPr lang="en-US" sz="2851" dirty="0" smtClean="0"/>
+              <a:t>the next request</a:t>
+            </a:r>
+            <a:endParaRPr lang="en-US" sz="2851" dirty="0" smtClean="0"/>
           </a:p>
           <a:p>
             <a:pPr marL="828654">
@@ -23108,7 +20981,67 @@
             </a:pPr>
             <a:r>
               <a:rPr lang="en-US" sz="2851" dirty="0" smtClean="0"/>
-              <a:t>As long we have the session middle ware enabled and the database table, we just use it in our views</a:t>
+              <a:t>As long we have the session </a:t>
+            </a:r>
+            <a:r>
+              <a:rPr lang="en-US" sz="2851" dirty="0" smtClean="0"/>
+              <a:t>middleware enabled in </a:t>
+            </a:r>
+            <a:r>
+              <a:rPr lang="en-US" sz="2851" dirty="0" err="1" smtClean="0">
+                <a:solidFill>
+                  <a:srgbClr val="00FDFF"/>
+                </a:solidFill>
+              </a:rPr>
+              <a:t>settings.py</a:t>
+            </a:r>
+            <a:r>
+              <a:rPr lang="en-US" sz="2851" dirty="0" smtClean="0"/>
+              <a:t> </a:t>
+            </a:r>
+            <a:r>
+              <a:rPr lang="en-US" sz="2851" dirty="0" smtClean="0"/>
+              <a:t>and the database table, </a:t>
+            </a:r>
+            <a:r>
+              <a:rPr lang="en-US" sz="2851" dirty="0" smtClean="0"/>
+              <a:t>and the </a:t>
+            </a:r>
+            <a:r>
+              <a:rPr lang="en-US" sz="2851" dirty="0" smtClean="0"/>
+              <a:t>browser allows cookies, </a:t>
+            </a:r>
+            <a:r>
+              <a:rPr lang="en-US" sz="2851" dirty="0" smtClean="0"/>
+              <a:t>we just store and read </a:t>
+            </a:r>
+            <a:r>
+              <a:rPr lang="en-US" sz="2851" dirty="0" err="1">
+                <a:solidFill>
+                  <a:srgbClr val="FFFF00"/>
+                </a:solidFill>
+              </a:rPr>
+              <a:t>request.session</a:t>
+            </a:r>
+            <a:r>
+              <a:rPr lang="en-US" sz="2851" dirty="0">
+                <a:solidFill>
+                  <a:srgbClr val="FFFF00"/>
+                </a:solidFill>
+              </a:rPr>
+              <a:t> </a:t>
+            </a:r>
+            <a:r>
+              <a:rPr lang="en-US" sz="2851" dirty="0" smtClean="0"/>
+              <a:t>in </a:t>
+            </a:r>
+            <a:r>
+              <a:rPr lang="en-US" sz="2851" dirty="0" smtClean="0"/>
+              <a:t>our </a:t>
+            </a:r>
+            <a:r>
+              <a:rPr lang="en-US" sz="2851" dirty="0" smtClean="0"/>
+              <a:t>views and pretend it is "magic"</a:t>
             </a:r>
             <a:endParaRPr lang="en-US" sz="2851" dirty="0"/>
           </a:p>
@@ -23169,8 +21102,8 @@
         </p:nvSpPr>
         <p:spPr bwMode="auto">
           <a:xfrm>
-            <a:off x="566738" y="1495425"/>
-            <a:ext cx="10934699" cy="2905125"/>
+            <a:off x="809627" y="2028825"/>
+            <a:ext cx="8362950" cy="1714500"/>
           </a:xfrm>
           <a:prstGeom prst="rect">
             <a:avLst/>
@@ -23944,7 +21877,7 @@
       </p:sp>
       <p:sp>
         <p:nvSpPr>
-          <p:cNvPr id="4" name="Rectangle 6"/>
+          <p:cNvPr id="6" name="Rectangle 6"/>
           <p:cNvSpPr>
             <a:spLocks/>
           </p:cNvSpPr>
@@ -23952,8 +21885,8 @@
         </p:nvSpPr>
         <p:spPr bwMode="auto">
           <a:xfrm>
-            <a:off x="1355154" y="5894906"/>
-            <a:ext cx="9014968" cy="369332"/>
+            <a:off x="559692" y="5641640"/>
+            <a:ext cx="8023029" cy="246221"/>
           </a:xfrm>
           <a:prstGeom prst="rect">
             <a:avLst/>
@@ -24153,31 +22086,56 @@
               <a:buNone/>
             </a:pPr>
             <a:r>
-              <a:rPr lang="en-US" altLang="en-US" sz="2400" dirty="0">
-                <a:ea typeface="ＭＳ Ｐゴシック" charset="-128"/>
+              <a:rPr lang="en-US" altLang="en-US" sz="1600" dirty="0">
+                <a:solidFill>
+                  <a:srgbClr val="FFFF00"/>
+                </a:solidFill>
+                <a:latin typeface="Courier" charset="0"/>
+                <a:ea typeface="Courier" charset="0"/>
+                <a:cs typeface="Courier" charset="0"/>
               </a:rPr>
               <a:t>https://</a:t>
             </a:r>
             <a:r>
-              <a:rPr lang="en-US" altLang="en-US" sz="2400" dirty="0" err="1">
-                <a:ea typeface="ＭＳ Ｐゴシック" charset="-128"/>
+              <a:rPr lang="en-US" altLang="en-US" sz="1600" dirty="0" err="1">
+                <a:solidFill>
+                  <a:srgbClr val="FFFF00"/>
+                </a:solidFill>
+                <a:latin typeface="Courier" charset="0"/>
+                <a:ea typeface="Courier" charset="0"/>
+                <a:cs typeface="Courier" charset="0"/>
               </a:rPr>
               <a:t>github.com</a:t>
             </a:r>
             <a:r>
-              <a:rPr lang="en-US" altLang="en-US" sz="2400" dirty="0">
-                <a:ea typeface="ＭＳ Ｐゴシック" charset="-128"/>
-              </a:rPr>
-              <a:t>/csev/dj4e-samples/blob/master/session/home/</a:t>
-            </a:r>
-            <a:r>
-              <a:rPr lang="en-US" altLang="en-US" sz="2400" dirty="0" err="1">
-                <a:ea typeface="ＭＳ Ｐゴシック" charset="-128"/>
+              <a:rPr lang="en-US" altLang="en-US" sz="1600" dirty="0">
+                <a:solidFill>
+                  <a:srgbClr val="FFFF00"/>
+                </a:solidFill>
+                <a:latin typeface="Courier" charset="0"/>
+                <a:ea typeface="Courier" charset="0"/>
+                <a:cs typeface="Courier" charset="0"/>
+              </a:rPr>
+              <a:t>/csev/dj4e-samples/blob/master/session/</a:t>
+            </a:r>
+            <a:r>
+              <a:rPr lang="en-US" altLang="en-US" sz="1600" dirty="0" err="1">
+                <a:solidFill>
+                  <a:srgbClr val="FFFF00"/>
+                </a:solidFill>
+                <a:latin typeface="Courier" charset="0"/>
+                <a:ea typeface="Courier" charset="0"/>
+                <a:cs typeface="Courier" charset="0"/>
               </a:rPr>
               <a:t>views.py</a:t>
             </a:r>
-            <a:endParaRPr lang="en-US" altLang="en-US" sz="2400" dirty="0">
-              <a:ea typeface="ＭＳ Ｐゴシック" charset="-128"/>
+            <a:endParaRPr lang="en-US" altLang="en-US" sz="1600" dirty="0">
+              <a:solidFill>
+                <a:srgbClr val="FFFF00"/>
+              </a:solidFill>
+              <a:latin typeface="Courier" charset="0"/>
+              <a:ea typeface="Courier" charset="0"/>
+              <a:cs typeface="Courier" charset="0"/>
             </a:endParaRPr>
           </a:p>
         </p:txBody>
@@ -24229,14 +22187,14 @@
       </p:grpSpPr>
       <p:pic>
         <p:nvPicPr>
-          <p:cNvPr id="2" name="Picture 1"/>
+          <p:cNvPr id="5" name="Picture 4"/>
           <p:cNvPicPr>
             <a:picLocks noChangeAspect="1"/>
           </p:cNvPicPr>
           <p:nvPr/>
         </p:nvPicPr>
         <p:blipFill>
-          <a:blip r:embed="rId3">
+          <a:blip r:embed="rId2">
             <a:extLst>
               <a:ext uri="{28A0092B-C50C-407E-A947-70E740481C1C}">
                 <a14:useLocalDpi xmlns:a14="http://schemas.microsoft.com/office/drawing/2010/main" val="0"/>
@@ -24249,8 +22207,8 @@
         </p:blipFill>
         <p:spPr>
           <a:xfrm>
-            <a:off x="114296" y="0"/>
-            <a:ext cx="9715492" cy="5919308"/>
+            <a:off x="141288" y="252556"/>
+            <a:ext cx="8859838" cy="5635305"/>
           </a:xfrm>
           <a:prstGeom prst="rect">
             <a:avLst/>
@@ -24267,8 +22225,8 @@
         </p:nvSpPr>
         <p:spPr bwMode="auto">
           <a:xfrm>
-            <a:off x="1355154" y="5894906"/>
-            <a:ext cx="9014968" cy="369332"/>
+            <a:off x="559692" y="5641640"/>
+            <a:ext cx="8023029" cy="246221"/>
           </a:xfrm>
           <a:prstGeom prst="rect">
             <a:avLst/>
@@ -24468,31 +22426,56 @@
               <a:buNone/>
             </a:pPr>
             <a:r>
-              <a:rPr lang="en-US" altLang="en-US" sz="2400" dirty="0">
-                <a:ea typeface="ＭＳ Ｐゴシック" charset="-128"/>
+              <a:rPr lang="en-US" altLang="en-US" sz="1600" dirty="0">
+                <a:solidFill>
+                  <a:srgbClr val="FFFF00"/>
+                </a:solidFill>
+                <a:latin typeface="Courier" charset="0"/>
+                <a:ea typeface="Courier" charset="0"/>
+                <a:cs typeface="Courier" charset="0"/>
               </a:rPr>
               <a:t>https://</a:t>
             </a:r>
             <a:r>
-              <a:rPr lang="en-US" altLang="en-US" sz="2400" dirty="0" err="1">
-                <a:ea typeface="ＭＳ Ｐゴシック" charset="-128"/>
+              <a:rPr lang="en-US" altLang="en-US" sz="1600" dirty="0" err="1">
+                <a:solidFill>
+                  <a:srgbClr val="FFFF00"/>
+                </a:solidFill>
+                <a:latin typeface="Courier" charset="0"/>
+                <a:ea typeface="Courier" charset="0"/>
+                <a:cs typeface="Courier" charset="0"/>
               </a:rPr>
               <a:t>github.com</a:t>
             </a:r>
             <a:r>
-              <a:rPr lang="en-US" altLang="en-US" sz="2400" dirty="0">
-                <a:ea typeface="ＭＳ Ｐゴシック" charset="-128"/>
-              </a:rPr>
-              <a:t>/csev/dj4e-samples/blob/master/session/home/</a:t>
-            </a:r>
-            <a:r>
-              <a:rPr lang="en-US" altLang="en-US" sz="2400" dirty="0" err="1">
-                <a:ea typeface="ＭＳ Ｐゴシック" charset="-128"/>
+              <a:rPr lang="en-US" altLang="en-US" sz="1600" dirty="0">
+                <a:solidFill>
+                  <a:srgbClr val="FFFF00"/>
+                </a:solidFill>
+                <a:latin typeface="Courier" charset="0"/>
+                <a:ea typeface="Courier" charset="0"/>
+                <a:cs typeface="Courier" charset="0"/>
+              </a:rPr>
+              <a:t>/csev/dj4e-samples/blob/master/session/</a:t>
+            </a:r>
+            <a:r>
+              <a:rPr lang="en-US" altLang="en-US" sz="1600" dirty="0" err="1">
+                <a:solidFill>
+                  <a:srgbClr val="FFFF00"/>
+                </a:solidFill>
+                <a:latin typeface="Courier" charset="0"/>
+                <a:ea typeface="Courier" charset="0"/>
+                <a:cs typeface="Courier" charset="0"/>
               </a:rPr>
               <a:t>views.py</a:t>
             </a:r>
-            <a:endParaRPr lang="en-US" altLang="en-US" sz="2400" dirty="0">
-              <a:ea typeface="ＭＳ Ｐゴシック" charset="-128"/>
+            <a:endParaRPr lang="en-US" altLang="en-US" sz="1600" dirty="0">
+              <a:solidFill>
+                <a:srgbClr val="FFFF00"/>
+              </a:solidFill>
+              <a:latin typeface="Courier" charset="0"/>
+              <a:ea typeface="Courier" charset="0"/>
+              <a:cs typeface="Courier" charset="0"/>
             </a:endParaRPr>
           </a:p>
         </p:txBody>
@@ -24500,28 +22483,13 @@
     </p:spTree>
     <p:extLst>
       <p:ext uri="{BB962C8B-B14F-4D97-AF65-F5344CB8AC3E}">
-        <p14:creationId xmlns:p14="http://schemas.microsoft.com/office/powerpoint/2010/main" val="1864172744"/>
+        <p14:creationId xmlns:p14="http://schemas.microsoft.com/office/powerpoint/2010/main" val="2084635569"/>
       </p:ext>
     </p:extLst>
   </p:cSld>
   <p:clrMapOvr>
     <a:masterClrMapping/>
   </p:clrMapOvr>
-  <mc:AlternateContent xmlns:mc="http://schemas.openxmlformats.org/markup-compatibility/2006" xmlns:p14="http://schemas.microsoft.com/office/powerpoint/2010/main">
-    <mc:Choice Requires="p14">
-      <p:transition spd="slow" p14:dur="2000"/>
-    </mc:Choice>
-    <mc:Fallback xmlns="">
-      <p:transition spd="slow"/>
-    </mc:Fallback>
-  </mc:AlternateContent>
-  <p:timing>
-    <p:tnLst>
-      <p:par>
-        <p:cTn id="1" dur="indefinite" restart="never" nodeType="tmRoot"/>
-      </p:par>
-    </p:tnLst>
-  </p:timing>
 </p:sld>
 </file>
 
@@ -24544,7 +22512,37 @@
       </p:grpSpPr>
       <p:pic>
         <p:nvPicPr>
-          <p:cNvPr id="2" name="Picture 1"/>
+          <p:cNvPr id="5" name="Picture 4"/>
+          <p:cNvPicPr>
+            <a:picLocks noChangeAspect="1"/>
+          </p:cNvPicPr>
+          <p:nvPr/>
+        </p:nvPicPr>
+        <p:blipFill>
+          <a:blip r:embed="rId2">
+            <a:extLst>
+              <a:ext uri="{28A0092B-C50C-407E-A947-70E740481C1C}">
+                <a14:useLocalDpi xmlns:a14="http://schemas.microsoft.com/office/drawing/2010/main" val="0"/>
+              </a:ext>
+            </a:extLst>
+          </a:blip>
+          <a:stretch>
+            <a:fillRect/>
+          </a:stretch>
+        </p:blipFill>
+        <p:spPr>
+          <a:xfrm>
+            <a:off x="141288" y="252556"/>
+            <a:ext cx="8859838" cy="5635305"/>
+          </a:xfrm>
+          <a:prstGeom prst="rect">
+            <a:avLst/>
+          </a:prstGeom>
+        </p:spPr>
+      </p:pic>
+      <p:pic>
+        <p:nvPicPr>
+          <p:cNvPr id="6" name="Picture 5"/>
           <p:cNvPicPr>
             <a:picLocks noChangeAspect="1"/>
           </p:cNvPicPr>
@@ -24564,38 +22562,8 @@
         </p:blipFill>
         <p:spPr>
           <a:xfrm>
-            <a:off x="114296" y="0"/>
-            <a:ext cx="9715492" cy="5919308"/>
-          </a:xfrm>
-          <a:prstGeom prst="rect">
-            <a:avLst/>
-          </a:prstGeom>
-        </p:spPr>
-      </p:pic>
-      <p:pic>
-        <p:nvPicPr>
-          <p:cNvPr id="3" name="Picture 2"/>
-          <p:cNvPicPr>
-            <a:picLocks noChangeAspect="1"/>
-          </p:cNvPicPr>
-          <p:nvPr/>
-        </p:nvPicPr>
-        <p:blipFill>
-          <a:blip r:embed="rId4">
-            <a:extLst>
-              <a:ext uri="{28A0092B-C50C-407E-A947-70E740481C1C}">
-                <a14:useLocalDpi xmlns:a14="http://schemas.microsoft.com/office/drawing/2010/main" val="0"/>
-              </a:ext>
-            </a:extLst>
-          </a:blip>
-          <a:stretch>
-            <a:fillRect/>
-          </a:stretch>
-        </p:blipFill>
-        <p:spPr>
-          <a:xfrm>
-            <a:off x="1228729" y="492926"/>
-            <a:ext cx="9715492" cy="5919308"/>
+            <a:off x="1736725" y="545450"/>
+            <a:ext cx="8859838" cy="5635305"/>
           </a:xfrm>
           <a:prstGeom prst="rect">
             <a:avLst/>
@@ -24605,28 +22573,13 @@
     </p:spTree>
     <p:extLst>
       <p:ext uri="{BB962C8B-B14F-4D97-AF65-F5344CB8AC3E}">
-        <p14:creationId xmlns:p14="http://schemas.microsoft.com/office/powerpoint/2010/main" val="100549551"/>
+        <p14:creationId xmlns:p14="http://schemas.microsoft.com/office/powerpoint/2010/main" val="1113549594"/>
       </p:ext>
     </p:extLst>
   </p:cSld>
   <p:clrMapOvr>
     <a:masterClrMapping/>
   </p:clrMapOvr>
-  <mc:AlternateContent xmlns:mc="http://schemas.openxmlformats.org/markup-compatibility/2006" xmlns:p14="http://schemas.microsoft.com/office/powerpoint/2010/main">
-    <mc:Choice Requires="p14">
-      <p:transition spd="slow" p14:dur="2000"/>
-    </mc:Choice>
-    <mc:Fallback xmlns="">
-      <p:transition spd="slow"/>
-    </mc:Fallback>
-  </mc:AlternateContent>
-  <p:timing>
-    <p:tnLst>
-      <p:par>
-        <p:cTn id="1" dur="indefinite" restart="never" nodeType="tmRoot"/>
-      </p:par>
-    </p:tnLst>
-  </p:timing>
 </p:sld>
 </file>
 
@@ -24649,7 +22602,37 @@
       </p:grpSpPr>
       <p:pic>
         <p:nvPicPr>
-          <p:cNvPr id="2" name="Picture 1"/>
+          <p:cNvPr id="5" name="Picture 4"/>
+          <p:cNvPicPr>
+            <a:picLocks noChangeAspect="1"/>
+          </p:cNvPicPr>
+          <p:nvPr/>
+        </p:nvPicPr>
+        <p:blipFill>
+          <a:blip r:embed="rId2">
+            <a:extLst>
+              <a:ext uri="{28A0092B-C50C-407E-A947-70E740481C1C}">
+                <a14:useLocalDpi xmlns:a14="http://schemas.microsoft.com/office/drawing/2010/main" val="0"/>
+              </a:ext>
+            </a:extLst>
+          </a:blip>
+          <a:stretch>
+            <a:fillRect/>
+          </a:stretch>
+        </p:blipFill>
+        <p:spPr>
+          <a:xfrm>
+            <a:off x="141288" y="252556"/>
+            <a:ext cx="8859838" cy="5635305"/>
+          </a:xfrm>
+          <a:prstGeom prst="rect">
+            <a:avLst/>
+          </a:prstGeom>
+        </p:spPr>
+      </p:pic>
+      <p:pic>
+        <p:nvPicPr>
+          <p:cNvPr id="6" name="Picture 5"/>
           <p:cNvPicPr>
             <a:picLocks noChangeAspect="1"/>
           </p:cNvPicPr>
@@ -24669,8 +22652,8 @@
         </p:blipFill>
         <p:spPr>
           <a:xfrm>
-            <a:off x="114296" y="0"/>
-            <a:ext cx="9715492" cy="5919308"/>
+            <a:off x="1736725" y="545450"/>
+            <a:ext cx="8859838" cy="5635305"/>
           </a:xfrm>
           <a:prstGeom prst="rect">
             <a:avLst/>
@@ -24679,7 +22662,7 @@
       </p:pic>
       <p:pic>
         <p:nvPicPr>
-          <p:cNvPr id="3" name="Picture 2"/>
+          <p:cNvPr id="7" name="Picture 6"/>
           <p:cNvPicPr>
             <a:picLocks noChangeAspect="1"/>
           </p:cNvPicPr>
@@ -24699,38 +22682,8 @@
         </p:blipFill>
         <p:spPr>
           <a:xfrm>
-            <a:off x="1228729" y="492926"/>
-            <a:ext cx="9715492" cy="5919308"/>
-          </a:xfrm>
-          <a:prstGeom prst="rect">
-            <a:avLst/>
-          </a:prstGeom>
-        </p:spPr>
-      </p:pic>
-      <p:pic>
-        <p:nvPicPr>
-          <p:cNvPr id="4" name="Picture 3"/>
-          <p:cNvPicPr>
-            <a:picLocks noChangeAspect="1"/>
-          </p:cNvPicPr>
-          <p:nvPr/>
-        </p:nvPicPr>
-        <p:blipFill>
-          <a:blip r:embed="rId5">
-            <a:extLst>
-              <a:ext uri="{28A0092B-C50C-407E-A947-70E740481C1C}">
-                <a14:useLocalDpi xmlns:a14="http://schemas.microsoft.com/office/drawing/2010/main" val="0"/>
-              </a:ext>
-            </a:extLst>
-          </a:blip>
-          <a:stretch>
-            <a:fillRect/>
-          </a:stretch>
-        </p:blipFill>
-        <p:spPr>
-          <a:xfrm>
-            <a:off x="2343162" y="985851"/>
-            <a:ext cx="9715492" cy="5919308"/>
+            <a:off x="3332162" y="838343"/>
+            <a:ext cx="8859838" cy="5635305"/>
           </a:xfrm>
           <a:prstGeom prst="rect">
             <a:avLst/>
@@ -24740,28 +22693,13 @@
     </p:spTree>
     <p:extLst>
       <p:ext uri="{BB962C8B-B14F-4D97-AF65-F5344CB8AC3E}">
-        <p14:creationId xmlns:p14="http://schemas.microsoft.com/office/powerpoint/2010/main" val="2135225116"/>
+        <p14:creationId xmlns:p14="http://schemas.microsoft.com/office/powerpoint/2010/main" val="1643543304"/>
       </p:ext>
     </p:extLst>
   </p:cSld>
   <p:clrMapOvr>
     <a:masterClrMapping/>
   </p:clrMapOvr>
-  <mc:AlternateContent xmlns:mc="http://schemas.openxmlformats.org/markup-compatibility/2006" xmlns:p14="http://schemas.microsoft.com/office/powerpoint/2010/main">
-    <mc:Choice Requires="p14">
-      <p:transition spd="slow" p14:dur="2000"/>
-    </mc:Choice>
-    <mc:Fallback xmlns="">
-      <p:transition spd="slow"/>
-    </mc:Fallback>
-  </mc:AlternateContent>
-  <p:timing>
-    <p:tnLst>
-      <p:par>
-        <p:cTn id="1" dur="indefinite" restart="never" nodeType="tmRoot"/>
-      </p:par>
-    </p:tnLst>
-  </p:timing>
 </p:sld>
 </file>
 
@@ -26712,6 +24650,162 @@
       </p:par>
     </p:tnLst>
   </p:timing>
+</p:sld>
+</file>
+
+<file path=ppt/slides/slide31.xml><?xml version="1.0" encoding="utf-8"?>
+<p:sld xmlns:a="http://schemas.openxmlformats.org/drawingml/2006/main" xmlns:r="http://schemas.openxmlformats.org/officeDocument/2006/relationships" xmlns:p="http://schemas.openxmlformats.org/presentationml/2006/main">
+  <p:cSld>
+    <p:spTree>
+      <p:nvGrpSpPr>
+        <p:cNvPr id="1" name=""/>
+        <p:cNvGrpSpPr/>
+        <p:nvPr/>
+      </p:nvGrpSpPr>
+      <p:grpSpPr>
+        <a:xfrm>
+          <a:off x="0" y="0"/>
+          <a:ext cx="0" cy="0"/>
+          <a:chOff x="0" y="0"/>
+          <a:chExt cx="0" cy="0"/>
+        </a:xfrm>
+      </p:grpSpPr>
+      <p:sp>
+        <p:nvSpPr>
+          <p:cNvPr id="25601" name="Title 1"/>
+          <p:cNvSpPr>
+            <a:spLocks noGrp="1"/>
+          </p:cNvSpPr>
+          <p:nvPr>
+            <p:ph type="title"/>
+          </p:nvPr>
+        </p:nvSpPr>
+        <p:spPr>
+          <a:xfrm>
+            <a:off x="1132418" y="640387"/>
+            <a:ext cx="9927167" cy="714279"/>
+          </a:xfrm>
+        </p:spPr>
+        <p:txBody>
+          <a:bodyPr/>
+          <a:lstStyle/>
+          <a:p>
+            <a:r>
+              <a:rPr lang="en-US" altLang="en-US" sz="3733" dirty="0">
+                <a:solidFill>
+                  <a:srgbClr val="00FF00"/>
+                </a:solidFill>
+              </a:rPr>
+              <a:t>Additional Source Information</a:t>
+            </a:r>
+          </a:p>
+        </p:txBody>
+      </p:sp>
+      <p:sp>
+        <p:nvSpPr>
+          <p:cNvPr id="25602" name="Content Placeholder 2"/>
+          <p:cNvSpPr>
+            <a:spLocks noGrp="1"/>
+          </p:cNvSpPr>
+          <p:nvPr>
+            <p:ph idx="1"/>
+          </p:nvPr>
+        </p:nvSpPr>
+        <p:spPr>
+          <a:xfrm>
+            <a:off x="1132418" y="1498600"/>
+            <a:ext cx="9927167" cy="4464051"/>
+          </a:xfrm>
+        </p:spPr>
+        <p:txBody>
+          <a:bodyPr anchor="t">
+            <a:normAutofit/>
+          </a:bodyPr>
+          <a:lstStyle/>
+          <a:p>
+            <a:r>
+              <a:rPr lang="en-US" altLang="x-none" sz="1600" dirty="0"/>
+              <a:t>Cookie Image: By </a:t>
+            </a:r>
+            <a:r>
+              <a:rPr lang="en-US" altLang="x-none" sz="1600" dirty="0" err="1"/>
+              <a:t>brainloc</a:t>
+            </a:r>
+            <a:r>
+              <a:rPr lang="en-US" altLang="x-none" sz="1600" dirty="0"/>
+              <a:t> on </a:t>
+            </a:r>
+            <a:r>
+              <a:rPr lang="en-US" altLang="x-none" sz="1600" dirty="0" err="1"/>
+              <a:t>sxc.hu</a:t>
+            </a:r>
+            <a:r>
+              <a:rPr lang="en-US" altLang="x-none" sz="1600" dirty="0"/>
+              <a:t> (Bob Smith) (</a:t>
+            </a:r>
+            <a:r>
+              <a:rPr lang="en-US" altLang="x-none" sz="1600" dirty="0" err="1"/>
+              <a:t>stock.xchng</a:t>
+            </a:r>
+            <a:r>
+              <a:rPr lang="en-US" altLang="x-none" sz="1600" dirty="0"/>
+              <a:t>) [CC BY 2.5 (http://</a:t>
+            </a:r>
+            <a:r>
+              <a:rPr lang="en-US" altLang="x-none" sz="1600" dirty="0" err="1"/>
+              <a:t>creativecommons.org</a:t>
+            </a:r>
+            <a:r>
+              <a:rPr lang="en-US" altLang="x-none" sz="1600" dirty="0"/>
+              <a:t>/licenses/by/2.5)], via Wikimedia Commons</a:t>
+            </a:r>
+          </a:p>
+          <a:p>
+            <a:pPr>
+              <a:buFontTx/>
+              <a:buChar char="•"/>
+            </a:pPr>
+            <a:r>
+              <a:rPr lang="en-US" altLang="en-US" sz="1600" dirty="0" smtClean="0"/>
+              <a:t>Portions </a:t>
+            </a:r>
+            <a:r>
+              <a:rPr lang="en-US" altLang="en-US" sz="1600" dirty="0" smtClean="0"/>
+              <a:t>of the text of these slides is adapted from the text </a:t>
+            </a:r>
+            <a:r>
+              <a:rPr lang="en-US" altLang="en-US" sz="1600" dirty="0" smtClean="0">
+                <a:hlinkClick r:id="rId2"/>
+              </a:rPr>
+              <a:t>www.djangoproject.org</a:t>
+            </a:r>
+            <a:r>
+              <a:rPr lang="en-US" altLang="en-US" sz="1600" dirty="0" smtClean="0"/>
+              <a:t> web site.  Those slides which use text from that site have a reference to the original text on that site. </a:t>
+            </a:r>
+            <a:r>
+              <a:rPr lang="en-US" sz="1600" dirty="0"/>
+              <a:t>Django is licensed under the three-clause BSD </a:t>
+            </a:r>
+            <a:r>
+              <a:rPr lang="en-US" sz="1600" dirty="0" smtClean="0"/>
+              <a:t>license.</a:t>
+            </a:r>
+            <a:endParaRPr lang="en-US" altLang="en-US" sz="1600" dirty="0"/>
+          </a:p>
+        </p:txBody>
+      </p:sp>
+    </p:spTree>
+    <p:extLst>
+      <p:ext uri="{BB962C8B-B14F-4D97-AF65-F5344CB8AC3E}">
+        <p14:creationId xmlns:p14="http://schemas.microsoft.com/office/powerpoint/2010/main" val="589761200"/>
+      </p:ext>
+    </p:extLst>
+  </p:cSld>
+  <p:clrMapOvr>
+    <a:masterClrMapping/>
+  </p:clrMapOvr>
+  <p:transition spd="slow"/>
 </p:sld>
 </file>
 
@@ -27638,181 +25732,9 @@
           <a:chExt cx="0" cy="0"/>
         </a:xfrm>
       </p:grpSpPr>
-      <p:sp>
-        <p:nvSpPr>
-          <p:cNvPr id="17409" name="Rectangle 4"/>
-          <p:cNvSpPr>
-            <a:spLocks noChangeArrowheads="1"/>
-          </p:cNvSpPr>
-          <p:nvPr/>
-        </p:nvSpPr>
-        <p:spPr bwMode="auto">
-          <a:xfrm>
-            <a:off x="5588000" y="5679018"/>
-            <a:ext cx="6197600" cy="461665"/>
-          </a:xfrm>
-          <a:prstGeom prst="rect">
-            <a:avLst/>
-          </a:prstGeom>
-          <a:noFill/>
-          <a:ln>
-            <a:noFill/>
-          </a:ln>
-          <a:extLst>
-            <a:ext uri="{909E8E84-426E-40DD-AFC4-6F175D3DCCD1}">
-              <a14:hiddenFill xmlns:a14="http://schemas.microsoft.com/office/drawing/2010/main">
-                <a:solidFill>
-                  <a:srgbClr val="FFFFFF"/>
-                </a:solidFill>
-              </a14:hiddenFill>
-            </a:ext>
-            <a:ext uri="{91240B29-F687-4F45-9708-019B960494DF}">
-              <a14:hiddenLine xmlns:a14="http://schemas.microsoft.com/office/drawing/2010/main" w="9525">
-                <a:solidFill>
-                  <a:srgbClr val="000000"/>
-                </a:solidFill>
-                <a:miter lim="800000"/>
-                <a:headEnd/>
-                <a:tailEnd/>
-              </a14:hiddenLine>
-            </a:ext>
-          </a:extLst>
-        </p:spPr>
-        <p:txBody>
-          <a:bodyPr>
-            <a:spAutoFit/>
-          </a:bodyPr>
-          <a:lstStyle>
-            <a:lvl1pPr>
-              <a:defRPr sz="2000">
-                <a:solidFill>
-                  <a:srgbClr val="FFFFFF"/>
-                </a:solidFill>
-                <a:latin typeface="Gill Sans" charset="0"/>
-                <a:ea typeface="ヒラギノ角ゴ ProN W3" charset="-128"/>
-                <a:sym typeface="Gill Sans" charset="0"/>
-              </a:defRPr>
-            </a:lvl1pPr>
-            <a:lvl2pPr marL="742950" indent="-285750">
-              <a:defRPr sz="2000">
-                <a:solidFill>
-                  <a:srgbClr val="FFFFFF"/>
-                </a:solidFill>
-                <a:latin typeface="Gill Sans" charset="0"/>
-                <a:ea typeface="ヒラギノ角ゴ ProN W3" charset="-128"/>
-                <a:sym typeface="Gill Sans" charset="0"/>
-              </a:defRPr>
-            </a:lvl2pPr>
-            <a:lvl3pPr marL="1143000" indent="-228600">
-              <a:defRPr sz="2000">
-                <a:solidFill>
-                  <a:srgbClr val="FFFFFF"/>
-                </a:solidFill>
-                <a:latin typeface="Gill Sans" charset="0"/>
-                <a:ea typeface="ヒラギノ角ゴ ProN W3" charset="-128"/>
-                <a:sym typeface="Gill Sans" charset="0"/>
-              </a:defRPr>
-            </a:lvl3pPr>
-            <a:lvl4pPr marL="1600200" indent="-228600">
-              <a:defRPr sz="2000">
-                <a:solidFill>
-                  <a:srgbClr val="FFFFFF"/>
-                </a:solidFill>
-                <a:latin typeface="Gill Sans" charset="0"/>
-                <a:ea typeface="ヒラギノ角ゴ ProN W3" charset="-128"/>
-                <a:sym typeface="Gill Sans" charset="0"/>
-              </a:defRPr>
-            </a:lvl4pPr>
-            <a:lvl5pPr marL="2057400" indent="-228600">
-              <a:defRPr sz="2000">
-                <a:solidFill>
-                  <a:srgbClr val="FFFFFF"/>
-                </a:solidFill>
-                <a:latin typeface="Gill Sans" charset="0"/>
-                <a:ea typeface="ヒラギノ角ゴ ProN W3" charset="-128"/>
-                <a:sym typeface="Gill Sans" charset="0"/>
-              </a:defRPr>
-            </a:lvl5pPr>
-            <a:lvl6pPr marL="2514600" indent="-228600" eaLnBrk="0" fontAlgn="base" hangingPunct="0">
-              <a:spcBef>
-                <a:spcPct val="0"/>
-              </a:spcBef>
-              <a:spcAft>
-                <a:spcPct val="0"/>
-              </a:spcAft>
-              <a:defRPr sz="2000">
-                <a:solidFill>
-                  <a:srgbClr val="FFFFFF"/>
-                </a:solidFill>
-                <a:latin typeface="Gill Sans" charset="0"/>
-                <a:ea typeface="ヒラギノ角ゴ ProN W3" charset="-128"/>
-                <a:sym typeface="Gill Sans" charset="0"/>
-              </a:defRPr>
-            </a:lvl6pPr>
-            <a:lvl7pPr marL="2971800" indent="-228600" eaLnBrk="0" fontAlgn="base" hangingPunct="0">
-              <a:spcBef>
-                <a:spcPct val="0"/>
-              </a:spcBef>
-              <a:spcAft>
-                <a:spcPct val="0"/>
-              </a:spcAft>
-              <a:defRPr sz="2000">
-                <a:solidFill>
-                  <a:srgbClr val="FFFFFF"/>
-                </a:solidFill>
-                <a:latin typeface="Gill Sans" charset="0"/>
-                <a:ea typeface="ヒラギノ角ゴ ProN W3" charset="-128"/>
-                <a:sym typeface="Gill Sans" charset="0"/>
-              </a:defRPr>
-            </a:lvl7pPr>
-            <a:lvl8pPr marL="3429000" indent="-228600" eaLnBrk="0" fontAlgn="base" hangingPunct="0">
-              <a:spcBef>
-                <a:spcPct val="0"/>
-              </a:spcBef>
-              <a:spcAft>
-                <a:spcPct val="0"/>
-              </a:spcAft>
-              <a:defRPr sz="2000">
-                <a:solidFill>
-                  <a:srgbClr val="FFFFFF"/>
-                </a:solidFill>
-                <a:latin typeface="Gill Sans" charset="0"/>
-                <a:ea typeface="ヒラギノ角ゴ ProN W3" charset="-128"/>
-                <a:sym typeface="Gill Sans" charset="0"/>
-              </a:defRPr>
-            </a:lvl8pPr>
-            <a:lvl9pPr marL="3886200" indent="-228600" eaLnBrk="0" fontAlgn="base" hangingPunct="0">
-              <a:spcBef>
-                <a:spcPct val="0"/>
-              </a:spcBef>
-              <a:spcAft>
-                <a:spcPct val="0"/>
-              </a:spcAft>
-              <a:defRPr sz="2000">
-                <a:solidFill>
-                  <a:srgbClr val="FFFFFF"/>
-                </a:solidFill>
-                <a:latin typeface="Gill Sans" charset="0"/>
-                <a:ea typeface="ヒラギノ角ゴ ProN W3" charset="-128"/>
-                <a:sym typeface="Gill Sans" charset="0"/>
-              </a:defRPr>
-            </a:lvl9pPr>
-          </a:lstStyle>
-          <a:p>
-            <a:r>
-              <a:rPr lang="en-US" altLang="x-none" sz="2400">
-                <a:solidFill>
-                  <a:srgbClr val="FFFF00"/>
-                </a:solidFill>
-              </a:rPr>
-              <a:t>http://php.net/manual/en/features.cookies.php</a:t>
-            </a:r>
-          </a:p>
-        </p:txBody>
-      </p:sp>
       <p:pic>
         <p:nvPicPr>
-          <p:cNvPr id="17410" name="Picture 5"/>
+          <p:cNvPr id="6" name="Picture 5"/>
           <p:cNvPicPr>
             <a:picLocks noChangeAspect="1"/>
           </p:cNvPicPr>
@@ -27826,69 +25748,114 @@
               </a:ext>
             </a:extLst>
           </a:blip>
-          <a:srcRect/>
           <a:stretch>
             <a:fillRect/>
           </a:stretch>
         </p:blipFill>
-        <p:spPr bwMode="auto">
+        <p:spPr>
           <a:xfrm>
-            <a:off x="914400" y="1092200"/>
-            <a:ext cx="9950451" cy="3606800"/>
+            <a:off x="233363" y="240090"/>
+            <a:ext cx="8853488" cy="5703510"/>
           </a:xfrm>
           <a:prstGeom prst="rect">
             <a:avLst/>
           </a:prstGeom>
-          <a:noFill/>
-          <a:ln>
-            <a:noFill/>
-          </a:ln>
-          <a:extLst>
-            <a:ext uri="{909E8E84-426E-40DD-AFC4-6F175D3DCCD1}">
-              <a14:hiddenFill xmlns:a14="http://schemas.microsoft.com/office/drawing/2010/main">
-                <a:solidFill>
-                  <a:srgbClr val="FFFFFF"/>
-                </a:solidFill>
-              </a14:hiddenFill>
-            </a:ext>
-            <a:ext uri="{91240B29-F687-4F45-9708-019B960494DF}">
-              <a14:hiddenLine xmlns:a14="http://schemas.microsoft.com/office/drawing/2010/main" w="9525">
-                <a:solidFill>
-                  <a:srgbClr val="000000"/>
-                </a:solidFill>
-                <a:miter lim="800000"/>
-                <a:headEnd/>
-                <a:tailEnd/>
-              </a14:hiddenLine>
-            </a:ext>
-          </a:extLst>
         </p:spPr>
       </p:pic>
+      <p:sp>
+        <p:nvSpPr>
+          <p:cNvPr id="10" name="Rectangle 9"/>
+          <p:cNvSpPr/>
+          <p:nvPr/>
+        </p:nvSpPr>
+        <p:spPr>
+          <a:xfrm>
+            <a:off x="512933" y="5574268"/>
+            <a:ext cx="7341049" cy="646331"/>
+          </a:xfrm>
+          <a:prstGeom prst="rect">
+            <a:avLst/>
+          </a:prstGeom>
+        </p:spPr>
+        <p:txBody>
+          <a:bodyPr wrap="none">
+            <a:spAutoFit/>
+          </a:bodyPr>
+          <a:lstStyle/>
+          <a:p>
+            <a:r>
+              <a:rPr lang="en-US" dirty="0">
+                <a:solidFill>
+                  <a:srgbClr val="FFFF00"/>
+                </a:solidFill>
+              </a:rPr>
+              <a:t>https://samples.dj4e.com/session</a:t>
+            </a:r>
+            <a:r>
+              <a:rPr lang="en-US" dirty="0" smtClean="0">
+                <a:solidFill>
+                  <a:srgbClr val="FFFF00"/>
+                </a:solidFill>
+              </a:rPr>
+              <a:t>/</a:t>
+            </a:r>
+          </a:p>
+          <a:p>
+            <a:r>
+              <a:rPr lang="en-US" altLang="en-US" dirty="0">
+                <a:solidFill>
+                  <a:srgbClr val="FFFF00"/>
+                </a:solidFill>
+                <a:ea typeface="ＭＳ Ｐゴシック" charset="-128"/>
+              </a:rPr>
+              <a:t>https://</a:t>
+            </a:r>
+            <a:r>
+              <a:rPr lang="en-US" altLang="en-US" dirty="0" err="1" smtClean="0">
+                <a:solidFill>
+                  <a:srgbClr val="FFFF00"/>
+                </a:solidFill>
+                <a:ea typeface="ＭＳ Ｐゴシック" charset="-128"/>
+              </a:rPr>
+              <a:t>github.com</a:t>
+            </a:r>
+            <a:r>
+              <a:rPr lang="en-US" altLang="en-US" dirty="0" smtClean="0">
+                <a:solidFill>
+                  <a:srgbClr val="FFFF00"/>
+                </a:solidFill>
+                <a:ea typeface="ＭＳ Ｐゴシック" charset="-128"/>
+              </a:rPr>
+              <a:t>/csev/dj4e-samples/blob/master/session/home/</a:t>
+            </a:r>
+            <a:r>
+              <a:rPr lang="en-US" altLang="en-US" dirty="0" err="1" smtClean="0">
+                <a:solidFill>
+                  <a:srgbClr val="FFFF00"/>
+                </a:solidFill>
+                <a:ea typeface="ＭＳ Ｐゴシック" charset="-128"/>
+              </a:rPr>
+              <a:t>views.py</a:t>
+            </a:r>
+            <a:endParaRPr lang="en-US" altLang="en-US" dirty="0">
+              <a:solidFill>
+                <a:srgbClr val="FFFF00"/>
+              </a:solidFill>
+              <a:ea typeface="ＭＳ Ｐゴシック" charset="-128"/>
+            </a:endParaRPr>
+          </a:p>
+        </p:txBody>
+      </p:sp>
     </p:spTree>
     <p:extLst>
       <p:ext uri="{BB962C8B-B14F-4D97-AF65-F5344CB8AC3E}">
-        <p14:creationId xmlns:p14="http://schemas.microsoft.com/office/powerpoint/2010/main" val="1065046489"/>
+        <p14:creationId xmlns:p14="http://schemas.microsoft.com/office/powerpoint/2010/main" val="510058612"/>
       </p:ext>
     </p:extLst>
   </p:cSld>
   <p:clrMapOvr>
     <a:masterClrMapping/>
   </p:clrMapOvr>
-  <mc:AlternateContent xmlns:mc="http://schemas.openxmlformats.org/markup-compatibility/2006" xmlns:p14="http://schemas.microsoft.com/office/powerpoint/2010/main">
-    <mc:Choice Requires="p14">
-      <p:transition spd="slow" p14:dur="2000"/>
-    </mc:Choice>
-    <mc:Fallback xmlns="">
-      <p:transition spd="slow"/>
-    </mc:Fallback>
-  </mc:AlternateContent>
-  <p:timing>
-    <p:tnLst>
-      <p:par>
-        <p:cTn id="1" dur="indefinite" restart="never" nodeType="tmRoot"/>
-      </p:par>
-    </p:tnLst>
-  </p:timing>
 </p:sld>
 </file>
 
@@ -27919,8 +25886,8 @@
         </p:nvSpPr>
         <p:spPr bwMode="auto">
           <a:xfrm>
-            <a:off x="495301" y="585788"/>
-            <a:ext cx="10734674" cy="4557712"/>
+            <a:off x="595313" y="1528763"/>
+            <a:ext cx="10734674" cy="1943100"/>
           </a:xfrm>
           <a:prstGeom prst="rect">
             <a:avLst/>
@@ -28333,7 +26300,7 @@
               <a:t># No </a:t>
             </a:r>
             <a:r>
-              <a:rPr lang="en-US" sz="1800" b="1" dirty="0" err="1">
+              <a:rPr lang="en-US" sz="1800" b="1" dirty="0" smtClean="0">
                 <a:solidFill>
                   <a:srgbClr val="400BD9"/>
                 </a:solidFill>
@@ -28341,7 +26308,7 @@
                 <a:ea typeface="Courier" charset="0"/>
                 <a:cs typeface="Courier" charset="0"/>
               </a:rPr>
-              <a:t>epired</a:t>
+              <a:t>expired date </a:t>
             </a:r>
             <a:r>
               <a:rPr lang="en-US" sz="1800" b="1" dirty="0">
@@ -28352,7 +26319,7 @@
                 <a:ea typeface="Courier" charset="0"/>
                 <a:cs typeface="Courier" charset="0"/>
               </a:rPr>
-              <a:t> data = until browser close</a:t>
+              <a:t>= until browser close</a:t>
             </a:r>
             <a:endParaRPr lang="en-US" sz="1800" b="1" dirty="0">
               <a:solidFill>
@@ -28594,8 +26561,8 @@
         </p:nvSpPr>
         <p:spPr bwMode="auto">
           <a:xfrm>
-            <a:off x="1355154" y="5894906"/>
-            <a:ext cx="9014968" cy="369332"/>
+            <a:off x="595313" y="889039"/>
+            <a:ext cx="9650078" cy="276999"/>
           </a:xfrm>
           <a:prstGeom prst="rect">
             <a:avLst/>
@@ -28795,72 +26762,330 @@
               <a:buNone/>
             </a:pPr>
             <a:r>
-              <a:rPr lang="en-US" altLang="en-US" sz="2400" dirty="0">
-                <a:ea typeface="ＭＳ Ｐゴシック" charset="-128"/>
+              <a:rPr lang="en-US" altLang="en-US" sz="1800" dirty="0">
+                <a:solidFill>
+                  <a:srgbClr val="FFFF00"/>
+                </a:solidFill>
+                <a:latin typeface="Courier" charset="0"/>
+                <a:ea typeface="Courier" charset="0"/>
+                <a:cs typeface="Courier" charset="0"/>
               </a:rPr>
               <a:t>https://</a:t>
             </a:r>
             <a:r>
-              <a:rPr lang="en-US" altLang="en-US" sz="2400" dirty="0" err="1">
-                <a:ea typeface="ＭＳ Ｐゴシック" charset="-128"/>
+              <a:rPr lang="en-US" altLang="en-US" sz="1800" dirty="0" err="1">
+                <a:solidFill>
+                  <a:srgbClr val="FFFF00"/>
+                </a:solidFill>
+                <a:latin typeface="Courier" charset="0"/>
+                <a:ea typeface="Courier" charset="0"/>
+                <a:cs typeface="Courier" charset="0"/>
               </a:rPr>
               <a:t>github.com</a:t>
             </a:r>
             <a:r>
-              <a:rPr lang="en-US" altLang="en-US" sz="2400" dirty="0">
-                <a:ea typeface="ＭＳ Ｐゴシック" charset="-128"/>
+              <a:rPr lang="en-US" altLang="en-US" sz="1800" dirty="0">
+                <a:solidFill>
+                  <a:srgbClr val="FFFF00"/>
+                </a:solidFill>
+                <a:latin typeface="Courier" charset="0"/>
+                <a:ea typeface="Courier" charset="0"/>
+                <a:cs typeface="Courier" charset="0"/>
               </a:rPr>
               <a:t>/csev/dj4e-samples/blob/master/session/home/</a:t>
             </a:r>
             <a:r>
-              <a:rPr lang="en-US" altLang="en-US" sz="2400" dirty="0" err="1">
-                <a:ea typeface="ＭＳ Ｐゴシック" charset="-128"/>
+              <a:rPr lang="en-US" altLang="en-US" sz="1800" dirty="0" err="1">
+                <a:solidFill>
+                  <a:srgbClr val="FFFF00"/>
+                </a:solidFill>
+                <a:latin typeface="Courier" charset="0"/>
+                <a:ea typeface="Courier" charset="0"/>
+                <a:cs typeface="Courier" charset="0"/>
               </a:rPr>
               <a:t>views.py</a:t>
             </a:r>
-            <a:endParaRPr lang="en-US" altLang="en-US" sz="2400" dirty="0">
-              <a:ea typeface="ＭＳ Ｐゴシック" charset="-128"/>
+            <a:endParaRPr lang="en-US" altLang="en-US" sz="1800" dirty="0">
+              <a:solidFill>
+                <a:srgbClr val="FFFF00"/>
+              </a:solidFill>
+              <a:latin typeface="Courier" charset="0"/>
+              <a:ea typeface="Courier" charset="0"/>
+              <a:cs typeface="Courier" charset="0"/>
             </a:endParaRPr>
           </a:p>
         </p:txBody>
       </p:sp>
-      <p:cxnSp>
-        <p:nvCxnSpPr>
-          <p:cNvPr id="4" name="Straight Arrow Connector 3"/>
-          <p:cNvCxnSpPr/>
+      <p:sp>
+        <p:nvSpPr>
+          <p:cNvPr id="2" name="Rectangle 1"/>
+          <p:cNvSpPr/>
           <p:nvPr/>
-        </p:nvCxnSpPr>
+        </p:nvSpPr>
         <p:spPr>
-          <a:xfrm flipH="1">
-            <a:off x="7846098" y="1706526"/>
-            <a:ext cx="1858881" cy="0"/>
+          <a:xfrm>
+            <a:off x="2223461" y="4501043"/>
+            <a:ext cx="8021930" cy="923330"/>
           </a:xfrm>
-          <a:prstGeom prst="straightConnector1">
+          <a:prstGeom prst="rect">
             <a:avLst/>
           </a:prstGeom>
-          <a:ln w="38100">
-            <a:solidFill>
-              <a:schemeClr val="tx1"/>
-            </a:solidFill>
-            <a:headEnd type="triangle" w="med" len="med"/>
-            <a:tailEnd type="triangle" w="med" len="med"/>
-          </a:ln>
+          <a:solidFill>
+            <a:schemeClr val="tx1"/>
+          </a:solidFill>
         </p:spPr>
-        <p:style>
-          <a:lnRef idx="1">
-            <a:schemeClr val="accent1"/>
-          </a:lnRef>
-          <a:fillRef idx="0">
-            <a:schemeClr val="accent1"/>
-          </a:fillRef>
-          <a:effectRef idx="0">
-            <a:schemeClr val="accent1"/>
-          </a:effectRef>
-          <a:fontRef idx="minor">
-            <a:schemeClr val="tx1"/>
-          </a:fontRef>
-        </p:style>
-      </p:cxnSp>
+        <p:txBody>
+          <a:bodyPr wrap="square">
+            <a:spAutoFit/>
+          </a:bodyPr>
+          <a:lstStyle/>
+          <a:p>
+            <a:r>
+              <a:rPr lang="mr-IN" dirty="0">
+                <a:solidFill>
+                  <a:srgbClr val="000000"/>
+                </a:solidFill>
+                <a:latin typeface="Courier" charset="0"/>
+                <a:ea typeface="Courier" charset="0"/>
+                <a:cs typeface="Courier" charset="0"/>
+              </a:rPr>
+              <a:t>[</a:t>
+            </a:r>
+            <a:r>
+              <a:rPr lang="mr-IN" dirty="0" smtClean="0">
+                <a:solidFill>
+                  <a:srgbClr val="000000"/>
+                </a:solidFill>
+                <a:latin typeface="Courier" charset="0"/>
+                <a:ea typeface="Courier" charset="0"/>
+                <a:cs typeface="Courier" charset="0"/>
+              </a:rPr>
+              <a:t>29/</a:t>
+            </a:r>
+            <a:r>
+              <a:rPr lang="mr-IN" dirty="0" err="1" smtClean="0">
+                <a:solidFill>
+                  <a:srgbClr val="000000"/>
+                </a:solidFill>
+                <a:latin typeface="Courier" charset="0"/>
+                <a:ea typeface="Courier" charset="0"/>
+                <a:cs typeface="Courier" charset="0"/>
+              </a:rPr>
+              <a:t>Sep</a:t>
+            </a:r>
+            <a:r>
+              <a:rPr lang="mr-IN" dirty="0" smtClean="0">
+                <a:solidFill>
+                  <a:srgbClr val="000000"/>
+                </a:solidFill>
+                <a:latin typeface="Courier" charset="0"/>
+                <a:ea typeface="Courier" charset="0"/>
+                <a:cs typeface="Courier" charset="0"/>
+              </a:rPr>
+              <a:t> </a:t>
+            </a:r>
+            <a:r>
+              <a:rPr lang="mr-IN" dirty="0">
+                <a:solidFill>
+                  <a:srgbClr val="000000"/>
+                </a:solidFill>
+                <a:latin typeface="Courier" charset="0"/>
+                <a:ea typeface="Courier" charset="0"/>
+                <a:cs typeface="Courier" charset="0"/>
+              </a:rPr>
+              <a:t>23:17:55] "GET /</a:t>
+            </a:r>
+            <a:r>
+              <a:rPr lang="mr-IN" dirty="0" err="1" smtClean="0">
+                <a:solidFill>
+                  <a:srgbClr val="000000"/>
+                </a:solidFill>
+                <a:latin typeface="Courier" charset="0"/>
+                <a:ea typeface="Courier" charset="0"/>
+                <a:cs typeface="Courier" charset="0"/>
+              </a:rPr>
+              <a:t>session</a:t>
+            </a:r>
+            <a:r>
+              <a:rPr lang="mr-IN" dirty="0" smtClean="0">
+                <a:solidFill>
+                  <a:srgbClr val="000000"/>
+                </a:solidFill>
+                <a:latin typeface="Courier" charset="0"/>
+                <a:ea typeface="Courier" charset="0"/>
+                <a:cs typeface="Courier" charset="0"/>
+              </a:rPr>
+              <a:t>/</a:t>
+            </a:r>
+            <a:r>
+              <a:rPr lang="en-US" dirty="0" smtClean="0">
+                <a:solidFill>
+                  <a:srgbClr val="000000"/>
+                </a:solidFill>
+                <a:latin typeface="Courier" charset="0"/>
+                <a:ea typeface="Courier" charset="0"/>
+                <a:cs typeface="Courier" charset="0"/>
+              </a:rPr>
+              <a:t>cookie</a:t>
+            </a:r>
+            <a:r>
+              <a:rPr lang="mr-IN" dirty="0" smtClean="0">
+                <a:solidFill>
+                  <a:srgbClr val="000000"/>
+                </a:solidFill>
+                <a:latin typeface="Courier" charset="0"/>
+                <a:ea typeface="Courier" charset="0"/>
+                <a:cs typeface="Courier" charset="0"/>
+              </a:rPr>
+              <a:t> </a:t>
+            </a:r>
+            <a:r>
+              <a:rPr lang="mr-IN" dirty="0">
+                <a:solidFill>
+                  <a:srgbClr val="000000"/>
+                </a:solidFill>
+                <a:latin typeface="Courier" charset="0"/>
+                <a:ea typeface="Courier" charset="0"/>
+                <a:cs typeface="Courier" charset="0"/>
+              </a:rPr>
+              <a:t>HTTP/1.1" 200 </a:t>
+            </a:r>
+            <a:r>
+              <a:rPr lang="en-US" dirty="0" smtClean="0">
+                <a:solidFill>
+                  <a:srgbClr val="000000"/>
+                </a:solidFill>
+                <a:latin typeface="Courier" charset="0"/>
+                <a:ea typeface="Courier" charset="0"/>
+                <a:cs typeface="Courier" charset="0"/>
+              </a:rPr>
+              <a:t>26</a:t>
+            </a:r>
+            <a:endParaRPr lang="mr-IN" dirty="0">
+              <a:solidFill>
+                <a:srgbClr val="000000"/>
+              </a:solidFill>
+              <a:latin typeface="Courier" charset="0"/>
+              <a:ea typeface="Courier" charset="0"/>
+              <a:cs typeface="Courier" charset="0"/>
+            </a:endParaRPr>
+          </a:p>
+          <a:p>
+            <a:r>
+              <a:rPr lang="en-US" dirty="0">
+                <a:solidFill>
+                  <a:srgbClr val="000000"/>
+                </a:solidFill>
+                <a:latin typeface="Courier" charset="0"/>
+                <a:ea typeface="Courier" charset="0"/>
+                <a:cs typeface="Courier" charset="0"/>
+              </a:rPr>
+              <a:t>{'</a:t>
+            </a:r>
+            <a:r>
+              <a:rPr lang="en-US" dirty="0" err="1">
+                <a:solidFill>
+                  <a:srgbClr val="000000"/>
+                </a:solidFill>
+                <a:latin typeface="Courier" charset="0"/>
+                <a:ea typeface="Courier" charset="0"/>
+                <a:cs typeface="Courier" charset="0"/>
+              </a:rPr>
+              <a:t>sessionid</a:t>
+            </a:r>
+            <a:r>
+              <a:rPr lang="en-US" dirty="0">
+                <a:solidFill>
+                  <a:srgbClr val="000000"/>
+                </a:solidFill>
+                <a:latin typeface="Courier" charset="0"/>
+                <a:ea typeface="Courier" charset="0"/>
+                <a:cs typeface="Courier" charset="0"/>
+              </a:rPr>
+              <a:t>': 'xy414ikma0p80jw19mrg146inewhzp3s', </a:t>
+            </a:r>
+            <a:r>
+              <a:rPr lang="en-US" dirty="0" smtClean="0">
+                <a:solidFill>
+                  <a:srgbClr val="000000"/>
+                </a:solidFill>
+                <a:latin typeface="Courier" charset="0"/>
+                <a:ea typeface="Courier" charset="0"/>
+                <a:cs typeface="Courier" charset="0"/>
+              </a:rPr>
+              <a:t>'zap</a:t>
+            </a:r>
+            <a:r>
+              <a:rPr lang="en-US" dirty="0">
+                <a:solidFill>
+                  <a:srgbClr val="000000"/>
+                </a:solidFill>
+                <a:latin typeface="Courier" charset="0"/>
+                <a:ea typeface="Courier" charset="0"/>
+                <a:cs typeface="Courier" charset="0"/>
+              </a:rPr>
+              <a:t>': '42', '</a:t>
+            </a:r>
+            <a:r>
+              <a:rPr lang="en-US" dirty="0" err="1">
+                <a:solidFill>
+                  <a:srgbClr val="000000"/>
+                </a:solidFill>
+                <a:latin typeface="Courier" charset="0"/>
+                <a:ea typeface="Courier" charset="0"/>
+                <a:cs typeface="Courier" charset="0"/>
+              </a:rPr>
+              <a:t>sakaicar</a:t>
+            </a:r>
+            <a:r>
+              <a:rPr lang="en-US" dirty="0">
+                <a:solidFill>
+                  <a:srgbClr val="000000"/>
+                </a:solidFill>
+                <a:latin typeface="Courier" charset="0"/>
+                <a:ea typeface="Courier" charset="0"/>
+                <a:cs typeface="Courier" charset="0"/>
+              </a:rPr>
+              <a:t>': '42'}</a:t>
+            </a:r>
+            <a:endParaRPr lang="en-US" dirty="0">
+              <a:latin typeface="Courier" charset="0"/>
+              <a:ea typeface="Courier" charset="0"/>
+              <a:cs typeface="Courier" charset="0"/>
+            </a:endParaRPr>
+          </a:p>
+        </p:txBody>
+      </p:sp>
+      <p:sp>
+        <p:nvSpPr>
+          <p:cNvPr id="3" name="TextBox 2"/>
+          <p:cNvSpPr txBox="1"/>
+          <p:nvPr/>
+        </p:nvSpPr>
+        <p:spPr>
+          <a:xfrm>
+            <a:off x="2223461" y="4131711"/>
+            <a:ext cx="1130438" cy="369332"/>
+          </a:xfrm>
+          <a:prstGeom prst="rect">
+            <a:avLst/>
+          </a:prstGeom>
+          <a:noFill/>
+        </p:spPr>
+        <p:txBody>
+          <a:bodyPr wrap="none" rtlCol="0">
+            <a:spAutoFit/>
+          </a:bodyPr>
+          <a:lstStyle/>
+          <a:p>
+            <a:r>
+              <a:rPr lang="en-US" dirty="0" smtClean="0"/>
+              <a:t>In the log:</a:t>
+            </a:r>
+            <a:endParaRPr lang="en-US" dirty="0"/>
+          </a:p>
+        </p:txBody>
+      </p:sp>
     </p:spTree>
     <p:extLst>
       <p:ext uri="{BB962C8B-B14F-4D97-AF65-F5344CB8AC3E}">
@@ -28908,14 +27133,14 @@
       </p:grpSpPr>
       <p:pic>
         <p:nvPicPr>
-          <p:cNvPr id="9" name="Picture 8"/>
+          <p:cNvPr id="6" name="Picture 5"/>
           <p:cNvPicPr>
             <a:picLocks noChangeAspect="1"/>
           </p:cNvPicPr>
           <p:nvPr/>
         </p:nvPicPr>
         <p:blipFill>
-          <a:blip r:embed="rId3">
+          <a:blip r:embed="rId2">
             <a:extLst>
               <a:ext uri="{28A0092B-C50C-407E-A947-70E740481C1C}">
                 <a14:useLocalDpi xmlns:a14="http://schemas.microsoft.com/office/drawing/2010/main" val="0"/>
@@ -28928,8 +27153,8 @@
         </p:blipFill>
         <p:spPr>
           <a:xfrm>
-            <a:off x="0" y="0"/>
-            <a:ext cx="10177470" cy="6200775"/>
+            <a:off x="233363" y="240090"/>
+            <a:ext cx="8853488" cy="5703510"/>
           </a:xfrm>
           <a:prstGeom prst="rect">
             <a:avLst/>
@@ -28938,239 +27163,83 @@
       </p:pic>
       <p:sp>
         <p:nvSpPr>
-          <p:cNvPr id="18" name="Rectangle 6"/>
-          <p:cNvSpPr>
-            <a:spLocks/>
-          </p:cNvSpPr>
+          <p:cNvPr id="10" name="Rectangle 9"/>
+          <p:cNvSpPr/>
           <p:nvPr/>
         </p:nvSpPr>
-        <p:spPr bwMode="auto">
+        <p:spPr>
           <a:xfrm>
-            <a:off x="2215007" y="6166372"/>
-            <a:ext cx="9014968" cy="369332"/>
+            <a:off x="512933" y="5574268"/>
+            <a:ext cx="7341049" cy="646331"/>
           </a:xfrm>
           <a:prstGeom prst="rect">
             <a:avLst/>
           </a:prstGeom>
-          <a:noFill/>
-          <a:ln>
-            <a:noFill/>
-          </a:ln>
-          <a:extLst>
-            <a:ext uri="{909E8E84-426E-40DD-AFC4-6F175D3DCCD1}">
-              <a14:hiddenFill xmlns:a14="http://schemas.microsoft.com/office/drawing/2010/main">
-                <a:solidFill>
-                  <a:srgbClr val="FFFFFF"/>
-                </a:solidFill>
-              </a14:hiddenFill>
-            </a:ext>
-            <a:ext uri="{91240B29-F687-4F45-9708-019B960494DF}">
-              <a14:hiddenLine xmlns:a14="http://schemas.microsoft.com/office/drawing/2010/main" w="9525">
-                <a:solidFill>
-                  <a:srgbClr val="000000"/>
-                </a:solidFill>
-                <a:miter lim="800000"/>
-                <a:headEnd/>
-                <a:tailEnd/>
-              </a14:hiddenLine>
-            </a:ext>
-          </a:extLst>
         </p:spPr>
         <p:txBody>
-          <a:bodyPr wrap="none" lIns="0" tIns="0" rIns="0" bIns="0" anchor="ctr">
+          <a:bodyPr wrap="none">
             <a:spAutoFit/>
           </a:bodyPr>
-          <a:lstStyle>
-            <a:lvl1pPr>
-              <a:spcBef>
-                <a:spcPts val="1300"/>
-              </a:spcBef>
-              <a:buSzPct val="171000"/>
-              <a:buFont typeface="Gill Sans" charset="0"/>
-              <a:buChar char="•"/>
-              <a:defRPr sz="2100">
-                <a:solidFill>
-                  <a:schemeClr val="tx1"/>
-                </a:solidFill>
-                <a:latin typeface="Gill Sans" charset="0"/>
-                <a:ea typeface="ヒラギノ角ゴ ProN W3" charset="-128"/>
-                <a:sym typeface="Gill Sans" charset="0"/>
-              </a:defRPr>
-            </a:lvl1pPr>
-            <a:lvl2pPr marL="742950" indent="-285750">
-              <a:spcBef>
-                <a:spcPts val="1300"/>
-              </a:spcBef>
-              <a:buSzPct val="171000"/>
-              <a:buFont typeface="Gill Sans" charset="0"/>
-              <a:buChar char="•"/>
-              <a:defRPr sz="2100">
-                <a:solidFill>
-                  <a:schemeClr val="tx1"/>
-                </a:solidFill>
-                <a:latin typeface="Gill Sans" charset="0"/>
-                <a:ea typeface="ヒラギノ角ゴ ProN W3" charset="-128"/>
-                <a:sym typeface="Gill Sans" charset="0"/>
-              </a:defRPr>
-            </a:lvl2pPr>
-            <a:lvl3pPr marL="1143000" indent="-228600">
-              <a:spcBef>
-                <a:spcPts val="1300"/>
-              </a:spcBef>
-              <a:buSzPct val="171000"/>
-              <a:buFont typeface="Gill Sans" charset="0"/>
-              <a:buChar char="•"/>
-              <a:defRPr sz="2100">
-                <a:solidFill>
-                  <a:schemeClr val="tx1"/>
-                </a:solidFill>
-                <a:latin typeface="Gill Sans" charset="0"/>
-                <a:ea typeface="ヒラギノ角ゴ ProN W3" charset="-128"/>
-                <a:sym typeface="Gill Sans" charset="0"/>
-              </a:defRPr>
-            </a:lvl3pPr>
-            <a:lvl4pPr marL="1600200" indent="-228600">
-              <a:spcBef>
-                <a:spcPts val="1300"/>
-              </a:spcBef>
-              <a:buSzPct val="171000"/>
-              <a:buFont typeface="Gill Sans" charset="0"/>
-              <a:buChar char="•"/>
-              <a:defRPr sz="2100">
-                <a:solidFill>
-                  <a:schemeClr val="tx1"/>
-                </a:solidFill>
-                <a:latin typeface="Gill Sans" charset="0"/>
-                <a:ea typeface="ヒラギノ角ゴ ProN W3" charset="-128"/>
-                <a:sym typeface="Gill Sans" charset="0"/>
-              </a:defRPr>
-            </a:lvl4pPr>
-            <a:lvl5pPr marL="2057400" indent="-228600">
-              <a:spcBef>
-                <a:spcPts val="1300"/>
-              </a:spcBef>
-              <a:buSzPct val="171000"/>
-              <a:buFont typeface="Gill Sans" charset="0"/>
-              <a:buChar char="•"/>
-              <a:defRPr sz="2100">
-                <a:solidFill>
-                  <a:schemeClr val="tx1"/>
-                </a:solidFill>
-                <a:latin typeface="Gill Sans" charset="0"/>
-                <a:ea typeface="ヒラギノ角ゴ ProN W3" charset="-128"/>
-                <a:sym typeface="Gill Sans" charset="0"/>
-              </a:defRPr>
-            </a:lvl5pPr>
-            <a:lvl6pPr marL="2514600" indent="-228600" eaLnBrk="0" fontAlgn="base" hangingPunct="0">
-              <a:spcBef>
-                <a:spcPts val="1300"/>
-              </a:spcBef>
-              <a:spcAft>
-                <a:spcPct val="0"/>
-              </a:spcAft>
-              <a:buSzPct val="171000"/>
-              <a:buFont typeface="Gill Sans" charset="0"/>
-              <a:buChar char="•"/>
-              <a:defRPr sz="2100">
-                <a:solidFill>
-                  <a:schemeClr val="tx1"/>
-                </a:solidFill>
-                <a:latin typeface="Gill Sans" charset="0"/>
-                <a:ea typeface="ヒラギノ角ゴ ProN W3" charset="-128"/>
-                <a:sym typeface="Gill Sans" charset="0"/>
-              </a:defRPr>
-            </a:lvl6pPr>
-            <a:lvl7pPr marL="2971800" indent="-228600" eaLnBrk="0" fontAlgn="base" hangingPunct="0">
-              <a:spcBef>
-                <a:spcPts val="1300"/>
-              </a:spcBef>
-              <a:spcAft>
-                <a:spcPct val="0"/>
-              </a:spcAft>
-              <a:buSzPct val="171000"/>
-              <a:buFont typeface="Gill Sans" charset="0"/>
-              <a:buChar char="•"/>
-              <a:defRPr sz="2100">
-                <a:solidFill>
-                  <a:schemeClr val="tx1"/>
-                </a:solidFill>
-                <a:latin typeface="Gill Sans" charset="0"/>
-                <a:ea typeface="ヒラギノ角ゴ ProN W3" charset="-128"/>
-                <a:sym typeface="Gill Sans" charset="0"/>
-              </a:defRPr>
-            </a:lvl7pPr>
-            <a:lvl8pPr marL="3429000" indent="-228600" eaLnBrk="0" fontAlgn="base" hangingPunct="0">
-              <a:spcBef>
-                <a:spcPts val="1300"/>
-              </a:spcBef>
-              <a:spcAft>
-                <a:spcPct val="0"/>
-              </a:spcAft>
-              <a:buSzPct val="171000"/>
-              <a:buFont typeface="Gill Sans" charset="0"/>
-              <a:buChar char="•"/>
-              <a:defRPr sz="2100">
-                <a:solidFill>
-                  <a:schemeClr val="tx1"/>
-                </a:solidFill>
-                <a:latin typeface="Gill Sans" charset="0"/>
-                <a:ea typeface="ヒラギノ角ゴ ProN W3" charset="-128"/>
-                <a:sym typeface="Gill Sans" charset="0"/>
-              </a:defRPr>
-            </a:lvl8pPr>
-            <a:lvl9pPr marL="3886200" indent="-228600" eaLnBrk="0" fontAlgn="base" hangingPunct="0">
-              <a:spcBef>
-                <a:spcPts val="1300"/>
-              </a:spcBef>
-              <a:spcAft>
-                <a:spcPct val="0"/>
-              </a:spcAft>
-              <a:buSzPct val="171000"/>
-              <a:buFont typeface="Gill Sans" charset="0"/>
-              <a:buChar char="•"/>
-              <a:defRPr sz="2100">
-                <a:solidFill>
-                  <a:schemeClr val="tx1"/>
-                </a:solidFill>
-                <a:latin typeface="Gill Sans" charset="0"/>
-                <a:ea typeface="ヒラギノ角ゴ ProN W3" charset="-128"/>
-                <a:sym typeface="Gill Sans" charset="0"/>
-              </a:defRPr>
-            </a:lvl9pPr>
-          </a:lstStyle>
-          <a:p>
-            <a:pPr algn="ctr">
-              <a:spcBef>
-                <a:spcPct val="0"/>
-              </a:spcBef>
-              <a:buSzTx/>
-              <a:buNone/>
-            </a:pPr>
-            <a:r>
-              <a:rPr lang="en-US" altLang="en-US" sz="2400" dirty="0">
+          <a:lstStyle/>
+          <a:p>
+            <a:r>
+              <a:rPr lang="en-US" dirty="0">
+                <a:solidFill>
+                  <a:srgbClr val="FFFF00"/>
+                </a:solidFill>
+              </a:rPr>
+              <a:t>https://samples.dj4e.com/session</a:t>
+            </a:r>
+            <a:r>
+              <a:rPr lang="en-US" dirty="0" smtClean="0">
+                <a:solidFill>
+                  <a:srgbClr val="FFFF00"/>
+                </a:solidFill>
+              </a:rPr>
+              <a:t>/</a:t>
+            </a:r>
+          </a:p>
+          <a:p>
+            <a:r>
+              <a:rPr lang="en-US" altLang="en-US" dirty="0">
+                <a:solidFill>
+                  <a:srgbClr val="FFFF00"/>
+                </a:solidFill>
                 <a:ea typeface="ＭＳ Ｐゴシック" charset="-128"/>
               </a:rPr>
               <a:t>https://</a:t>
             </a:r>
             <a:r>
-              <a:rPr lang="en-US" altLang="en-US" sz="2400" dirty="0" err="1">
+              <a:rPr lang="en-US" altLang="en-US" dirty="0" err="1" smtClean="0">
+                <a:solidFill>
+                  <a:srgbClr val="FFFF00"/>
+                </a:solidFill>
                 <a:ea typeface="ＭＳ Ｐゴシック" charset="-128"/>
               </a:rPr>
               <a:t>github.com</a:t>
             </a:r>
             <a:r>
-              <a:rPr lang="en-US" altLang="en-US" sz="2400" dirty="0">
+              <a:rPr lang="en-US" altLang="en-US" dirty="0" smtClean="0">
+                <a:solidFill>
+                  <a:srgbClr val="FFFF00"/>
+                </a:solidFill>
                 <a:ea typeface="ＭＳ Ｐゴシック" charset="-128"/>
               </a:rPr>
               <a:t>/csev/dj4e-samples/blob/master/session/home/</a:t>
             </a:r>
             <a:r>
-              <a:rPr lang="en-US" altLang="en-US" sz="2400" dirty="0" err="1">
+              <a:rPr lang="en-US" altLang="en-US" dirty="0" err="1" smtClean="0">
+                <a:solidFill>
+                  <a:srgbClr val="FFFF00"/>
+                </a:solidFill>
                 <a:ea typeface="ＭＳ Ｐゴシック" charset="-128"/>
               </a:rPr>
               <a:t>views.py</a:t>
             </a:r>
-            <a:endParaRPr lang="en-US" altLang="en-US" sz="2400" dirty="0">
+            <a:endParaRPr lang="en-US" altLang="en-US" dirty="0">
+              <a:solidFill>
+                <a:srgbClr val="FFFF00"/>
+              </a:solidFill>
               <a:ea typeface="ＭＳ Ｐゴシック" charset="-128"/>
             </a:endParaRPr>
           </a:p>
@@ -29179,28 +27248,13 @@
     </p:spTree>
     <p:extLst>
       <p:ext uri="{BB962C8B-B14F-4D97-AF65-F5344CB8AC3E}">
-        <p14:creationId xmlns:p14="http://schemas.microsoft.com/office/powerpoint/2010/main" val="1349412152"/>
+        <p14:creationId xmlns:p14="http://schemas.microsoft.com/office/powerpoint/2010/main" val="1448713439"/>
       </p:ext>
     </p:extLst>
   </p:cSld>
   <p:clrMapOvr>
     <a:masterClrMapping/>
   </p:clrMapOvr>
-  <mc:AlternateContent xmlns:mc="http://schemas.openxmlformats.org/markup-compatibility/2006" xmlns:p14="http://schemas.microsoft.com/office/powerpoint/2010/main">
-    <mc:Choice Requires="p14">
-      <p:transition spd="slow" p14:dur="2000"/>
-    </mc:Choice>
-    <mc:Fallback xmlns="">
-      <p:transition spd="slow"/>
-    </mc:Fallback>
-  </mc:AlternateContent>
-  <p:timing>
-    <p:tnLst>
-      <p:par>
-        <p:cTn id="1" dur="indefinite" restart="never" nodeType="tmRoot"/>
-      </p:par>
-    </p:tnLst>
-  </p:timing>
 </p:sld>
 </file>
 

--- a/lectures/DJ-07-Cookies-Sessions.pptx
+++ b/lectures/DJ-07-Cookies-Sessions.pptx
@@ -227,7 +227,7 @@
           <a:p>
             <a:fld id="{C97B56FC-7D2E-F343-9D09-0D14B00AA564}" type="datetimeFigureOut">
               <a:rPr lang="en-US" smtClean="0"/>
-              <a:t>9/29/19</a:t>
+              <a:t>9/30/19</a:t>
             </a:fld>
             <a:endParaRPr lang="en-US"/>
           </a:p>
@@ -3183,7 +3183,7 @@
           <a:p>
             <a:fld id="{EEE7C04C-7AF8-1445-A186-502B631B934F}" type="datetimeFigureOut">
               <a:rPr lang="en-US" smtClean="0"/>
-              <a:t>9/29/19</a:t>
+              <a:t>9/30/19</a:t>
             </a:fld>
             <a:endParaRPr lang="en-US"/>
           </a:p>
@@ -3348,7 +3348,7 @@
           <a:p>
             <a:fld id="{EEE7C04C-7AF8-1445-A186-502B631B934F}" type="datetimeFigureOut">
               <a:rPr lang="en-US" smtClean="0"/>
-              <a:t>9/29/19</a:t>
+              <a:t>9/30/19</a:t>
             </a:fld>
             <a:endParaRPr lang="en-US"/>
           </a:p>
@@ -3523,7 +3523,7 @@
           <a:p>
             <a:fld id="{EEE7C04C-7AF8-1445-A186-502B631B934F}" type="datetimeFigureOut">
               <a:rPr lang="en-US" smtClean="0"/>
-              <a:t>9/29/19</a:t>
+              <a:t>9/30/19</a:t>
             </a:fld>
             <a:endParaRPr lang="en-US"/>
           </a:p>
@@ -3688,7 +3688,7 @@
           <a:p>
             <a:fld id="{EEE7C04C-7AF8-1445-A186-502B631B934F}" type="datetimeFigureOut">
               <a:rPr lang="en-US" smtClean="0"/>
-              <a:t>9/29/19</a:t>
+              <a:t>9/30/19</a:t>
             </a:fld>
             <a:endParaRPr lang="en-US"/>
           </a:p>
@@ -3929,7 +3929,7 @@
           <a:p>
             <a:fld id="{EEE7C04C-7AF8-1445-A186-502B631B934F}" type="datetimeFigureOut">
               <a:rPr lang="en-US" smtClean="0"/>
-              <a:t>9/29/19</a:t>
+              <a:t>9/30/19</a:t>
             </a:fld>
             <a:endParaRPr lang="en-US"/>
           </a:p>
@@ -4156,7 +4156,7 @@
           <a:p>
             <a:fld id="{EEE7C04C-7AF8-1445-A186-502B631B934F}" type="datetimeFigureOut">
               <a:rPr lang="en-US" smtClean="0"/>
-              <a:t>9/29/19</a:t>
+              <a:t>9/30/19</a:t>
             </a:fld>
             <a:endParaRPr lang="en-US"/>
           </a:p>
@@ -4518,7 +4518,7 @@
           <a:p>
             <a:fld id="{EEE7C04C-7AF8-1445-A186-502B631B934F}" type="datetimeFigureOut">
               <a:rPr lang="en-US" smtClean="0"/>
-              <a:t>9/29/19</a:t>
+              <a:t>9/30/19</a:t>
             </a:fld>
             <a:endParaRPr lang="en-US"/>
           </a:p>
@@ -4631,7 +4631,7 @@
           <a:p>
             <a:fld id="{EEE7C04C-7AF8-1445-A186-502B631B934F}" type="datetimeFigureOut">
               <a:rPr lang="en-US" smtClean="0"/>
-              <a:t>9/29/19</a:t>
+              <a:t>9/30/19</a:t>
             </a:fld>
             <a:endParaRPr lang="en-US"/>
           </a:p>
@@ -4721,7 +4721,7 @@
           <a:p>
             <a:fld id="{EEE7C04C-7AF8-1445-A186-502B631B934F}" type="datetimeFigureOut">
               <a:rPr lang="en-US" smtClean="0"/>
-              <a:t>9/29/19</a:t>
+              <a:t>9/30/19</a:t>
             </a:fld>
             <a:endParaRPr lang="en-US"/>
           </a:p>
@@ -4993,7 +4993,7 @@
           <a:p>
             <a:fld id="{EEE7C04C-7AF8-1445-A186-502B631B934F}" type="datetimeFigureOut">
               <a:rPr lang="en-US" smtClean="0"/>
-              <a:t>9/29/19</a:t>
+              <a:t>9/30/19</a:t>
             </a:fld>
             <a:endParaRPr lang="en-US"/>
           </a:p>
@@ -5245,7 +5245,7 @@
           <a:p>
             <a:fld id="{EEE7C04C-7AF8-1445-A186-502B631B934F}" type="datetimeFigureOut">
               <a:rPr lang="en-US" smtClean="0"/>
-              <a:t>9/29/19</a:t>
+              <a:t>9/30/19</a:t>
             </a:fld>
             <a:endParaRPr lang="en-US"/>
           </a:p>
@@ -5453,7 +5453,7 @@
           <a:p>
             <a:fld id="{EEE7C04C-7AF8-1445-A186-502B631B934F}" type="datetimeFigureOut">
               <a:rPr lang="en-US" smtClean="0"/>
-              <a:t>9/29/19</a:t>
+              <a:t>9/30/19</a:t>
             </a:fld>
             <a:endParaRPr lang="en-US"/>
           </a:p>
@@ -5942,10 +5942,10 @@
           <p:cNvPr id="17" name="Freeform: Shape 16">
             <a:extLst>
               <a:ext uri="{FF2B5EF4-FFF2-40B4-BE49-F238E27FC236}">
-                <a16:creationId xmlns="" xmlns:a16="http://schemas.microsoft.com/office/drawing/2014/main" id="{BCC55ACC-A2F6-403C-A3A4-D59B3734D45F}"/>
+                <a16:creationId xmlns:a16="http://schemas.microsoft.com/office/drawing/2014/main" xmlns="" id="{BCC55ACC-A2F6-403C-A3A4-D59B3734D45F}"/>
               </a:ext>
               <a:ext uri="{C183D7F6-B498-43B3-948B-1728B52AA6E4}">
-                <adec:decorative xmlns="" xmlns:adec="http://schemas.microsoft.com/office/drawing/2017/decorative" val="1"/>
+                <adec:decorative xmlns:adec="http://schemas.microsoft.com/office/drawing/2017/decorative" xmlns="" val="1"/>
               </a:ext>
             </a:extLst>
           </p:cNvPr>
@@ -6466,6 +6466,683 @@
           </a:prstGeom>
         </p:spPr>
       </p:pic>
+      <p:sp>
+        <p:nvSpPr>
+          <p:cNvPr id="4" name="Rectangle 5"/>
+          <p:cNvSpPr>
+            <a:spLocks/>
+          </p:cNvSpPr>
+          <p:nvPr/>
+        </p:nvSpPr>
+        <p:spPr bwMode="auto">
+          <a:xfrm>
+            <a:off x="4529138" y="1929795"/>
+            <a:ext cx="7243762" cy="1371600"/>
+          </a:xfrm>
+          <a:prstGeom prst="rect">
+            <a:avLst/>
+          </a:prstGeom>
+          <a:solidFill>
+            <a:schemeClr val="tx1"/>
+          </a:solidFill>
+          <a:ln w="38100">
+            <a:solidFill>
+              <a:schemeClr val="accent1"/>
+            </a:solidFill>
+          </a:ln>
+        </p:spPr>
+        <p:txBody>
+          <a:bodyPr lIns="0" tIns="0" rIns="0" bIns="0" anchor="ctr"/>
+          <a:lstStyle>
+            <a:lvl1pPr>
+              <a:defRPr sz="2000">
+                <a:solidFill>
+                  <a:srgbClr val="FFFFFF"/>
+                </a:solidFill>
+                <a:latin typeface="Gill Sans" charset="0"/>
+                <a:ea typeface="ヒラギノ角ゴ ProN W3" charset="-128"/>
+                <a:sym typeface="Gill Sans" charset="0"/>
+              </a:defRPr>
+            </a:lvl1pPr>
+            <a:lvl2pPr marL="742950" indent="-285750">
+              <a:defRPr sz="2000">
+                <a:solidFill>
+                  <a:srgbClr val="FFFFFF"/>
+                </a:solidFill>
+                <a:latin typeface="Gill Sans" charset="0"/>
+                <a:ea typeface="ヒラギノ角ゴ ProN W3" charset="-128"/>
+                <a:sym typeface="Gill Sans" charset="0"/>
+              </a:defRPr>
+            </a:lvl2pPr>
+            <a:lvl3pPr marL="1143000" indent="-228600">
+              <a:defRPr sz="2000">
+                <a:solidFill>
+                  <a:srgbClr val="FFFFFF"/>
+                </a:solidFill>
+                <a:latin typeface="Gill Sans" charset="0"/>
+                <a:ea typeface="ヒラギノ角ゴ ProN W3" charset="-128"/>
+                <a:sym typeface="Gill Sans" charset="0"/>
+              </a:defRPr>
+            </a:lvl3pPr>
+            <a:lvl4pPr marL="1600200" indent="-228600">
+              <a:defRPr sz="2000">
+                <a:solidFill>
+                  <a:srgbClr val="FFFFFF"/>
+                </a:solidFill>
+                <a:latin typeface="Gill Sans" charset="0"/>
+                <a:ea typeface="ヒラギノ角ゴ ProN W3" charset="-128"/>
+                <a:sym typeface="Gill Sans" charset="0"/>
+              </a:defRPr>
+            </a:lvl4pPr>
+            <a:lvl5pPr marL="2057400" indent="-228600">
+              <a:defRPr sz="2000">
+                <a:solidFill>
+                  <a:srgbClr val="FFFFFF"/>
+                </a:solidFill>
+                <a:latin typeface="Gill Sans" charset="0"/>
+                <a:ea typeface="ヒラギノ角ゴ ProN W3" charset="-128"/>
+                <a:sym typeface="Gill Sans" charset="0"/>
+              </a:defRPr>
+            </a:lvl5pPr>
+            <a:lvl6pPr marL="2514600" indent="-228600" eaLnBrk="0" fontAlgn="base" hangingPunct="0">
+              <a:spcBef>
+                <a:spcPct val="0"/>
+              </a:spcBef>
+              <a:spcAft>
+                <a:spcPct val="0"/>
+              </a:spcAft>
+              <a:defRPr sz="2000">
+                <a:solidFill>
+                  <a:srgbClr val="FFFFFF"/>
+                </a:solidFill>
+                <a:latin typeface="Gill Sans" charset="0"/>
+                <a:ea typeface="ヒラギノ角ゴ ProN W3" charset="-128"/>
+                <a:sym typeface="Gill Sans" charset="0"/>
+              </a:defRPr>
+            </a:lvl6pPr>
+            <a:lvl7pPr marL="2971800" indent="-228600" eaLnBrk="0" fontAlgn="base" hangingPunct="0">
+              <a:spcBef>
+                <a:spcPct val="0"/>
+              </a:spcBef>
+              <a:spcAft>
+                <a:spcPct val="0"/>
+              </a:spcAft>
+              <a:defRPr sz="2000">
+                <a:solidFill>
+                  <a:srgbClr val="FFFFFF"/>
+                </a:solidFill>
+                <a:latin typeface="Gill Sans" charset="0"/>
+                <a:ea typeface="ヒラギノ角ゴ ProN W3" charset="-128"/>
+                <a:sym typeface="Gill Sans" charset="0"/>
+              </a:defRPr>
+            </a:lvl7pPr>
+            <a:lvl8pPr marL="3429000" indent="-228600" eaLnBrk="0" fontAlgn="base" hangingPunct="0">
+              <a:spcBef>
+                <a:spcPct val="0"/>
+              </a:spcBef>
+              <a:spcAft>
+                <a:spcPct val="0"/>
+              </a:spcAft>
+              <a:defRPr sz="2000">
+                <a:solidFill>
+                  <a:srgbClr val="FFFFFF"/>
+                </a:solidFill>
+                <a:latin typeface="Gill Sans" charset="0"/>
+                <a:ea typeface="ヒラギノ角ゴ ProN W3" charset="-128"/>
+                <a:sym typeface="Gill Sans" charset="0"/>
+              </a:defRPr>
+            </a:lvl8pPr>
+            <a:lvl9pPr marL="3886200" indent="-228600" eaLnBrk="0" fontAlgn="base" hangingPunct="0">
+              <a:spcBef>
+                <a:spcPct val="0"/>
+              </a:spcBef>
+              <a:spcAft>
+                <a:spcPct val="0"/>
+              </a:spcAft>
+              <a:defRPr sz="2000">
+                <a:solidFill>
+                  <a:srgbClr val="FFFFFF"/>
+                </a:solidFill>
+                <a:latin typeface="Gill Sans" charset="0"/>
+                <a:ea typeface="ヒラギノ角ゴ ProN W3" charset="-128"/>
+                <a:sym typeface="Gill Sans" charset="0"/>
+              </a:defRPr>
+            </a:lvl9pPr>
+          </a:lstStyle>
+          <a:p>
+            <a:r>
+              <a:rPr lang="en-US" sz="1200" b="1" dirty="0" smtClean="0">
+                <a:solidFill>
+                  <a:srgbClr val="C1651C"/>
+                </a:solidFill>
+                <a:latin typeface="Courier" charset="0"/>
+                <a:ea typeface="Courier" charset="0"/>
+                <a:cs typeface="Courier" charset="0"/>
+              </a:rPr>
+              <a:t> </a:t>
+            </a:r>
+            <a:r>
+              <a:rPr lang="en-US" sz="1200" b="1" dirty="0" err="1" smtClean="0">
+                <a:solidFill>
+                  <a:srgbClr val="C1651C"/>
+                </a:solidFill>
+                <a:latin typeface="Courier" charset="0"/>
+                <a:ea typeface="Courier" charset="0"/>
+                <a:cs typeface="Courier" charset="0"/>
+              </a:rPr>
+              <a:t>def</a:t>
+            </a:r>
+            <a:r>
+              <a:rPr lang="en-US" sz="1200" b="1" dirty="0" smtClean="0">
+                <a:solidFill>
+                  <a:srgbClr val="000000"/>
+                </a:solidFill>
+                <a:latin typeface="Courier" charset="0"/>
+                <a:ea typeface="Courier" charset="0"/>
+                <a:cs typeface="Courier" charset="0"/>
+              </a:rPr>
+              <a:t> </a:t>
+            </a:r>
+            <a:r>
+              <a:rPr lang="en-US" sz="1200" b="1" dirty="0">
+                <a:solidFill>
+                  <a:srgbClr val="2EAEBB"/>
+                </a:solidFill>
+                <a:latin typeface="Courier" charset="0"/>
+                <a:ea typeface="Courier" charset="0"/>
+                <a:cs typeface="Courier" charset="0"/>
+              </a:rPr>
+              <a:t>cookie</a:t>
+            </a:r>
+            <a:r>
+              <a:rPr lang="en-US" sz="1200" b="1" dirty="0">
+                <a:solidFill>
+                  <a:srgbClr val="000000"/>
+                </a:solidFill>
+                <a:latin typeface="Courier" charset="0"/>
+                <a:ea typeface="Courier" charset="0"/>
+                <a:cs typeface="Courier" charset="0"/>
+              </a:rPr>
+              <a:t>(request):</a:t>
+            </a:r>
+          </a:p>
+          <a:p>
+            <a:r>
+              <a:rPr lang="en-US" sz="1200" b="1" dirty="0" smtClean="0">
+                <a:solidFill>
+                  <a:srgbClr val="000000"/>
+                </a:solidFill>
+                <a:latin typeface="Courier" charset="0"/>
+                <a:ea typeface="Courier" charset="0"/>
+                <a:cs typeface="Courier" charset="0"/>
+              </a:rPr>
+              <a:t>     </a:t>
+            </a:r>
+            <a:r>
+              <a:rPr lang="en-US" sz="1200" b="1" dirty="0">
+                <a:solidFill>
+                  <a:srgbClr val="2EAEBB"/>
+                </a:solidFill>
+                <a:latin typeface="Courier" charset="0"/>
+                <a:ea typeface="Courier" charset="0"/>
+                <a:cs typeface="Courier" charset="0"/>
+              </a:rPr>
+              <a:t>print</a:t>
+            </a:r>
+            <a:r>
+              <a:rPr lang="en-US" sz="1200" b="1" dirty="0">
+                <a:solidFill>
+                  <a:srgbClr val="000000"/>
+                </a:solidFill>
+                <a:latin typeface="Courier" charset="0"/>
+                <a:ea typeface="Courier" charset="0"/>
+                <a:cs typeface="Courier" charset="0"/>
+              </a:rPr>
+              <a:t>(</a:t>
+            </a:r>
+            <a:r>
+              <a:rPr lang="en-US" sz="1200" b="1" dirty="0" err="1">
+                <a:solidFill>
+                  <a:srgbClr val="000000"/>
+                </a:solidFill>
+                <a:latin typeface="Courier" charset="0"/>
+                <a:ea typeface="Courier" charset="0"/>
+                <a:cs typeface="Courier" charset="0"/>
+              </a:rPr>
+              <a:t>request.COOKIES</a:t>
+            </a:r>
+            <a:r>
+              <a:rPr lang="en-US" sz="1200" b="1" dirty="0">
+                <a:solidFill>
+                  <a:srgbClr val="000000"/>
+                </a:solidFill>
+                <a:latin typeface="Courier" charset="0"/>
+                <a:ea typeface="Courier" charset="0"/>
+                <a:cs typeface="Courier" charset="0"/>
+              </a:rPr>
+              <a:t>)</a:t>
+            </a:r>
+          </a:p>
+          <a:p>
+            <a:r>
+              <a:rPr lang="en-US" sz="1200" b="1" dirty="0" smtClean="0">
+                <a:solidFill>
+                  <a:srgbClr val="000000"/>
+                </a:solidFill>
+                <a:latin typeface="Courier" charset="0"/>
+                <a:ea typeface="Courier" charset="0"/>
+                <a:cs typeface="Courier" charset="0"/>
+              </a:rPr>
+              <a:t>     </a:t>
+            </a:r>
+            <a:r>
+              <a:rPr lang="en-US" sz="1200" b="1" dirty="0" err="1">
+                <a:solidFill>
+                  <a:srgbClr val="000000"/>
+                </a:solidFill>
+                <a:latin typeface="Courier" charset="0"/>
+                <a:ea typeface="Courier" charset="0"/>
+                <a:cs typeface="Courier" charset="0"/>
+              </a:rPr>
+              <a:t>resp</a:t>
+            </a:r>
+            <a:r>
+              <a:rPr lang="en-US" sz="1200" b="1" dirty="0">
+                <a:solidFill>
+                  <a:srgbClr val="000000"/>
+                </a:solidFill>
+                <a:latin typeface="Courier" charset="0"/>
+                <a:ea typeface="Courier" charset="0"/>
+                <a:cs typeface="Courier" charset="0"/>
+              </a:rPr>
+              <a:t> = </a:t>
+            </a:r>
+            <a:r>
+              <a:rPr lang="en-US" sz="1200" b="1" dirty="0" err="1">
+                <a:solidFill>
+                  <a:srgbClr val="000000"/>
+                </a:solidFill>
+                <a:latin typeface="Courier" charset="0"/>
+                <a:ea typeface="Courier" charset="0"/>
+                <a:cs typeface="Courier" charset="0"/>
+              </a:rPr>
+              <a:t>HttpResponse</a:t>
+            </a:r>
+            <a:r>
+              <a:rPr lang="en-US" sz="1200" b="1" dirty="0">
+                <a:solidFill>
+                  <a:srgbClr val="000000"/>
+                </a:solidFill>
+                <a:latin typeface="Courier" charset="0"/>
+                <a:ea typeface="Courier" charset="0"/>
+                <a:cs typeface="Courier" charset="0"/>
+              </a:rPr>
+              <a:t>(</a:t>
+            </a:r>
+            <a:r>
+              <a:rPr lang="en-US" sz="1200" b="1" dirty="0">
+                <a:solidFill>
+                  <a:srgbClr val="B42419"/>
+                </a:solidFill>
+                <a:latin typeface="Courier" charset="0"/>
+                <a:ea typeface="Courier" charset="0"/>
+                <a:cs typeface="Courier" charset="0"/>
+              </a:rPr>
+              <a:t>'C is for cookie and that is good enough for me...'</a:t>
+            </a:r>
+            <a:r>
+              <a:rPr lang="en-US" sz="1200" b="1" dirty="0">
+                <a:solidFill>
+                  <a:srgbClr val="000000"/>
+                </a:solidFill>
+                <a:latin typeface="Courier" charset="0"/>
+                <a:ea typeface="Courier" charset="0"/>
+                <a:cs typeface="Courier" charset="0"/>
+              </a:rPr>
+              <a:t>)</a:t>
+            </a:r>
+          </a:p>
+          <a:p>
+            <a:r>
+              <a:rPr lang="en-US" sz="1200" b="1" dirty="0" smtClean="0">
+                <a:solidFill>
+                  <a:srgbClr val="000000"/>
+                </a:solidFill>
+                <a:latin typeface="Courier" charset="0"/>
+                <a:ea typeface="Courier" charset="0"/>
+                <a:cs typeface="Courier" charset="0"/>
+              </a:rPr>
+              <a:t>     </a:t>
+            </a:r>
+            <a:r>
+              <a:rPr lang="en-US" sz="1200" b="1" dirty="0" err="1">
+                <a:solidFill>
+                  <a:srgbClr val="000000"/>
+                </a:solidFill>
+                <a:latin typeface="Courier" charset="0"/>
+                <a:ea typeface="Courier" charset="0"/>
+                <a:cs typeface="Courier" charset="0"/>
+              </a:rPr>
+              <a:t>resp.set_cookie</a:t>
+            </a:r>
+            <a:r>
+              <a:rPr lang="en-US" sz="1200" b="1" dirty="0">
+                <a:solidFill>
+                  <a:srgbClr val="000000"/>
+                </a:solidFill>
+                <a:latin typeface="Courier" charset="0"/>
+                <a:ea typeface="Courier" charset="0"/>
+                <a:cs typeface="Courier" charset="0"/>
+              </a:rPr>
+              <a:t>(</a:t>
+            </a:r>
+            <a:r>
+              <a:rPr lang="en-US" sz="1200" b="1" dirty="0">
+                <a:solidFill>
+                  <a:srgbClr val="B42419"/>
+                </a:solidFill>
+                <a:latin typeface="Courier" charset="0"/>
+                <a:ea typeface="Courier" charset="0"/>
+                <a:cs typeface="Courier" charset="0"/>
+              </a:rPr>
+              <a:t>'zap'</a:t>
+            </a:r>
+            <a:r>
+              <a:rPr lang="en-US" sz="1200" b="1" dirty="0">
+                <a:solidFill>
+                  <a:srgbClr val="000000"/>
+                </a:solidFill>
+                <a:latin typeface="Courier" charset="0"/>
+                <a:ea typeface="Courier" charset="0"/>
+                <a:cs typeface="Courier" charset="0"/>
+              </a:rPr>
+              <a:t>, </a:t>
+            </a:r>
+            <a:r>
+              <a:rPr lang="en-US" sz="1200" b="1" dirty="0">
+                <a:solidFill>
+                  <a:srgbClr val="B42419"/>
+                </a:solidFill>
+                <a:latin typeface="Courier" charset="0"/>
+                <a:ea typeface="Courier" charset="0"/>
+                <a:cs typeface="Courier" charset="0"/>
+              </a:rPr>
+              <a:t>42</a:t>
+            </a:r>
+            <a:r>
+              <a:rPr lang="en-US" sz="1200" b="1" dirty="0">
+                <a:solidFill>
+                  <a:srgbClr val="000000"/>
+                </a:solidFill>
+                <a:latin typeface="Courier" charset="0"/>
+                <a:ea typeface="Courier" charset="0"/>
+                <a:cs typeface="Courier" charset="0"/>
+              </a:rPr>
+              <a:t>) </a:t>
+            </a:r>
+            <a:r>
+              <a:rPr lang="en-US" sz="1200" b="1" dirty="0">
+                <a:solidFill>
+                  <a:srgbClr val="400BD9"/>
+                </a:solidFill>
+                <a:latin typeface="Courier" charset="0"/>
+                <a:ea typeface="Courier" charset="0"/>
+                <a:cs typeface="Courier" charset="0"/>
+              </a:rPr>
+              <a:t># No </a:t>
+            </a:r>
+            <a:r>
+              <a:rPr lang="en-US" sz="1200" b="1" dirty="0" smtClean="0">
+                <a:solidFill>
+                  <a:srgbClr val="400BD9"/>
+                </a:solidFill>
+                <a:latin typeface="Courier" charset="0"/>
+                <a:ea typeface="Courier" charset="0"/>
+                <a:cs typeface="Courier" charset="0"/>
+              </a:rPr>
+              <a:t>expired date </a:t>
+            </a:r>
+            <a:r>
+              <a:rPr lang="en-US" sz="1200" b="1" dirty="0">
+                <a:solidFill>
+                  <a:srgbClr val="400BD9"/>
+                </a:solidFill>
+                <a:latin typeface="Courier" charset="0"/>
+                <a:ea typeface="Courier" charset="0"/>
+                <a:cs typeface="Courier" charset="0"/>
+              </a:rPr>
+              <a:t>= until browser close</a:t>
+            </a:r>
+            <a:endParaRPr lang="en-US" sz="1200" b="1" dirty="0">
+              <a:solidFill>
+                <a:srgbClr val="000000"/>
+              </a:solidFill>
+              <a:latin typeface="Courier" charset="0"/>
+              <a:ea typeface="Courier" charset="0"/>
+              <a:cs typeface="Courier" charset="0"/>
+            </a:endParaRPr>
+          </a:p>
+          <a:p>
+            <a:r>
+              <a:rPr lang="en-US" sz="1200" b="1" dirty="0" smtClean="0">
+                <a:solidFill>
+                  <a:srgbClr val="000000"/>
+                </a:solidFill>
+                <a:latin typeface="Courier" charset="0"/>
+                <a:ea typeface="Courier" charset="0"/>
+                <a:cs typeface="Courier" charset="0"/>
+              </a:rPr>
+              <a:t>     </a:t>
+            </a:r>
+            <a:r>
+              <a:rPr lang="en-US" sz="1200" b="1" dirty="0" err="1">
+                <a:solidFill>
+                  <a:srgbClr val="000000"/>
+                </a:solidFill>
+                <a:latin typeface="Courier" charset="0"/>
+                <a:ea typeface="Courier" charset="0"/>
+                <a:cs typeface="Courier" charset="0"/>
+              </a:rPr>
+              <a:t>resp.set_cookie</a:t>
+            </a:r>
+            <a:r>
+              <a:rPr lang="en-US" sz="1200" b="1" dirty="0">
+                <a:solidFill>
+                  <a:srgbClr val="000000"/>
+                </a:solidFill>
+                <a:latin typeface="Courier" charset="0"/>
+                <a:ea typeface="Courier" charset="0"/>
+                <a:cs typeface="Courier" charset="0"/>
+              </a:rPr>
+              <a:t>(</a:t>
+            </a:r>
+            <a:r>
+              <a:rPr lang="en-US" sz="1200" b="1" dirty="0">
+                <a:solidFill>
+                  <a:srgbClr val="B42419"/>
+                </a:solidFill>
+                <a:latin typeface="Courier" charset="0"/>
+                <a:ea typeface="Courier" charset="0"/>
+                <a:cs typeface="Courier" charset="0"/>
+              </a:rPr>
+              <a:t>'</a:t>
+            </a:r>
+            <a:r>
+              <a:rPr lang="en-US" sz="1200" b="1" dirty="0" err="1">
+                <a:solidFill>
+                  <a:srgbClr val="B42419"/>
+                </a:solidFill>
+                <a:latin typeface="Courier" charset="0"/>
+                <a:ea typeface="Courier" charset="0"/>
+                <a:cs typeface="Courier" charset="0"/>
+              </a:rPr>
+              <a:t>sakaicar</a:t>
+            </a:r>
+            <a:r>
+              <a:rPr lang="en-US" sz="1200" b="1" dirty="0">
+                <a:solidFill>
+                  <a:srgbClr val="B42419"/>
+                </a:solidFill>
+                <a:latin typeface="Courier" charset="0"/>
+                <a:ea typeface="Courier" charset="0"/>
+                <a:cs typeface="Courier" charset="0"/>
+              </a:rPr>
+              <a:t>'</a:t>
+            </a:r>
+            <a:r>
+              <a:rPr lang="en-US" sz="1200" b="1" dirty="0">
+                <a:solidFill>
+                  <a:srgbClr val="000000"/>
+                </a:solidFill>
+                <a:latin typeface="Courier" charset="0"/>
+                <a:ea typeface="Courier" charset="0"/>
+                <a:cs typeface="Courier" charset="0"/>
+              </a:rPr>
+              <a:t>, </a:t>
+            </a:r>
+            <a:r>
+              <a:rPr lang="en-US" sz="1200" b="1" dirty="0">
+                <a:solidFill>
+                  <a:srgbClr val="B42419"/>
+                </a:solidFill>
+                <a:latin typeface="Courier" charset="0"/>
+                <a:ea typeface="Courier" charset="0"/>
+                <a:cs typeface="Courier" charset="0"/>
+              </a:rPr>
+              <a:t>42</a:t>
+            </a:r>
+            <a:r>
+              <a:rPr lang="en-US" sz="1200" b="1" dirty="0">
+                <a:solidFill>
+                  <a:srgbClr val="000000"/>
+                </a:solidFill>
+                <a:latin typeface="Courier" charset="0"/>
+                <a:ea typeface="Courier" charset="0"/>
+                <a:cs typeface="Courier" charset="0"/>
+              </a:rPr>
+              <a:t>, </a:t>
+            </a:r>
+            <a:r>
+              <a:rPr lang="en-US" sz="1200" b="1" dirty="0" err="1">
+                <a:solidFill>
+                  <a:srgbClr val="000000"/>
+                </a:solidFill>
+                <a:latin typeface="Courier" charset="0"/>
+                <a:ea typeface="Courier" charset="0"/>
+                <a:cs typeface="Courier" charset="0"/>
+              </a:rPr>
+              <a:t>max_age</a:t>
+            </a:r>
+            <a:r>
+              <a:rPr lang="en-US" sz="1200" b="1" dirty="0">
+                <a:solidFill>
+                  <a:srgbClr val="000000"/>
+                </a:solidFill>
+                <a:latin typeface="Courier" charset="0"/>
+                <a:ea typeface="Courier" charset="0"/>
+                <a:cs typeface="Courier" charset="0"/>
+              </a:rPr>
+              <a:t>=</a:t>
+            </a:r>
+            <a:r>
+              <a:rPr lang="en-US" sz="1200" b="1" dirty="0">
+                <a:solidFill>
+                  <a:srgbClr val="B42419"/>
+                </a:solidFill>
+                <a:latin typeface="Courier" charset="0"/>
+                <a:ea typeface="Courier" charset="0"/>
+                <a:cs typeface="Courier" charset="0"/>
+              </a:rPr>
+              <a:t>1000</a:t>
+            </a:r>
+            <a:r>
+              <a:rPr lang="en-US" sz="1200" b="1" dirty="0">
+                <a:solidFill>
+                  <a:srgbClr val="000000"/>
+                </a:solidFill>
+                <a:latin typeface="Courier" charset="0"/>
+                <a:ea typeface="Courier" charset="0"/>
+                <a:cs typeface="Courier" charset="0"/>
+              </a:rPr>
+              <a:t>) </a:t>
+            </a:r>
+            <a:r>
+              <a:rPr lang="en-US" sz="1200" b="1" dirty="0">
+                <a:solidFill>
+                  <a:srgbClr val="400BD9"/>
+                </a:solidFill>
+                <a:latin typeface="Courier" charset="0"/>
+                <a:ea typeface="Courier" charset="0"/>
+                <a:cs typeface="Courier" charset="0"/>
+              </a:rPr>
+              <a:t># seconds until expire</a:t>
+            </a:r>
+            <a:endParaRPr lang="en-US" sz="1200" b="1" dirty="0">
+              <a:solidFill>
+                <a:srgbClr val="000000"/>
+              </a:solidFill>
+              <a:latin typeface="Courier" charset="0"/>
+              <a:ea typeface="Courier" charset="0"/>
+              <a:cs typeface="Courier" charset="0"/>
+            </a:endParaRPr>
+          </a:p>
+          <a:p>
+            <a:r>
+              <a:rPr lang="en-US" sz="1200" b="1" dirty="0" smtClean="0">
+                <a:solidFill>
+                  <a:srgbClr val="000000"/>
+                </a:solidFill>
+                <a:latin typeface="Courier" charset="0"/>
+                <a:ea typeface="Courier" charset="0"/>
+                <a:cs typeface="Courier" charset="0"/>
+              </a:rPr>
+              <a:t>     </a:t>
+            </a:r>
+            <a:r>
+              <a:rPr lang="en-US" sz="1200" b="1" dirty="0">
+                <a:solidFill>
+                  <a:srgbClr val="C1651C"/>
+                </a:solidFill>
+                <a:latin typeface="Courier" charset="0"/>
+                <a:ea typeface="Courier" charset="0"/>
+                <a:cs typeface="Courier" charset="0"/>
+              </a:rPr>
+              <a:t>return</a:t>
+            </a:r>
+            <a:r>
+              <a:rPr lang="en-US" sz="1200" b="1" dirty="0">
+                <a:solidFill>
+                  <a:srgbClr val="000000"/>
+                </a:solidFill>
+                <a:latin typeface="Courier" charset="0"/>
+                <a:ea typeface="Courier" charset="0"/>
+                <a:cs typeface="Courier" charset="0"/>
+              </a:rPr>
+              <a:t> </a:t>
+            </a:r>
+            <a:r>
+              <a:rPr lang="en-US" sz="1200" b="1" dirty="0" err="1">
+                <a:solidFill>
+                  <a:srgbClr val="000000"/>
+                </a:solidFill>
+                <a:latin typeface="Courier" charset="0"/>
+                <a:ea typeface="Courier" charset="0"/>
+                <a:cs typeface="Courier" charset="0"/>
+              </a:rPr>
+              <a:t>resp</a:t>
+            </a:r>
+            <a:endParaRPr lang="en-US" altLang="x-none" sz="1200" b="1" dirty="0">
+              <a:solidFill>
+                <a:srgbClr val="FFFF00"/>
+              </a:solidFill>
+              <a:latin typeface="Courier" charset="0"/>
+              <a:ea typeface="Courier" charset="0"/>
+              <a:cs typeface="Courier" charset="0"/>
+              <a:sym typeface="Courier New Bold" charset="0"/>
+            </a:endParaRPr>
+          </a:p>
+        </p:txBody>
+      </p:sp>
     </p:spTree>
     <p:extLst>
       <p:ext uri="{BB962C8B-B14F-4D97-AF65-F5344CB8AC3E}">
@@ -20952,25 +21629,8 @@
             </a:r>
             <a:r>
               <a:rPr lang="en-US" sz="2851" dirty="0" smtClean="0"/>
-              <a:t> </a:t>
-            </a:r>
-            <a:r>
-              <a:rPr lang="en-US" sz="2851" dirty="0" smtClean="0"/>
-              <a:t>attribute that we can treat like a dictionary that persists from </a:t>
-            </a:r>
-            <a:r>
-              <a:rPr lang="en-US" sz="2851" dirty="0" smtClean="0"/>
-              <a:t>one request </a:t>
-            </a:r>
-            <a:r>
-              <a:rPr lang="en-US" sz="2851" dirty="0" smtClean="0"/>
-              <a:t>to </a:t>
-            </a:r>
-            <a:r>
-              <a:rPr lang="en-US" sz="2851" dirty="0" smtClean="0"/>
-              <a:t>the next request</a:t>
-            </a:r>
-            <a:endParaRPr lang="en-US" sz="2851" dirty="0" smtClean="0"/>
+              <a:t> attribute that we can treat like a dictionary that persists from one request to the next request</a:t>
+            </a:r>
           </a:p>
           <a:p>
             <a:pPr marL="828654">
@@ -20981,67 +21641,39 @@
             </a:pPr>
             <a:r>
               <a:rPr lang="en-US" sz="2851" dirty="0" smtClean="0"/>
-              <a:t>As long we have the session </a:t>
+              <a:t>As long we have the session middleware enabled in </a:t>
+            </a:r>
+            <a:r>
+              <a:rPr lang="en-US" sz="2851" dirty="0" err="1" smtClean="0">
+                <a:solidFill>
+                  <a:srgbClr val="00FDFF"/>
+                </a:solidFill>
+              </a:rPr>
+              <a:t>settings.py</a:t>
             </a:r>
             <a:r>
               <a:rPr lang="en-US" sz="2851" dirty="0" smtClean="0"/>
-              <a:t>middleware enabled in </a:t>
-            </a:r>
-            <a:r>
-              <a:rPr lang="en-US" sz="2851" dirty="0" err="1" smtClean="0">
-                <a:solidFill>
-                  <a:srgbClr val="00FDFF"/>
-                </a:solidFill>
-              </a:rPr>
-              <a:t>settings.py</a:t>
+              <a:t> and the database table, and the browser allows cookies, we just store and read </a:t>
+            </a:r>
+            <a:r>
+              <a:rPr lang="en-US" sz="2851" dirty="0" err="1">
+                <a:solidFill>
+                  <a:srgbClr val="FFFF00"/>
+                </a:solidFill>
+              </a:rPr>
+              <a:t>request.session</a:t>
+            </a:r>
+            <a:r>
+              <a:rPr lang="en-US" sz="2851" dirty="0">
+                <a:solidFill>
+                  <a:srgbClr val="FFFF00"/>
+                </a:solidFill>
+              </a:rPr>
+              <a:t> </a:t>
             </a:r>
             <a:r>
               <a:rPr lang="en-US" sz="2851" dirty="0" smtClean="0"/>
-              <a:t> </a:t>
-            </a:r>
-            <a:r>
-              <a:rPr lang="en-US" sz="2851" dirty="0" smtClean="0"/>
-              <a:t>and the database table, </a:t>
-            </a:r>
-            <a:r>
-              <a:rPr lang="en-US" sz="2851" dirty="0" smtClean="0"/>
-              <a:t>and the </a:t>
-            </a:r>
-            <a:r>
-              <a:rPr lang="en-US" sz="2851" dirty="0" smtClean="0"/>
-              <a:t>browser allows cookies, </a:t>
-            </a:r>
-            <a:r>
-              <a:rPr lang="en-US" sz="2851" dirty="0" smtClean="0"/>
-              <a:t>we just store and read </a:t>
-            </a:r>
-            <a:r>
-              <a:rPr lang="en-US" sz="2851" dirty="0" err="1">
-                <a:solidFill>
-                  <a:srgbClr val="FFFF00"/>
-                </a:solidFill>
-              </a:rPr>
-              <a:t>request.session</a:t>
-            </a:r>
-            <a:r>
-              <a:rPr lang="en-US" sz="2851" dirty="0">
-                <a:solidFill>
-                  <a:srgbClr val="FFFF00"/>
-                </a:solidFill>
-              </a:rPr>
-              <a:t> </a:t>
-            </a:r>
-            <a:r>
-              <a:rPr lang="en-US" sz="2851" dirty="0" smtClean="0"/>
-              <a:t>in </a:t>
-            </a:r>
-            <a:r>
-              <a:rPr lang="en-US" sz="2851" dirty="0" smtClean="0"/>
-              <a:t>our </a:t>
-            </a:r>
-            <a:r>
-              <a:rPr lang="en-US" sz="2851" dirty="0" smtClean="0"/>
-              <a:t>views and pretend it is "magic"</a:t>
+              <a:t>in our views and pretend it is "magic"</a:t>
             </a:r>
             <a:endParaRPr lang="en-US" sz="2851" dirty="0"/>
           </a:p>
@@ -24767,11 +25399,7 @@
             </a:pPr>
             <a:r>
               <a:rPr lang="en-US" altLang="en-US" sz="1600" dirty="0" smtClean="0"/>
-              <a:t>Portions </a:t>
-            </a:r>
-            <a:r>
-              <a:rPr lang="en-US" altLang="en-US" sz="1600" dirty="0" smtClean="0"/>
-              <a:t>of the text of these slides is adapted from the text </a:t>
+              <a:t>Portions of the text of these slides is adapted from the text </a:t>
             </a:r>
             <a:r>
               <a:rPr lang="en-US" altLang="en-US" sz="1600" dirty="0" smtClean="0">
